--- a/Specification/基本仕様.pptx
+++ b/Specification/基本仕様.pptx
@@ -13,6 +13,7 @@
     <p:sldId id="263" r:id="rId7"/>
     <p:sldId id="264" r:id="rId8"/>
     <p:sldId id="265" r:id="rId9"/>
+    <p:sldId id="266" r:id="rId10"/>
   </p:sldIdLst>
   <p:sldSz cx="12192000" cy="6858000"/>
   <p:notesSz cx="6858000" cy="9144000"/>
@@ -248,7 +249,7 @@
           <a:p>
             <a:fld id="{0E02A643-9BB0-4E02-80B2-2C0A5E5D738E}" type="datetimeFigureOut">
               <a:rPr kumimoji="1" lang="ja-JP" altLang="en-US" smtClean="0"/>
-              <a:t>2025/10/7</a:t>
+              <a:t>2025/10/9</a:t>
             </a:fld>
             <a:endParaRPr kumimoji="1" lang="ja-JP" altLang="en-US"/>
           </a:p>
@@ -448,7 +449,7 @@
           <a:p>
             <a:fld id="{0E02A643-9BB0-4E02-80B2-2C0A5E5D738E}" type="datetimeFigureOut">
               <a:rPr kumimoji="1" lang="ja-JP" altLang="en-US" smtClean="0"/>
-              <a:t>2025/10/7</a:t>
+              <a:t>2025/10/9</a:t>
             </a:fld>
             <a:endParaRPr kumimoji="1" lang="ja-JP" altLang="en-US"/>
           </a:p>
@@ -658,7 +659,7 @@
           <a:p>
             <a:fld id="{0E02A643-9BB0-4E02-80B2-2C0A5E5D738E}" type="datetimeFigureOut">
               <a:rPr kumimoji="1" lang="ja-JP" altLang="en-US" smtClean="0"/>
-              <a:t>2025/10/7</a:t>
+              <a:t>2025/10/9</a:t>
             </a:fld>
             <a:endParaRPr kumimoji="1" lang="ja-JP" altLang="en-US"/>
           </a:p>
@@ -858,7 +859,7 @@
           <a:p>
             <a:fld id="{0E02A643-9BB0-4E02-80B2-2C0A5E5D738E}" type="datetimeFigureOut">
               <a:rPr kumimoji="1" lang="ja-JP" altLang="en-US" smtClean="0"/>
-              <a:t>2025/10/7</a:t>
+              <a:t>2025/10/9</a:t>
             </a:fld>
             <a:endParaRPr kumimoji="1" lang="ja-JP" altLang="en-US"/>
           </a:p>
@@ -1103,7 +1104,7 @@
           <a:p>
             <a:fld id="{0E02A643-9BB0-4E02-80B2-2C0A5E5D738E}" type="datetimeFigureOut">
               <a:rPr kumimoji="1" lang="ja-JP" altLang="en-US" smtClean="0"/>
-              <a:t>2025/10/7</a:t>
+              <a:t>2025/10/9</a:t>
             </a:fld>
             <a:endParaRPr kumimoji="1" lang="ja-JP" altLang="en-US"/>
           </a:p>
@@ -1396,7 +1397,7 @@
           <a:p>
             <a:fld id="{0E02A643-9BB0-4E02-80B2-2C0A5E5D738E}" type="datetimeFigureOut">
               <a:rPr kumimoji="1" lang="ja-JP" altLang="en-US" smtClean="0"/>
-              <a:t>2025/10/7</a:t>
+              <a:t>2025/10/9</a:t>
             </a:fld>
             <a:endParaRPr kumimoji="1" lang="ja-JP" altLang="en-US"/>
           </a:p>
@@ -1824,7 +1825,7 @@
           <a:p>
             <a:fld id="{0E02A643-9BB0-4E02-80B2-2C0A5E5D738E}" type="datetimeFigureOut">
               <a:rPr kumimoji="1" lang="ja-JP" altLang="en-US" smtClean="0"/>
-              <a:t>2025/10/7</a:t>
+              <a:t>2025/10/9</a:t>
             </a:fld>
             <a:endParaRPr kumimoji="1" lang="ja-JP" altLang="en-US"/>
           </a:p>
@@ -1955,7 +1956,7 @@
           <a:p>
             <a:fld id="{0E02A643-9BB0-4E02-80B2-2C0A5E5D738E}" type="datetimeFigureOut">
               <a:rPr kumimoji="1" lang="ja-JP" altLang="en-US" smtClean="0"/>
-              <a:t>2025/10/7</a:t>
+              <a:t>2025/10/9</a:t>
             </a:fld>
             <a:endParaRPr kumimoji="1" lang="ja-JP" altLang="en-US"/>
           </a:p>
@@ -2050,7 +2051,7 @@
           <a:p>
             <a:fld id="{0E02A643-9BB0-4E02-80B2-2C0A5E5D738E}" type="datetimeFigureOut">
               <a:rPr kumimoji="1" lang="ja-JP" altLang="en-US" smtClean="0"/>
-              <a:t>2025/10/7</a:t>
+              <a:t>2025/10/9</a:t>
             </a:fld>
             <a:endParaRPr kumimoji="1" lang="ja-JP" altLang="en-US"/>
           </a:p>
@@ -2357,7 +2358,7 @@
           <a:p>
             <a:fld id="{0E02A643-9BB0-4E02-80B2-2C0A5E5D738E}" type="datetimeFigureOut">
               <a:rPr kumimoji="1" lang="ja-JP" altLang="en-US" smtClean="0"/>
-              <a:t>2025/10/7</a:t>
+              <a:t>2025/10/9</a:t>
             </a:fld>
             <a:endParaRPr kumimoji="1" lang="ja-JP" altLang="en-US"/>
           </a:p>
@@ -2609,7 +2610,7 @@
           <a:p>
             <a:fld id="{0E02A643-9BB0-4E02-80B2-2C0A5E5D738E}" type="datetimeFigureOut">
               <a:rPr kumimoji="1" lang="ja-JP" altLang="en-US" smtClean="0"/>
-              <a:t>2025/10/7</a:t>
+              <a:t>2025/10/9</a:t>
             </a:fld>
             <a:endParaRPr kumimoji="1" lang="ja-JP" altLang="en-US"/>
           </a:p>
@@ -2852,7 +2853,7 @@
           <a:p>
             <a:fld id="{0E02A643-9BB0-4E02-80B2-2C0A5E5D738E}" type="datetimeFigureOut">
               <a:rPr kumimoji="1" lang="ja-JP" altLang="en-US" smtClean="0"/>
-              <a:t>2025/10/7</a:t>
+              <a:t>2025/10/9</a:t>
             </a:fld>
             <a:endParaRPr kumimoji="1" lang="ja-JP" altLang="en-US"/>
           </a:p>
@@ -5124,7 +5125,7 @@
         </p:nvSpPr>
         <p:spPr>
           <a:xfrm>
-            <a:off x="892454" y="3621024"/>
+            <a:off x="838200" y="3473783"/>
             <a:ext cx="1454244" cy="261610"/>
           </a:xfrm>
           <a:prstGeom prst="rect">
@@ -21718,6 +21719,636 @@
     <p:extLst>
       <p:ext uri="{BB962C8B-B14F-4D97-AF65-F5344CB8AC3E}">
         <p14:creationId xmlns:p14="http://schemas.microsoft.com/office/powerpoint/2010/main" val="3159733829"/>
+      </p:ext>
+    </p:extLst>
+  </p:cSld>
+  <p:clrMapOvr>
+    <a:masterClrMapping/>
+  </p:clrMapOvr>
+</p:sld>
+</file>
+
+<file path=ppt/slides/slide9.xml><?xml version="1.0" encoding="utf-8"?>
+<p:sld xmlns:a="http://schemas.openxmlformats.org/drawingml/2006/main" xmlns:r="http://schemas.openxmlformats.org/officeDocument/2006/relationships" xmlns:p="http://schemas.openxmlformats.org/presentationml/2006/main">
+  <p:cSld>
+    <p:spTree>
+      <p:nvGrpSpPr>
+        <p:cNvPr id="1" name=""/>
+        <p:cNvGrpSpPr/>
+        <p:nvPr/>
+      </p:nvGrpSpPr>
+      <p:grpSpPr>
+        <a:xfrm>
+          <a:off x="0" y="0"/>
+          <a:ext cx="0" cy="0"/>
+          <a:chOff x="0" y="0"/>
+          <a:chExt cx="0" cy="0"/>
+        </a:xfrm>
+      </p:grpSpPr>
+      <p:sp>
+        <p:nvSpPr>
+          <p:cNvPr id="2" name="タイトル 1">
+            <a:extLst>
+              <a:ext uri="{FF2B5EF4-FFF2-40B4-BE49-F238E27FC236}">
+                <a16:creationId xmlns:a16="http://schemas.microsoft.com/office/drawing/2014/main" id="{471AFDE4-C6A3-BFA0-A012-1FD08F8266C2}"/>
+              </a:ext>
+            </a:extLst>
+          </p:cNvPr>
+          <p:cNvSpPr>
+            <a:spLocks noGrp="1"/>
+          </p:cNvSpPr>
+          <p:nvPr>
+            <p:ph type="title"/>
+          </p:nvPr>
+        </p:nvSpPr>
+        <p:spPr/>
+        <p:txBody>
+          <a:bodyPr>
+            <a:normAutofit fontScale="90000"/>
+          </a:bodyPr>
+          <a:lstStyle/>
+          <a:p>
+            <a:r>
+              <a:rPr lang="ja-JP" altLang="en-US"/>
+              <a:t>バッテリ温度の考え方</a:t>
+            </a:r>
+            <a:endParaRPr kumimoji="1" lang="ja-JP" altLang="en-US"/>
+          </a:p>
+        </p:txBody>
+      </p:sp>
+      <p:sp>
+        <p:nvSpPr>
+          <p:cNvPr id="3" name="テキスト ボックス 2">
+            <a:extLst>
+              <a:ext uri="{FF2B5EF4-FFF2-40B4-BE49-F238E27FC236}">
+                <a16:creationId xmlns:a16="http://schemas.microsoft.com/office/drawing/2014/main" id="{84E78B48-B3C7-551D-95F7-81732257599F}"/>
+              </a:ext>
+            </a:extLst>
+          </p:cNvPr>
+          <p:cNvSpPr txBox="1"/>
+          <p:nvPr/>
+        </p:nvSpPr>
+        <p:spPr>
+          <a:xfrm>
+            <a:off x="510297" y="1008862"/>
+            <a:ext cx="2723823" cy="276999"/>
+          </a:xfrm>
+          <a:prstGeom prst="rect">
+            <a:avLst/>
+          </a:prstGeom>
+          <a:noFill/>
+        </p:spPr>
+        <p:txBody>
+          <a:bodyPr wrap="none" rtlCol="0">
+            <a:spAutoFit/>
+          </a:bodyPr>
+          <a:lstStyle/>
+          <a:p>
+            <a:r>
+              <a:rPr kumimoji="1" lang="en-US" altLang="ja-JP" sz="1200">
+                <a:latin typeface="BIZ UDゴシック" panose="020B0400000000000000" pitchFamily="49" charset="-128"/>
+                <a:ea typeface="BIZ UDゴシック" panose="020B0400000000000000" pitchFamily="49" charset="-128"/>
+              </a:rPr>
+              <a:t>6) </a:t>
+            </a:r>
+            <a:r>
+              <a:rPr kumimoji="1" lang="ja-JP" altLang="en-US" sz="1200">
+                <a:latin typeface="BIZ UDゴシック" panose="020B0400000000000000" pitchFamily="49" charset="-128"/>
+                <a:ea typeface="BIZ UDゴシック" panose="020B0400000000000000" pitchFamily="49" charset="-128"/>
+              </a:rPr>
+              <a:t>実装例（</a:t>
+            </a:r>
+            <a:r>
+              <a:rPr kumimoji="1" lang="en-US" altLang="ja-JP" sz="1200">
+                <a:latin typeface="BIZ UDゴシック" panose="020B0400000000000000" pitchFamily="49" charset="-128"/>
+                <a:ea typeface="BIZ UDゴシック" panose="020B0400000000000000" pitchFamily="49" charset="-128"/>
+              </a:rPr>
+              <a:t>C </a:t>
+            </a:r>
+            <a:r>
+              <a:rPr kumimoji="1" lang="ja-JP" altLang="en-US" sz="1200">
+                <a:latin typeface="BIZ UDゴシック" panose="020B0400000000000000" pitchFamily="49" charset="-128"/>
+                <a:ea typeface="BIZ UDゴシック" panose="020B0400000000000000" pitchFamily="49" charset="-128"/>
+              </a:rPr>
+              <a:t>言語、線形変換の例）</a:t>
+            </a:r>
+          </a:p>
+        </p:txBody>
+      </p:sp>
+      <p:sp>
+        <p:nvSpPr>
+          <p:cNvPr id="6" name="テキスト ボックス 5">
+            <a:extLst>
+              <a:ext uri="{FF2B5EF4-FFF2-40B4-BE49-F238E27FC236}">
+                <a16:creationId xmlns:a16="http://schemas.microsoft.com/office/drawing/2014/main" id="{28B04296-E68C-6FC9-5038-578F399379A0}"/>
+              </a:ext>
+            </a:extLst>
+          </p:cNvPr>
+          <p:cNvSpPr txBox="1"/>
+          <p:nvPr/>
+        </p:nvSpPr>
+        <p:spPr>
+          <a:xfrm>
+            <a:off x="783243" y="1285861"/>
+            <a:ext cx="6853158" cy="2708434"/>
+          </a:xfrm>
+          <a:prstGeom prst="rect">
+            <a:avLst/>
+          </a:prstGeom>
+          <a:solidFill>
+            <a:schemeClr val="accent6">
+              <a:lumMod val="20000"/>
+              <a:lumOff val="80000"/>
+            </a:schemeClr>
+          </a:solidFill>
+        </p:spPr>
+        <p:txBody>
+          <a:bodyPr wrap="none" rtlCol="0">
+            <a:spAutoFit/>
+          </a:bodyPr>
+          <a:lstStyle/>
+          <a:p>
+            <a:r>
+              <a:rPr lang="en-US" altLang="ja-JP" sz="1000">
+                <a:latin typeface="BIZ UDゴシック" panose="020B0400000000000000" pitchFamily="49" charset="-128"/>
+                <a:ea typeface="BIZ UDゴシック" panose="020B0400000000000000" pitchFamily="49" charset="-128"/>
+              </a:rPr>
+              <a:t>// </a:t>
+            </a:r>
+            <a:r>
+              <a:rPr lang="ja-JP" altLang="en-US" sz="1000">
+                <a:latin typeface="BIZ UDゴシック" panose="020B0400000000000000" pitchFamily="49" charset="-128"/>
+                <a:ea typeface="BIZ UDゴシック" panose="020B0400000000000000" pitchFamily="49" charset="-128"/>
+              </a:rPr>
+              <a:t>例：</a:t>
+            </a:r>
+            <a:r>
+              <a:rPr lang="en-US" altLang="ja-JP" sz="1000">
+                <a:latin typeface="BIZ UDゴシック" panose="020B0400000000000000" pitchFamily="49" charset="-128"/>
+                <a:ea typeface="BIZ UDゴシック" panose="020B0400000000000000" pitchFamily="49" charset="-128"/>
+              </a:rPr>
+              <a:t>ADC 10-bit, </a:t>
+            </a:r>
+            <a:r>
+              <a:rPr lang="ja-JP" altLang="en-US" sz="1000">
+                <a:latin typeface="BIZ UDゴシック" panose="020B0400000000000000" pitchFamily="49" charset="-128"/>
+                <a:ea typeface="BIZ UDゴシック" panose="020B0400000000000000" pitchFamily="49" charset="-128"/>
+              </a:rPr>
+              <a:t>マッピング </a:t>
+            </a:r>
+            <a:r>
+              <a:rPr lang="en-US" altLang="ja-JP" sz="1000">
+                <a:latin typeface="BIZ UDゴシック" panose="020B0400000000000000" pitchFamily="49" charset="-128"/>
+                <a:ea typeface="BIZ UDゴシック" panose="020B0400000000000000" pitchFamily="49" charset="-128"/>
+              </a:rPr>
+              <a:t>0..100°C</a:t>
+            </a:r>
+          </a:p>
+          <a:p>
+            <a:r>
+              <a:rPr lang="en-US" altLang="ja-JP" sz="1000">
+                <a:latin typeface="BIZ UDゴシック" panose="020B0400000000000000" pitchFamily="49" charset="-128"/>
+                <a:ea typeface="BIZ UDゴシック" panose="020B0400000000000000" pitchFamily="49" charset="-128"/>
+              </a:rPr>
+              <a:t>#define ADC_MAX 1023.0f</a:t>
+            </a:r>
+          </a:p>
+          <a:p>
+            <a:r>
+              <a:rPr lang="en-US" altLang="ja-JP" sz="1000">
+                <a:latin typeface="BIZ UDゴシック" panose="020B0400000000000000" pitchFamily="49" charset="-128"/>
+                <a:ea typeface="BIZ UDゴシック" panose="020B0400000000000000" pitchFamily="49" charset="-128"/>
+              </a:rPr>
+              <a:t>#define T_MIN 0.0f</a:t>
+            </a:r>
+          </a:p>
+          <a:p>
+            <a:r>
+              <a:rPr lang="en-US" altLang="ja-JP" sz="1000">
+                <a:latin typeface="BIZ UDゴシック" panose="020B0400000000000000" pitchFamily="49" charset="-128"/>
+                <a:ea typeface="BIZ UDゴシック" panose="020B0400000000000000" pitchFamily="49" charset="-128"/>
+              </a:rPr>
+              <a:t>#define T_MAX 100.0f</a:t>
+            </a:r>
+          </a:p>
+          <a:p>
+            <a:endParaRPr lang="en-US" altLang="ja-JP" sz="1000">
+              <a:latin typeface="BIZ UDゴシック" panose="020B0400000000000000" pitchFamily="49" charset="-128"/>
+              <a:ea typeface="BIZ UDゴシック" panose="020B0400000000000000" pitchFamily="49" charset="-128"/>
+            </a:endParaRPr>
+          </a:p>
+          <a:p>
+            <a:r>
+              <a:rPr lang="en-US" altLang="ja-JP" sz="1000">
+                <a:latin typeface="BIZ UDゴシック" panose="020B0400000000000000" pitchFamily="49" charset="-128"/>
+                <a:ea typeface="BIZ UDゴシック" panose="020B0400000000000000" pitchFamily="49" charset="-128"/>
+              </a:rPr>
+              <a:t>float adc_to_temp(int adc) {</a:t>
+            </a:r>
+          </a:p>
+          <a:p>
+            <a:r>
+              <a:rPr lang="en-US" altLang="ja-JP" sz="1000">
+                <a:latin typeface="BIZ UDゴシック" panose="020B0400000000000000" pitchFamily="49" charset="-128"/>
+                <a:ea typeface="BIZ UDゴシック" panose="020B0400000000000000" pitchFamily="49" charset="-128"/>
+              </a:rPr>
+              <a:t>    return T_MIN + (adc / ADC_MAX) * (T_MAX - T_MIN);</a:t>
+            </a:r>
+          </a:p>
+          <a:p>
+            <a:r>
+              <a:rPr lang="en-US" altLang="ja-JP" sz="1000">
+                <a:latin typeface="BIZ UDゴシック" panose="020B0400000000000000" pitchFamily="49" charset="-128"/>
+                <a:ea typeface="BIZ UDゴシック" panose="020B0400000000000000" pitchFamily="49" charset="-128"/>
+              </a:rPr>
+              <a:t>}</a:t>
+            </a:r>
+          </a:p>
+          <a:p>
+            <a:endParaRPr lang="en-US" altLang="ja-JP" sz="1000">
+              <a:latin typeface="BIZ UDゴシック" panose="020B0400000000000000" pitchFamily="49" charset="-128"/>
+              <a:ea typeface="BIZ UDゴシック" panose="020B0400000000000000" pitchFamily="49" charset="-128"/>
+            </a:endParaRPr>
+          </a:p>
+          <a:p>
+            <a:r>
+              <a:rPr lang="en-US" altLang="ja-JP" sz="1000">
+                <a:latin typeface="BIZ UDゴシック" panose="020B0400000000000000" pitchFamily="49" charset="-128"/>
+                <a:ea typeface="BIZ UDゴシック" panose="020B0400000000000000" pitchFamily="49" charset="-128"/>
+              </a:rPr>
+              <a:t>// </a:t>
+            </a:r>
+            <a:r>
+              <a:rPr lang="ja-JP" altLang="en-US" sz="1000">
+                <a:latin typeface="BIZ UDゴシック" panose="020B0400000000000000" pitchFamily="49" charset="-128"/>
+                <a:ea typeface="BIZ UDゴシック" panose="020B0400000000000000" pitchFamily="49" charset="-128"/>
+              </a:rPr>
+              <a:t>逆変換（温度 </a:t>
+            </a:r>
+            <a:r>
+              <a:rPr lang="en-US" altLang="ja-JP" sz="1000">
+                <a:latin typeface="BIZ UDゴシック" panose="020B0400000000000000" pitchFamily="49" charset="-128"/>
+                <a:ea typeface="BIZ UDゴシック" panose="020B0400000000000000" pitchFamily="49" charset="-128"/>
+              </a:rPr>
+              <a:t>-&gt; ADC</a:t>
+            </a:r>
+            <a:r>
+              <a:rPr lang="ja-JP" altLang="en-US" sz="1000">
+                <a:latin typeface="BIZ UDゴシック" panose="020B0400000000000000" pitchFamily="49" charset="-128"/>
+                <a:ea typeface="BIZ UDゴシック" panose="020B0400000000000000" pitchFamily="49" charset="-128"/>
+              </a:rPr>
+              <a:t>）</a:t>
+            </a:r>
+          </a:p>
+          <a:p>
+            <a:r>
+              <a:rPr lang="en-US" altLang="ja-JP" sz="1000">
+                <a:latin typeface="BIZ UDゴシック" panose="020B0400000000000000" pitchFamily="49" charset="-128"/>
+                <a:ea typeface="BIZ UDゴシック" panose="020B0400000000000000" pitchFamily="49" charset="-128"/>
+              </a:rPr>
+              <a:t>int temp_to_adc(float temp) {</a:t>
+            </a:r>
+          </a:p>
+          <a:p>
+            <a:r>
+              <a:rPr lang="en-US" altLang="ja-JP" sz="1000">
+                <a:latin typeface="BIZ UDゴシック" panose="020B0400000000000000" pitchFamily="49" charset="-128"/>
+                <a:ea typeface="BIZ UDゴシック" panose="020B0400000000000000" pitchFamily="49" charset="-128"/>
+              </a:rPr>
+              <a:t>    float v = (temp - T_MIN) / (T_MAX - T_MIN);</a:t>
+            </a:r>
+          </a:p>
+          <a:p>
+            <a:r>
+              <a:rPr lang="en-US" altLang="ja-JP" sz="1000">
+                <a:latin typeface="BIZ UDゴシック" panose="020B0400000000000000" pitchFamily="49" charset="-128"/>
+                <a:ea typeface="BIZ UDゴシック" panose="020B0400000000000000" pitchFamily="49" charset="-128"/>
+              </a:rPr>
+              <a:t>    if (v &lt; 0.0f) v = 0.0f;</a:t>
+            </a:r>
+          </a:p>
+          <a:p>
+            <a:r>
+              <a:rPr lang="en-US" altLang="ja-JP" sz="1000">
+                <a:latin typeface="BIZ UDゴシック" panose="020B0400000000000000" pitchFamily="49" charset="-128"/>
+                <a:ea typeface="BIZ UDゴシック" panose="020B0400000000000000" pitchFamily="49" charset="-128"/>
+              </a:rPr>
+              <a:t>    if (v &gt; 1.0f) v = 1.0f;</a:t>
+            </a:r>
+          </a:p>
+          <a:p>
+            <a:r>
+              <a:rPr lang="en-US" altLang="ja-JP" sz="1000">
+                <a:latin typeface="BIZ UDゴシック" panose="020B0400000000000000" pitchFamily="49" charset="-128"/>
+                <a:ea typeface="BIZ UDゴシック" panose="020B0400000000000000" pitchFamily="49" charset="-128"/>
+              </a:rPr>
+              <a:t>    return (int)roundf(v * ADC_MAX);</a:t>
+            </a:r>
+          </a:p>
+          <a:p>
+            <a:r>
+              <a:rPr lang="en-US" altLang="ja-JP" sz="1000">
+                <a:latin typeface="BIZ UDゴシック" panose="020B0400000000000000" pitchFamily="49" charset="-128"/>
+                <a:ea typeface="BIZ UDゴシック" panose="020B0400000000000000" pitchFamily="49" charset="-128"/>
+              </a:rPr>
+              <a:t>}</a:t>
+            </a:r>
+          </a:p>
+          <a:p>
+            <a:r>
+              <a:rPr lang="en-US" altLang="ja-JP" sz="1000">
+                <a:latin typeface="BIZ UDゴシック" panose="020B0400000000000000" pitchFamily="49" charset="-128"/>
+                <a:ea typeface="BIZ UDゴシック" panose="020B0400000000000000" pitchFamily="49" charset="-128"/>
+              </a:rPr>
+              <a:t>//※ </a:t>
+            </a:r>
+            <a:r>
+              <a:rPr lang="ja-JP" altLang="en-US" sz="1000">
+                <a:latin typeface="BIZ UDゴシック" panose="020B0400000000000000" pitchFamily="49" charset="-128"/>
+                <a:ea typeface="BIZ UDゴシック" panose="020B0400000000000000" pitchFamily="49" charset="-128"/>
+              </a:rPr>
+              <a:t>サーミスタ等の非線形なら </a:t>
+            </a:r>
+            <a:r>
+              <a:rPr lang="en-US" altLang="ja-JP" sz="1000">
+                <a:latin typeface="BIZ UDゴシック" panose="020B0400000000000000" pitchFamily="49" charset="-128"/>
+                <a:ea typeface="BIZ UDゴシック" panose="020B0400000000000000" pitchFamily="49" charset="-128"/>
+              </a:rPr>
+              <a:t>LUT</a:t>
+            </a:r>
+            <a:r>
+              <a:rPr lang="ja-JP" altLang="en-US" sz="1000">
+                <a:latin typeface="BIZ UDゴシック" panose="020B0400000000000000" pitchFamily="49" charset="-128"/>
+                <a:ea typeface="BIZ UDゴシック" panose="020B0400000000000000" pitchFamily="49" charset="-128"/>
+              </a:rPr>
+              <a:t>（ルックアップテーブル）か数式（</a:t>
+            </a:r>
+            <a:r>
+              <a:rPr lang="en-US" altLang="ja-JP" sz="1000">
+                <a:latin typeface="BIZ UDゴシック" panose="020B0400000000000000" pitchFamily="49" charset="-128"/>
+                <a:ea typeface="BIZ UDゴシック" panose="020B0400000000000000" pitchFamily="49" charset="-128"/>
+              </a:rPr>
+              <a:t>Steinhart–Hart </a:t>
+            </a:r>
+            <a:r>
+              <a:rPr lang="ja-JP" altLang="en-US" sz="1000">
+                <a:latin typeface="BIZ UDゴシック" panose="020B0400000000000000" pitchFamily="49" charset="-128"/>
+                <a:ea typeface="BIZ UDゴシック" panose="020B0400000000000000" pitchFamily="49" charset="-128"/>
+              </a:rPr>
+              <a:t>等）で変換してください。</a:t>
+            </a:r>
+            <a:endParaRPr lang="en-US" altLang="ja-JP" sz="1000">
+              <a:latin typeface="BIZ UDゴシック" panose="020B0400000000000000" pitchFamily="49" charset="-128"/>
+              <a:ea typeface="BIZ UDゴシック" panose="020B0400000000000000" pitchFamily="49" charset="-128"/>
+            </a:endParaRPr>
+          </a:p>
+        </p:txBody>
+      </p:sp>
+      <p:sp>
+        <p:nvSpPr>
+          <p:cNvPr id="4" name="テキスト ボックス 3">
+            <a:extLst>
+              <a:ext uri="{FF2B5EF4-FFF2-40B4-BE49-F238E27FC236}">
+                <a16:creationId xmlns:a16="http://schemas.microsoft.com/office/drawing/2014/main" id="{E1B301EF-AE8E-F269-34A7-AA3547AF182C}"/>
+              </a:ext>
+            </a:extLst>
+          </p:cNvPr>
+          <p:cNvSpPr txBox="1"/>
+          <p:nvPr/>
+        </p:nvSpPr>
+        <p:spPr>
+          <a:xfrm>
+            <a:off x="510296" y="4086045"/>
+            <a:ext cx="1031051" cy="276999"/>
+          </a:xfrm>
+          <a:prstGeom prst="rect">
+            <a:avLst/>
+          </a:prstGeom>
+          <a:noFill/>
+        </p:spPr>
+        <p:txBody>
+          <a:bodyPr wrap="none" rtlCol="0">
+            <a:spAutoFit/>
+          </a:bodyPr>
+          <a:lstStyle/>
+          <a:p>
+            <a:r>
+              <a:rPr lang="en-US" altLang="ja-JP" sz="1200">
+                <a:latin typeface="BIZ UDゴシック" panose="020B0400000000000000" pitchFamily="49" charset="-128"/>
+                <a:ea typeface="BIZ UDゴシック" panose="020B0400000000000000" pitchFamily="49" charset="-128"/>
+              </a:rPr>
+              <a:t>7</a:t>
+            </a:r>
+            <a:r>
+              <a:rPr kumimoji="1" lang="en-US" altLang="ja-JP" sz="1200">
+                <a:latin typeface="BIZ UDゴシック" panose="020B0400000000000000" pitchFamily="49" charset="-128"/>
+                <a:ea typeface="BIZ UDゴシック" panose="020B0400000000000000" pitchFamily="49" charset="-128"/>
+              </a:rPr>
+              <a:t>)</a:t>
+            </a:r>
+            <a:r>
+              <a:rPr lang="ja-JP" altLang="en-US" sz="1200">
+                <a:latin typeface="BIZ UDゴシック" panose="020B0400000000000000" pitchFamily="49" charset="-128"/>
+                <a:ea typeface="BIZ UDゴシック" panose="020B0400000000000000" pitchFamily="49" charset="-128"/>
+              </a:rPr>
+              <a:t> </a:t>
+            </a:r>
+            <a:r>
+              <a:rPr kumimoji="1" lang="ja-JP" altLang="en-US" sz="1200">
+                <a:latin typeface="BIZ UDゴシック" panose="020B0400000000000000" pitchFamily="49" charset="-128"/>
+                <a:ea typeface="BIZ UDゴシック" panose="020B0400000000000000" pitchFamily="49" charset="-128"/>
+              </a:rPr>
+              <a:t>設計方針</a:t>
+            </a:r>
+          </a:p>
+        </p:txBody>
+      </p:sp>
+      <p:sp>
+        <p:nvSpPr>
+          <p:cNvPr id="5" name="テキスト ボックス 4">
+            <a:extLst>
+              <a:ext uri="{FF2B5EF4-FFF2-40B4-BE49-F238E27FC236}">
+                <a16:creationId xmlns:a16="http://schemas.microsoft.com/office/drawing/2014/main" id="{D1B6A8E4-5372-7A8C-0EF0-0C080B92E66B}"/>
+              </a:ext>
+            </a:extLst>
+          </p:cNvPr>
+          <p:cNvSpPr txBox="1"/>
+          <p:nvPr/>
+        </p:nvSpPr>
+        <p:spPr>
+          <a:xfrm>
+            <a:off x="869368" y="4350502"/>
+            <a:ext cx="8366393" cy="861774"/>
+          </a:xfrm>
+          <a:prstGeom prst="rect">
+            <a:avLst/>
+          </a:prstGeom>
+          <a:solidFill>
+            <a:schemeClr val="accent6">
+              <a:lumMod val="20000"/>
+              <a:lumOff val="80000"/>
+            </a:schemeClr>
+          </a:solidFill>
+        </p:spPr>
+        <p:txBody>
+          <a:bodyPr wrap="none" rtlCol="0">
+            <a:spAutoFit/>
+          </a:bodyPr>
+          <a:lstStyle/>
+          <a:p>
+            <a:pPr marL="228600" indent="-228600">
+              <a:buFont typeface="+mj-lt"/>
+              <a:buAutoNum type="arabicPeriod"/>
+            </a:pPr>
+            <a:r>
+              <a:rPr lang="ja-JP" altLang="en-US" sz="1000">
+                <a:latin typeface="BIZ UDゴシック" panose="020B0400000000000000" pitchFamily="49" charset="-128"/>
+                <a:ea typeface="BIZ UDゴシック" panose="020B0400000000000000" pitchFamily="49" charset="-128"/>
+              </a:rPr>
+              <a:t>まずセル仕様書で「動作温度」「保存温度」「安全停止温度」を確認する。</a:t>
+            </a:r>
+            <a:endParaRPr lang="en-US" altLang="ja-JP" sz="1000">
+              <a:latin typeface="BIZ UDゴシック" panose="020B0400000000000000" pitchFamily="49" charset="-128"/>
+              <a:ea typeface="BIZ UDゴシック" panose="020B0400000000000000" pitchFamily="49" charset="-128"/>
+            </a:endParaRPr>
+          </a:p>
+          <a:p>
+            <a:pPr marL="228600" indent="-228600">
+              <a:buFont typeface="+mj-lt"/>
+              <a:buAutoNum type="arabicPeriod"/>
+            </a:pPr>
+            <a:r>
+              <a:rPr lang="ja-JP" altLang="en-US" sz="1000">
+                <a:latin typeface="BIZ UDゴシック" panose="020B0400000000000000" pitchFamily="49" charset="-128"/>
+                <a:ea typeface="BIZ UDゴシック" panose="020B0400000000000000" pitchFamily="49" charset="-128"/>
+              </a:rPr>
+              <a:t>想定運用レンジ（たとえば </a:t>
+            </a:r>
+            <a:r>
+              <a:rPr lang="en-US" altLang="ja-JP" sz="1000">
+                <a:latin typeface="BIZ UDゴシック" panose="020B0400000000000000" pitchFamily="49" charset="-128"/>
+                <a:ea typeface="BIZ UDゴシック" panose="020B0400000000000000" pitchFamily="49" charset="-128"/>
+              </a:rPr>
+              <a:t>0〜60°C</a:t>
+            </a:r>
+            <a:r>
+              <a:rPr lang="ja-JP" altLang="en-US" sz="1000">
+                <a:latin typeface="BIZ UDゴシック" panose="020B0400000000000000" pitchFamily="49" charset="-128"/>
+                <a:ea typeface="BIZ UDゴシック" panose="020B0400000000000000" pitchFamily="49" charset="-128"/>
+              </a:rPr>
+              <a:t>）を決める。</a:t>
+            </a:r>
+            <a:endParaRPr lang="en-US" altLang="ja-JP" sz="1000">
+              <a:latin typeface="BIZ UDゴシック" panose="020B0400000000000000" pitchFamily="49" charset="-128"/>
+              <a:ea typeface="BIZ UDゴシック" panose="020B0400000000000000" pitchFamily="49" charset="-128"/>
+            </a:endParaRPr>
+          </a:p>
+          <a:p>
+            <a:pPr marL="228600" indent="-228600">
+              <a:buFont typeface="+mj-lt"/>
+              <a:buAutoNum type="arabicPeriod"/>
+            </a:pPr>
+            <a:r>
+              <a:rPr lang="en-US" altLang="ja-JP" sz="1000">
+                <a:latin typeface="BIZ UDゴシック" panose="020B0400000000000000" pitchFamily="49" charset="-128"/>
+                <a:ea typeface="BIZ UDゴシック" panose="020B0400000000000000" pitchFamily="49" charset="-128"/>
+              </a:rPr>
+              <a:t>ADC </a:t>
+            </a:r>
+            <a:r>
+              <a:rPr lang="ja-JP" altLang="en-US" sz="1000">
+                <a:latin typeface="BIZ UDゴシック" panose="020B0400000000000000" pitchFamily="49" charset="-128"/>
+                <a:ea typeface="BIZ UDゴシック" panose="020B0400000000000000" pitchFamily="49" charset="-128"/>
+              </a:rPr>
+              <a:t>のレンジ（</a:t>
+            </a:r>
+            <a:r>
+              <a:rPr lang="en-US" altLang="ja-JP" sz="1000">
+                <a:latin typeface="BIZ UDゴシック" panose="020B0400000000000000" pitchFamily="49" charset="-128"/>
+                <a:ea typeface="BIZ UDゴシック" panose="020B0400000000000000" pitchFamily="49" charset="-128"/>
+              </a:rPr>
+              <a:t>T_min/T_max</a:t>
+            </a:r>
+            <a:r>
+              <a:rPr lang="ja-JP" altLang="en-US" sz="1000">
+                <a:latin typeface="BIZ UDゴシック" panose="020B0400000000000000" pitchFamily="49" charset="-128"/>
+                <a:ea typeface="BIZ UDゴシック" panose="020B0400000000000000" pitchFamily="49" charset="-128"/>
+              </a:rPr>
+              <a:t>）を「想定運用レンジ ＋ マージン（例 </a:t>
+            </a:r>
+            <a:r>
+              <a:rPr lang="en-US" altLang="ja-JP" sz="1000">
+                <a:latin typeface="BIZ UDゴシック" panose="020B0400000000000000" pitchFamily="49" charset="-128"/>
+                <a:ea typeface="BIZ UDゴシック" panose="020B0400000000000000" pitchFamily="49" charset="-128"/>
+              </a:rPr>
+              <a:t>±10〜20°C</a:t>
+            </a:r>
+            <a:r>
+              <a:rPr lang="ja-JP" altLang="en-US" sz="1000">
+                <a:latin typeface="BIZ UDゴシック" panose="020B0400000000000000" pitchFamily="49" charset="-128"/>
+                <a:ea typeface="BIZ UDゴシック" panose="020B0400000000000000" pitchFamily="49" charset="-128"/>
+              </a:rPr>
+              <a:t>）」に設定して分解能を確保。</a:t>
+            </a:r>
+            <a:endParaRPr lang="en-US" altLang="ja-JP" sz="1000">
+              <a:latin typeface="BIZ UDゴシック" panose="020B0400000000000000" pitchFamily="49" charset="-128"/>
+              <a:ea typeface="BIZ UDゴシック" panose="020B0400000000000000" pitchFamily="49" charset="-128"/>
+            </a:endParaRPr>
+          </a:p>
+          <a:p>
+            <a:pPr marL="228600" indent="-228600">
+              <a:buFont typeface="+mj-lt"/>
+              <a:buAutoNum type="arabicPeriod"/>
+            </a:pPr>
+            <a:r>
+              <a:rPr lang="ja-JP" altLang="en-US" sz="1000">
+                <a:latin typeface="BIZ UDゴシック" panose="020B0400000000000000" pitchFamily="49" charset="-128"/>
+                <a:ea typeface="BIZ UDゴシック" panose="020B0400000000000000" pitchFamily="49" charset="-128"/>
+              </a:rPr>
+              <a:t>異常監視用に広域（例 −</a:t>
+            </a:r>
+            <a:r>
+              <a:rPr lang="en-US" altLang="ja-JP" sz="1000">
+                <a:latin typeface="BIZ UDゴシック" panose="020B0400000000000000" pitchFamily="49" charset="-128"/>
+                <a:ea typeface="BIZ UDゴシック" panose="020B0400000000000000" pitchFamily="49" charset="-128"/>
+              </a:rPr>
+              <a:t>40〜125°C</a:t>
+            </a:r>
+            <a:r>
+              <a:rPr lang="ja-JP" altLang="en-US" sz="1000">
+                <a:latin typeface="BIZ UDゴシック" panose="020B0400000000000000" pitchFamily="49" charset="-128"/>
+                <a:ea typeface="BIZ UDゴシック" panose="020B0400000000000000" pitchFamily="49" charset="-128"/>
+              </a:rPr>
+              <a:t>）で別系統の監視が必要なら、センサーの出力を別途分岐して高レンジ測定も可能（回路的に複雑）。</a:t>
+            </a:r>
+            <a:endParaRPr lang="en-US" altLang="ja-JP" sz="1000">
+              <a:latin typeface="BIZ UDゴシック" panose="020B0400000000000000" pitchFamily="49" charset="-128"/>
+              <a:ea typeface="BIZ UDゴシック" panose="020B0400000000000000" pitchFamily="49" charset="-128"/>
+            </a:endParaRPr>
+          </a:p>
+          <a:p>
+            <a:pPr marL="228600" indent="-228600">
+              <a:buFont typeface="+mj-lt"/>
+              <a:buAutoNum type="arabicPeriod"/>
+            </a:pPr>
+            <a:r>
+              <a:rPr lang="ja-JP" altLang="en-US" sz="1000">
+                <a:latin typeface="BIZ UDゴシック" panose="020B0400000000000000" pitchFamily="49" charset="-128"/>
+                <a:ea typeface="BIZ UDゴシック" panose="020B0400000000000000" pitchFamily="49" charset="-128"/>
+              </a:rPr>
+              <a:t>必ず ヒステリシス と 安全停止閾値 を設ける。</a:t>
+            </a:r>
+            <a:endParaRPr lang="en-US" altLang="ja-JP" sz="1000">
+              <a:latin typeface="BIZ UDゴシック" panose="020B0400000000000000" pitchFamily="49" charset="-128"/>
+              <a:ea typeface="BIZ UDゴシック" panose="020B0400000000000000" pitchFamily="49" charset="-128"/>
+            </a:endParaRPr>
+          </a:p>
+        </p:txBody>
+      </p:sp>
+    </p:spTree>
+    <p:extLst>
+      <p:ext uri="{BB962C8B-B14F-4D97-AF65-F5344CB8AC3E}">
+        <p14:creationId xmlns:p14="http://schemas.microsoft.com/office/powerpoint/2010/main" val="2353746993"/>
       </p:ext>
     </p:extLst>
   </p:cSld>

--- a/Specification/基本仕様.pptx
+++ b/Specification/基本仕様.pptx
@@ -3499,9 +3499,22 @@
           <a:lstStyle/>
           <a:p>
             <a:r>
-              <a:rPr kumimoji="1" lang="ja-JP" altLang="en-US"/>
-              <a:t>状態遷移</a:t>
-            </a:r>
+              <a:rPr lang="en-US" altLang="ja-JP"/>
+              <a:t>UML</a:t>
+            </a:r>
+            <a:r>
+              <a:rPr lang="ja-JP" altLang="en-US"/>
+              <a:t>状態遷移図（</a:t>
+            </a:r>
+            <a:r>
+              <a:rPr lang="en-US" altLang="ja-JP"/>
+              <a:t>State Machine Diagram</a:t>
+            </a:r>
+            <a:r>
+              <a:rPr lang="ja-JP" altLang="en-US"/>
+              <a:t>）</a:t>
+            </a:r>
+            <a:endParaRPr kumimoji="1" lang="ja-JP" altLang="en-US"/>
           </a:p>
         </p:txBody>
       </p:sp>
@@ -5156,8 +5169,8 @@
         </p:blipFill>
         <p:spPr>
           <a:xfrm>
-            <a:off x="443949" y="-350070"/>
-            <a:ext cx="7534072" cy="4174794"/>
+            <a:off x="255105" y="805434"/>
+            <a:ext cx="6238000" cy="3456612"/>
           </a:xfrm>
           <a:prstGeom prst="rect">
             <a:avLst/>
@@ -5179,49 +5192,49 @@
           <p:nvPr>
             <p:extLst>
               <p:ext uri="{D42A27DB-BD31-4B8C-83A1-F6EECF244321}">
-                <p14:modId xmlns:p14="http://schemas.microsoft.com/office/powerpoint/2010/main" val="2017011929"/>
+                <p14:modId xmlns:p14="http://schemas.microsoft.com/office/powerpoint/2010/main" val="4265653889"/>
               </p:ext>
             </p:extLst>
           </p:nvPr>
         </p:nvGraphicFramePr>
         <p:xfrm>
-          <a:off x="5536372" y="4084497"/>
-          <a:ext cx="6238000" cy="2506602"/>
+          <a:off x="3816626" y="4084497"/>
+          <a:ext cx="7957746" cy="2506602"/>
         </p:xfrm>
         <a:graphic>
           <a:graphicData uri="http://schemas.openxmlformats.org/drawingml/2006/table">
             <a:tbl>
               <a:tblPr/>
               <a:tblGrid>
-                <a:gridCol w="648000">
+                <a:gridCol w="826646">
                   <a:extLst>
                     <a:ext uri="{9D8B030D-6E8A-4147-A177-3AD203B41FA5}">
                       <a16:colId xmlns:a16="http://schemas.microsoft.com/office/drawing/2014/main" val="4290680726"/>
                     </a:ext>
                   </a:extLst>
                 </a:gridCol>
-                <a:gridCol w="723900">
+                <a:gridCol w="923471">
                   <a:extLst>
                     <a:ext uri="{9D8B030D-6E8A-4147-A177-3AD203B41FA5}">
                       <a16:colId xmlns:a16="http://schemas.microsoft.com/office/drawing/2014/main" val="1573855749"/>
                     </a:ext>
                   </a:extLst>
                 </a:gridCol>
-                <a:gridCol w="2196000">
+                <a:gridCol w="2801412">
                   <a:extLst>
                     <a:ext uri="{9D8B030D-6E8A-4147-A177-3AD203B41FA5}">
                       <a16:colId xmlns:a16="http://schemas.microsoft.com/office/drawing/2014/main" val="830740857"/>
                     </a:ext>
                   </a:extLst>
                 </a:gridCol>
-                <a:gridCol w="2124000">
+                <a:gridCol w="2709563">
                   <a:extLst>
                     <a:ext uri="{9D8B030D-6E8A-4147-A177-3AD203B41FA5}">
                       <a16:colId xmlns:a16="http://schemas.microsoft.com/office/drawing/2014/main" val="1433760504"/>
                     </a:ext>
                   </a:extLst>
                 </a:gridCol>
-                <a:gridCol w="546100">
+                <a:gridCol w="696654">
                   <a:extLst>
                     <a:ext uri="{9D8B030D-6E8A-4147-A177-3AD203B41FA5}">
                       <a16:colId xmlns:a16="http://schemas.microsoft.com/office/drawing/2014/main" val="1999121049"/>
@@ -6025,7 +6038,7 @@
                           <a:latin typeface="BIZ UDゴシック" panose="020B0400000000000000" pitchFamily="49" charset="-128"/>
                           <a:ea typeface="BIZ UDゴシック" panose="020B0400000000000000" pitchFamily="49" charset="-128"/>
                         </a:rPr>
-                        <a:t>目標温度</a:t>
+                        <a:t>最適充電温度</a:t>
                       </a:r>
                       <a:r>
                         <a:rPr lang="en-US" altLang="ja-JP" sz="1200" b="0" i="0" u="none" strike="noStrike">
@@ -6737,7 +6750,7 @@
                           <a:latin typeface="BIZ UDゴシック" panose="020B0400000000000000" pitchFamily="49" charset="-128"/>
                           <a:ea typeface="BIZ UDゴシック" panose="020B0400000000000000" pitchFamily="49" charset="-128"/>
                         </a:rPr>
-                        <a:t>高温閾値</a:t>
+                        <a:t>ｓ高温閾値</a:t>
                       </a:r>
                     </a:p>
                   </a:txBody>
@@ -8007,8 +8020,27 @@
                           <a:latin typeface="BIZ UDゴシック" panose="020B0400000000000000" pitchFamily="49" charset="-128"/>
                           <a:ea typeface="BIZ UDゴシック" panose="020B0400000000000000" pitchFamily="49" charset="-128"/>
                         </a:rPr>
-                        <a:t>セル温度＞警告温度</a:t>
-                      </a:r>
+                        <a:t>セル温度＞</a:t>
+                      </a:r>
+                      <a:r>
+                        <a:rPr lang="zh-TW" altLang="en-US" sz="1200" b="0" i="0" u="none" strike="noStrike">
+                          <a:solidFill>
+                            <a:srgbClr val="000000"/>
+                          </a:solidFill>
+                          <a:effectLst/>
+                          <a:latin typeface="BIZ UDゴシック" panose="020B0400000000000000" pitchFamily="49" charset="-128"/>
+                          <a:ea typeface="BIZ UDゴシック" panose="020B0400000000000000" pitchFamily="49" charset="-128"/>
+                        </a:rPr>
+                        <a:t>高温警報出力閾値</a:t>
+                      </a:r>
+                      <a:endParaRPr lang="ja-JP" altLang="en-US" sz="1200" b="0" i="0" u="none" strike="noStrike">
+                        <a:solidFill>
+                          <a:srgbClr val="000000"/>
+                        </a:solidFill>
+                        <a:effectLst/>
+                        <a:latin typeface="BIZ UDゴシック" panose="020B0400000000000000" pitchFamily="49" charset="-128"/>
+                        <a:ea typeface="BIZ UDゴシック" panose="020B0400000000000000" pitchFamily="49" charset="-128"/>
+                      </a:endParaRPr>
                     </a:p>
                   </a:txBody>
                   <a:tcPr marL="9525" marR="9525" marT="9525" marB="0" anchor="b">
@@ -8324,8 +8356,49 @@
                           <a:latin typeface="BIZ UDゴシック" panose="020B0400000000000000" pitchFamily="49" charset="-128"/>
                           <a:ea typeface="BIZ UDゴシック" panose="020B0400000000000000" pitchFamily="49" charset="-128"/>
                         </a:rPr>
-                        <a:t>センサ異常警告条件成立</a:t>
-                      </a:r>
+                        <a:t>停止温度</a:t>
+                      </a:r>
+                      <a:r>
+                        <a:rPr lang="en-US" altLang="ja-JP" sz="1200" b="0" i="0" u="none" strike="noStrike">
+                          <a:solidFill>
+                            <a:srgbClr val="000000"/>
+                          </a:solidFill>
+                          <a:effectLst/>
+                          <a:latin typeface="BIZ UDゴシック" panose="020B0400000000000000" pitchFamily="49" charset="-128"/>
+                          <a:ea typeface="BIZ UDゴシック" panose="020B0400000000000000" pitchFamily="49" charset="-128"/>
+                        </a:rPr>
+                        <a:t>&gt;</a:t>
+                      </a:r>
+                      <a:r>
+                        <a:rPr lang="ja-JP" altLang="en-US" sz="1200" b="0" i="0" u="none" strike="noStrike">
+                          <a:solidFill>
+                            <a:srgbClr val="000000"/>
+                          </a:solidFill>
+                          <a:effectLst/>
+                          <a:latin typeface="BIZ UDゴシック" panose="020B0400000000000000" pitchFamily="49" charset="-128"/>
+                          <a:ea typeface="BIZ UDゴシック" panose="020B0400000000000000" pitchFamily="49" charset="-128"/>
+                        </a:rPr>
+                        <a:t>セル温度＞</a:t>
+                      </a:r>
+                      <a:r>
+                        <a:rPr lang="zh-TW" altLang="en-US" sz="1200" b="0" i="0" u="none" strike="noStrike">
+                          <a:solidFill>
+                            <a:srgbClr val="000000"/>
+                          </a:solidFill>
+                          <a:effectLst/>
+                          <a:latin typeface="BIZ UDゴシック" panose="020B0400000000000000" pitchFamily="49" charset="-128"/>
+                          <a:ea typeface="BIZ UDゴシック" panose="020B0400000000000000" pitchFamily="49" charset="-128"/>
+                        </a:rPr>
+                        <a:t>低温警報出力閾値</a:t>
+                      </a:r>
+                      <a:endParaRPr lang="ja-JP" altLang="en-US" sz="1200" b="0" i="0" u="none" strike="noStrike">
+                        <a:solidFill>
+                          <a:srgbClr val="000000"/>
+                        </a:solidFill>
+                        <a:effectLst/>
+                        <a:latin typeface="BIZ UDゴシック" panose="020B0400000000000000" pitchFamily="49" charset="-128"/>
+                        <a:ea typeface="BIZ UDゴシック" panose="020B0400000000000000" pitchFamily="49" charset="-128"/>
+                      </a:endParaRPr>
                     </a:p>
                   </a:txBody>
                   <a:tcPr marL="9525" marR="9525" marT="9525" marB="0" anchor="b">
@@ -9508,6 +9581,10 @@
           </a:bodyPr>
           <a:lstStyle/>
           <a:p>
+            <a:r>
+              <a:rPr lang="ja-JP" altLang="en-US"/>
+              <a:t>参考：</a:t>
+            </a:r>
             <a:r>
               <a:rPr lang="en-US" altLang="ja-JP"/>
               <a:t>UML</a:t>

--- a/Specification/基本仕様.pptx
+++ b/Specification/基本仕様.pptx
@@ -1,17 +1,18 @@
 
 <file path=ppt/presentation.xml><?xml version="1.0" encoding="utf-8"?>
-<p:presentation xmlns:a="http://schemas.openxmlformats.org/drawingml/2006/main" xmlns:r="http://schemas.openxmlformats.org/officeDocument/2006/relationships" xmlns:p="http://schemas.openxmlformats.org/presentationml/2006/main" saveSubsetFonts="1">
+<p:presentation xmlns:a="http://schemas.openxmlformats.org/drawingml/2006/main" xmlns:r="http://schemas.openxmlformats.org/officeDocument/2006/relationships" xmlns:p="http://schemas.openxmlformats.org/presentationml/2006/main" showSpecialPlsOnTitleSld="0" saveSubsetFonts="1">
   <p:sldMasterIdLst>
     <p:sldMasterId id="2147483648" r:id="rId1"/>
   </p:sldMasterIdLst>
+  <p:notesMasterIdLst>
+    <p:notesMasterId r:id="rId7"/>
+  </p:notesMasterIdLst>
   <p:sldIdLst>
     <p:sldId id="258" r:id="rId2"/>
     <p:sldId id="259" r:id="rId3"/>
     <p:sldId id="262" r:id="rId4"/>
-    <p:sldId id="263" r:id="rId5"/>
-    <p:sldId id="264" r:id="rId6"/>
-    <p:sldId id="265" r:id="rId7"/>
-    <p:sldId id="266" r:id="rId8"/>
+    <p:sldId id="267" r:id="rId5"/>
+    <p:sldId id="263" r:id="rId6"/>
   </p:sldIdLst>
   <p:sldSz cx="12192000" cy="6858000"/>
   <p:notesSz cx="6858000" cy="9144000"/>
@@ -118,6 +119,387 @@
 </p:presentation>
 </file>
 
+<file path=ppt/notesMasters/notesMaster1.xml><?xml version="1.0" encoding="utf-8"?>
+<p:notesMaster xmlns:a="http://schemas.openxmlformats.org/drawingml/2006/main" xmlns:r="http://schemas.openxmlformats.org/officeDocument/2006/relationships" xmlns:p="http://schemas.openxmlformats.org/presentationml/2006/main">
+  <p:cSld>
+    <p:bg>
+      <p:bgRef idx="1001">
+        <a:schemeClr val="bg1"/>
+      </p:bgRef>
+    </p:bg>
+    <p:spTree>
+      <p:nvGrpSpPr>
+        <p:cNvPr id="1" name=""/>
+        <p:cNvGrpSpPr/>
+        <p:nvPr/>
+      </p:nvGrpSpPr>
+      <p:grpSpPr>
+        <a:xfrm>
+          <a:off x="0" y="0"/>
+          <a:ext cx="0" cy="0"/>
+          <a:chOff x="0" y="0"/>
+          <a:chExt cx="0" cy="0"/>
+        </a:xfrm>
+      </p:grpSpPr>
+      <p:sp>
+        <p:nvSpPr>
+          <p:cNvPr id="2" name="ヘッダー プレースホルダー 1"/>
+          <p:cNvSpPr>
+            <a:spLocks noGrp="1"/>
+          </p:cNvSpPr>
+          <p:nvPr>
+            <p:ph type="hdr" sz="quarter"/>
+          </p:nvPr>
+        </p:nvSpPr>
+        <p:spPr>
+          <a:xfrm>
+            <a:off x="0" y="0"/>
+            <a:ext cx="2971800" cy="458788"/>
+          </a:xfrm>
+          <a:prstGeom prst="rect">
+            <a:avLst/>
+          </a:prstGeom>
+        </p:spPr>
+        <p:txBody>
+          <a:bodyPr vert="horz" lIns="91440" tIns="45720" rIns="91440" bIns="45720" rtlCol="0"/>
+          <a:lstStyle>
+            <a:lvl1pPr algn="l">
+              <a:defRPr sz="1200"/>
+            </a:lvl1pPr>
+          </a:lstStyle>
+          <a:p>
+            <a:endParaRPr kumimoji="1" lang="ja-JP" altLang="en-US"/>
+          </a:p>
+        </p:txBody>
+      </p:sp>
+      <p:sp>
+        <p:nvSpPr>
+          <p:cNvPr id="3" name="日付プレースホルダー 2"/>
+          <p:cNvSpPr>
+            <a:spLocks noGrp="1"/>
+          </p:cNvSpPr>
+          <p:nvPr>
+            <p:ph type="dt" idx="1"/>
+          </p:nvPr>
+        </p:nvSpPr>
+        <p:spPr>
+          <a:xfrm>
+            <a:off x="3884613" y="0"/>
+            <a:ext cx="2971800" cy="458788"/>
+          </a:xfrm>
+          <a:prstGeom prst="rect">
+            <a:avLst/>
+          </a:prstGeom>
+        </p:spPr>
+        <p:txBody>
+          <a:bodyPr vert="horz" lIns="91440" tIns="45720" rIns="91440" bIns="45720" rtlCol="0"/>
+          <a:lstStyle>
+            <a:lvl1pPr algn="r">
+              <a:defRPr sz="1200"/>
+            </a:lvl1pPr>
+          </a:lstStyle>
+          <a:p>
+            <a:fld id="{DDC962EE-CD8D-4B91-A3DD-4C699082EA73}" type="datetimeFigureOut">
+              <a:rPr kumimoji="1" lang="ja-JP" altLang="en-US" smtClean="0"/>
+              <a:t>2025/10/17</a:t>
+            </a:fld>
+            <a:endParaRPr kumimoji="1" lang="ja-JP" altLang="en-US"/>
+          </a:p>
+        </p:txBody>
+      </p:sp>
+      <p:sp>
+        <p:nvSpPr>
+          <p:cNvPr id="4" name="スライド イメージ プレースホルダー 3"/>
+          <p:cNvSpPr>
+            <a:spLocks noGrp="1" noRot="1" noChangeAspect="1"/>
+          </p:cNvSpPr>
+          <p:nvPr>
+            <p:ph type="sldImg" idx="2"/>
+          </p:nvPr>
+        </p:nvSpPr>
+        <p:spPr>
+          <a:xfrm>
+            <a:off x="685800" y="1143000"/>
+            <a:ext cx="5486400" cy="3086100"/>
+          </a:xfrm>
+          <a:prstGeom prst="rect">
+            <a:avLst/>
+          </a:prstGeom>
+          <a:noFill/>
+          <a:ln w="12700">
+            <a:solidFill>
+              <a:prstClr val="black"/>
+            </a:solidFill>
+          </a:ln>
+        </p:spPr>
+        <p:txBody>
+          <a:bodyPr vert="horz" lIns="91440" tIns="45720" rIns="91440" bIns="45720" rtlCol="0" anchor="ctr"/>
+          <a:lstStyle/>
+          <a:p>
+            <a:endParaRPr lang="ja-JP" altLang="en-US"/>
+          </a:p>
+        </p:txBody>
+      </p:sp>
+      <p:sp>
+        <p:nvSpPr>
+          <p:cNvPr id="5" name="ノート プレースホルダー 4"/>
+          <p:cNvSpPr>
+            <a:spLocks noGrp="1"/>
+          </p:cNvSpPr>
+          <p:nvPr>
+            <p:ph type="body" sz="quarter" idx="3"/>
+          </p:nvPr>
+        </p:nvSpPr>
+        <p:spPr>
+          <a:xfrm>
+            <a:off x="685800" y="4400550"/>
+            <a:ext cx="5486400" cy="3600450"/>
+          </a:xfrm>
+          <a:prstGeom prst="rect">
+            <a:avLst/>
+          </a:prstGeom>
+        </p:spPr>
+        <p:txBody>
+          <a:bodyPr vert="horz" lIns="91440" tIns="45720" rIns="91440" bIns="45720" rtlCol="0"/>
+          <a:lstStyle/>
+          <a:p>
+            <a:pPr lvl="0"/>
+            <a:r>
+              <a:rPr kumimoji="1" lang="ja-JP" altLang="en-US"/>
+              <a:t>マスター テキストの書式設定</a:t>
+            </a:r>
+          </a:p>
+          <a:p>
+            <a:pPr lvl="1"/>
+            <a:r>
+              <a:rPr kumimoji="1" lang="ja-JP" altLang="en-US"/>
+              <a:t>第 </a:t>
+            </a:r>
+            <a:r>
+              <a:rPr kumimoji="1" lang="en-US" altLang="ja-JP"/>
+              <a:t>2 </a:t>
+            </a:r>
+            <a:r>
+              <a:rPr kumimoji="1" lang="ja-JP" altLang="en-US"/>
+              <a:t>レベル</a:t>
+            </a:r>
+          </a:p>
+          <a:p>
+            <a:pPr lvl="2"/>
+            <a:r>
+              <a:rPr kumimoji="1" lang="ja-JP" altLang="en-US"/>
+              <a:t>第 </a:t>
+            </a:r>
+            <a:r>
+              <a:rPr kumimoji="1" lang="en-US" altLang="ja-JP"/>
+              <a:t>3 </a:t>
+            </a:r>
+            <a:r>
+              <a:rPr kumimoji="1" lang="ja-JP" altLang="en-US"/>
+              <a:t>レベル</a:t>
+            </a:r>
+          </a:p>
+          <a:p>
+            <a:pPr lvl="3"/>
+            <a:r>
+              <a:rPr kumimoji="1" lang="ja-JP" altLang="en-US"/>
+              <a:t>第 </a:t>
+            </a:r>
+            <a:r>
+              <a:rPr kumimoji="1" lang="en-US" altLang="ja-JP"/>
+              <a:t>4 </a:t>
+            </a:r>
+            <a:r>
+              <a:rPr kumimoji="1" lang="ja-JP" altLang="en-US"/>
+              <a:t>レベル</a:t>
+            </a:r>
+          </a:p>
+          <a:p>
+            <a:pPr lvl="4"/>
+            <a:r>
+              <a:rPr kumimoji="1" lang="ja-JP" altLang="en-US"/>
+              <a:t>第 </a:t>
+            </a:r>
+            <a:r>
+              <a:rPr kumimoji="1" lang="en-US" altLang="ja-JP"/>
+              <a:t>5 </a:t>
+            </a:r>
+            <a:r>
+              <a:rPr kumimoji="1" lang="ja-JP" altLang="en-US"/>
+              <a:t>レベル</a:t>
+            </a:r>
+          </a:p>
+        </p:txBody>
+      </p:sp>
+      <p:sp>
+        <p:nvSpPr>
+          <p:cNvPr id="6" name="フッター プレースホルダー 5"/>
+          <p:cNvSpPr>
+            <a:spLocks noGrp="1"/>
+          </p:cNvSpPr>
+          <p:nvPr>
+            <p:ph type="ftr" sz="quarter" idx="4"/>
+          </p:nvPr>
+        </p:nvSpPr>
+        <p:spPr>
+          <a:xfrm>
+            <a:off x="0" y="8685213"/>
+            <a:ext cx="2971800" cy="458787"/>
+          </a:xfrm>
+          <a:prstGeom prst="rect">
+            <a:avLst/>
+          </a:prstGeom>
+        </p:spPr>
+        <p:txBody>
+          <a:bodyPr vert="horz" lIns="91440" tIns="45720" rIns="91440" bIns="45720" rtlCol="0" anchor="b"/>
+          <a:lstStyle>
+            <a:lvl1pPr algn="l">
+              <a:defRPr sz="1200"/>
+            </a:lvl1pPr>
+          </a:lstStyle>
+          <a:p>
+            <a:endParaRPr kumimoji="1" lang="ja-JP" altLang="en-US"/>
+          </a:p>
+        </p:txBody>
+      </p:sp>
+      <p:sp>
+        <p:nvSpPr>
+          <p:cNvPr id="7" name="スライド番号プレースホルダー 6"/>
+          <p:cNvSpPr>
+            <a:spLocks noGrp="1"/>
+          </p:cNvSpPr>
+          <p:nvPr>
+            <p:ph type="sldNum" sz="quarter" idx="5"/>
+          </p:nvPr>
+        </p:nvSpPr>
+        <p:spPr>
+          <a:xfrm>
+            <a:off x="3884613" y="8685213"/>
+            <a:ext cx="2971800" cy="458787"/>
+          </a:xfrm>
+          <a:prstGeom prst="rect">
+            <a:avLst/>
+          </a:prstGeom>
+        </p:spPr>
+        <p:txBody>
+          <a:bodyPr vert="horz" lIns="91440" tIns="45720" rIns="91440" bIns="45720" rtlCol="0" anchor="b"/>
+          <a:lstStyle>
+            <a:lvl1pPr algn="r">
+              <a:defRPr sz="1200"/>
+            </a:lvl1pPr>
+          </a:lstStyle>
+          <a:p>
+            <a:fld id="{36AFA7D8-649E-4267-B317-F9A862476177}" type="slidenum">
+              <a:rPr kumimoji="1" lang="ja-JP" altLang="en-US" smtClean="0"/>
+              <a:t>‹#›</a:t>
+            </a:fld>
+            <a:endParaRPr kumimoji="1" lang="ja-JP" altLang="en-US"/>
+          </a:p>
+        </p:txBody>
+      </p:sp>
+    </p:spTree>
+    <p:extLst>
+      <p:ext uri="{BB962C8B-B14F-4D97-AF65-F5344CB8AC3E}">
+        <p14:creationId xmlns:p14="http://schemas.microsoft.com/office/powerpoint/2010/main" val="934381849"/>
+      </p:ext>
+    </p:extLst>
+  </p:cSld>
+  <p:clrMap bg1="lt1" tx1="dk1" bg2="lt2" tx2="dk2" accent1="accent1" accent2="accent2" accent3="accent3" accent4="accent4" accent5="accent5" accent6="accent6" hlink="hlink" folHlink="folHlink"/>
+  <p:notesStyle>
+    <a:lvl1pPr marL="0" algn="l" defTabSz="914400" rtl="0" eaLnBrk="1" latinLnBrk="0" hangingPunct="1">
+      <a:defRPr kumimoji="1" sz="1200" kern="1200">
+        <a:solidFill>
+          <a:schemeClr val="tx1"/>
+        </a:solidFill>
+        <a:latin typeface="+mn-lt"/>
+        <a:ea typeface="+mn-ea"/>
+        <a:cs typeface="+mn-cs"/>
+      </a:defRPr>
+    </a:lvl1pPr>
+    <a:lvl2pPr marL="457200" algn="l" defTabSz="914400" rtl="0" eaLnBrk="1" latinLnBrk="0" hangingPunct="1">
+      <a:defRPr kumimoji="1" sz="1200" kern="1200">
+        <a:solidFill>
+          <a:schemeClr val="tx1"/>
+        </a:solidFill>
+        <a:latin typeface="+mn-lt"/>
+        <a:ea typeface="+mn-ea"/>
+        <a:cs typeface="+mn-cs"/>
+      </a:defRPr>
+    </a:lvl2pPr>
+    <a:lvl3pPr marL="914400" algn="l" defTabSz="914400" rtl="0" eaLnBrk="1" latinLnBrk="0" hangingPunct="1">
+      <a:defRPr kumimoji="1" sz="1200" kern="1200">
+        <a:solidFill>
+          <a:schemeClr val="tx1"/>
+        </a:solidFill>
+        <a:latin typeface="+mn-lt"/>
+        <a:ea typeface="+mn-ea"/>
+        <a:cs typeface="+mn-cs"/>
+      </a:defRPr>
+    </a:lvl3pPr>
+    <a:lvl4pPr marL="1371600" algn="l" defTabSz="914400" rtl="0" eaLnBrk="1" latinLnBrk="0" hangingPunct="1">
+      <a:defRPr kumimoji="1" sz="1200" kern="1200">
+        <a:solidFill>
+          <a:schemeClr val="tx1"/>
+        </a:solidFill>
+        <a:latin typeface="+mn-lt"/>
+        <a:ea typeface="+mn-ea"/>
+        <a:cs typeface="+mn-cs"/>
+      </a:defRPr>
+    </a:lvl4pPr>
+    <a:lvl5pPr marL="1828800" algn="l" defTabSz="914400" rtl="0" eaLnBrk="1" latinLnBrk="0" hangingPunct="1">
+      <a:defRPr kumimoji="1" sz="1200" kern="1200">
+        <a:solidFill>
+          <a:schemeClr val="tx1"/>
+        </a:solidFill>
+        <a:latin typeface="+mn-lt"/>
+        <a:ea typeface="+mn-ea"/>
+        <a:cs typeface="+mn-cs"/>
+      </a:defRPr>
+    </a:lvl5pPr>
+    <a:lvl6pPr marL="2286000" algn="l" defTabSz="914400" rtl="0" eaLnBrk="1" latinLnBrk="0" hangingPunct="1">
+      <a:defRPr kumimoji="1" sz="1200" kern="1200">
+        <a:solidFill>
+          <a:schemeClr val="tx1"/>
+        </a:solidFill>
+        <a:latin typeface="+mn-lt"/>
+        <a:ea typeface="+mn-ea"/>
+        <a:cs typeface="+mn-cs"/>
+      </a:defRPr>
+    </a:lvl6pPr>
+    <a:lvl7pPr marL="2743200" algn="l" defTabSz="914400" rtl="0" eaLnBrk="1" latinLnBrk="0" hangingPunct="1">
+      <a:defRPr kumimoji="1" sz="1200" kern="1200">
+        <a:solidFill>
+          <a:schemeClr val="tx1"/>
+        </a:solidFill>
+        <a:latin typeface="+mn-lt"/>
+        <a:ea typeface="+mn-ea"/>
+        <a:cs typeface="+mn-cs"/>
+      </a:defRPr>
+    </a:lvl7pPr>
+    <a:lvl8pPr marL="3200400" algn="l" defTabSz="914400" rtl="0" eaLnBrk="1" latinLnBrk="0" hangingPunct="1">
+      <a:defRPr kumimoji="1" sz="1200" kern="1200">
+        <a:solidFill>
+          <a:schemeClr val="tx1"/>
+        </a:solidFill>
+        <a:latin typeface="+mn-lt"/>
+        <a:ea typeface="+mn-ea"/>
+        <a:cs typeface="+mn-cs"/>
+      </a:defRPr>
+    </a:lvl8pPr>
+    <a:lvl9pPr marL="3657600" algn="l" defTabSz="914400" rtl="0" eaLnBrk="1" latinLnBrk="0" hangingPunct="1">
+      <a:defRPr kumimoji="1" sz="1200" kern="1200">
+        <a:solidFill>
+          <a:schemeClr val="tx1"/>
+        </a:solidFill>
+        <a:latin typeface="+mn-lt"/>
+        <a:ea typeface="+mn-ea"/>
+        <a:cs typeface="+mn-cs"/>
+      </a:defRPr>
+    </a:lvl9pPr>
+  </p:notesStyle>
+</p:notesMaster>
+</file>
+
 <file path=ppt/slideLayouts/slideLayout1.xml><?xml version="1.0" encoding="utf-8"?>
 <p:sldLayout xmlns:a="http://schemas.openxmlformats.org/drawingml/2006/main" xmlns:r="http://schemas.openxmlformats.org/officeDocument/2006/relationships" xmlns:p="http://schemas.openxmlformats.org/presentationml/2006/main" type="title" preserve="1">
   <p:cSld name="タイトル スライド">
@@ -245,9 +627,9 @@
           <a:bodyPr/>
           <a:lstStyle/>
           <a:p>
-            <a:fld id="{0E02A643-9BB0-4E02-80B2-2C0A5E5D738E}" type="datetimeFigureOut">
+            <a:fld id="{F5AF9F5B-2404-485D-A870-3651691CD6B5}" type="datetime1">
               <a:rPr kumimoji="1" lang="ja-JP" altLang="en-US" smtClean="0"/>
-              <a:t>2025/10/16</a:t>
+              <a:t>2025/10/17</a:t>
             </a:fld>
             <a:endParaRPr kumimoji="1" lang="ja-JP" altLang="en-US"/>
           </a:p>
@@ -445,9 +827,9 @@
           <a:bodyPr/>
           <a:lstStyle/>
           <a:p>
-            <a:fld id="{0E02A643-9BB0-4E02-80B2-2C0A5E5D738E}" type="datetimeFigureOut">
+            <a:fld id="{5747C4F4-5A8E-4D77-ABBE-A0BE847775D5}" type="datetime1">
               <a:rPr kumimoji="1" lang="ja-JP" altLang="en-US" smtClean="0"/>
-              <a:t>2025/10/16</a:t>
+              <a:t>2025/10/17</a:t>
             </a:fld>
             <a:endParaRPr kumimoji="1" lang="ja-JP" altLang="en-US"/>
           </a:p>
@@ -655,9 +1037,9 @@
           <a:bodyPr/>
           <a:lstStyle/>
           <a:p>
-            <a:fld id="{0E02A643-9BB0-4E02-80B2-2C0A5E5D738E}" type="datetimeFigureOut">
+            <a:fld id="{9A9AB05E-20D0-482C-BB40-3584160A1784}" type="datetime1">
               <a:rPr kumimoji="1" lang="ja-JP" altLang="en-US" smtClean="0"/>
-              <a:t>2025/10/16</a:t>
+              <a:t>2025/10/17</a:t>
             </a:fld>
             <a:endParaRPr kumimoji="1" lang="ja-JP" altLang="en-US"/>
           </a:p>
@@ -855,9 +1237,9 @@
           <a:bodyPr/>
           <a:lstStyle/>
           <a:p>
-            <a:fld id="{0E02A643-9BB0-4E02-80B2-2C0A5E5D738E}" type="datetimeFigureOut">
+            <a:fld id="{704830A0-5797-4E39-976B-196EBC8F12A5}" type="datetime1">
               <a:rPr kumimoji="1" lang="ja-JP" altLang="en-US" smtClean="0"/>
-              <a:t>2025/10/16</a:t>
+              <a:t>2025/10/17</a:t>
             </a:fld>
             <a:endParaRPr kumimoji="1" lang="ja-JP" altLang="en-US"/>
           </a:p>
@@ -1100,9 +1482,9 @@
           <a:bodyPr/>
           <a:lstStyle/>
           <a:p>
-            <a:fld id="{0E02A643-9BB0-4E02-80B2-2C0A5E5D738E}" type="datetimeFigureOut">
+            <a:fld id="{3D3FFB79-61C9-4C9B-BB39-B3ADC33410DC}" type="datetime1">
               <a:rPr kumimoji="1" lang="ja-JP" altLang="en-US" smtClean="0"/>
-              <a:t>2025/10/16</a:t>
+              <a:t>2025/10/17</a:t>
             </a:fld>
             <a:endParaRPr kumimoji="1" lang="ja-JP" altLang="en-US"/>
           </a:p>
@@ -1393,9 +1775,9 @@
           <a:bodyPr/>
           <a:lstStyle/>
           <a:p>
-            <a:fld id="{0E02A643-9BB0-4E02-80B2-2C0A5E5D738E}" type="datetimeFigureOut">
+            <a:fld id="{FA15C774-0875-42EB-AD6C-A573C6182984}" type="datetime1">
               <a:rPr kumimoji="1" lang="ja-JP" altLang="en-US" smtClean="0"/>
-              <a:t>2025/10/16</a:t>
+              <a:t>2025/10/17</a:t>
             </a:fld>
             <a:endParaRPr kumimoji="1" lang="ja-JP" altLang="en-US"/>
           </a:p>
@@ -1821,9 +2203,9 @@
           <a:bodyPr/>
           <a:lstStyle/>
           <a:p>
-            <a:fld id="{0E02A643-9BB0-4E02-80B2-2C0A5E5D738E}" type="datetimeFigureOut">
+            <a:fld id="{698AFFEB-CD38-4777-8454-30081785CFFF}" type="datetime1">
               <a:rPr kumimoji="1" lang="ja-JP" altLang="en-US" smtClean="0"/>
-              <a:t>2025/10/16</a:t>
+              <a:t>2025/10/17</a:t>
             </a:fld>
             <a:endParaRPr kumimoji="1" lang="ja-JP" altLang="en-US"/>
           </a:p>
@@ -1952,9 +2334,9 @@
           <a:bodyPr/>
           <a:lstStyle/>
           <a:p>
-            <a:fld id="{0E02A643-9BB0-4E02-80B2-2C0A5E5D738E}" type="datetimeFigureOut">
+            <a:fld id="{42D7B12B-7CA0-4414-AEAA-6D0AACA2052F}" type="datetime1">
               <a:rPr kumimoji="1" lang="ja-JP" altLang="en-US" smtClean="0"/>
-              <a:t>2025/10/16</a:t>
+              <a:t>2025/10/17</a:t>
             </a:fld>
             <a:endParaRPr kumimoji="1" lang="ja-JP" altLang="en-US"/>
           </a:p>
@@ -2047,9 +2429,9 @@
           <a:bodyPr/>
           <a:lstStyle/>
           <a:p>
-            <a:fld id="{0E02A643-9BB0-4E02-80B2-2C0A5E5D738E}" type="datetimeFigureOut">
+            <a:fld id="{AFD3D29A-C4E2-4B84-B7FB-8D55DDD89BA5}" type="datetime1">
               <a:rPr kumimoji="1" lang="ja-JP" altLang="en-US" smtClean="0"/>
-              <a:t>2025/10/16</a:t>
+              <a:t>2025/10/17</a:t>
             </a:fld>
             <a:endParaRPr kumimoji="1" lang="ja-JP" altLang="en-US"/>
           </a:p>
@@ -2354,9 +2736,9 @@
           <a:bodyPr/>
           <a:lstStyle/>
           <a:p>
-            <a:fld id="{0E02A643-9BB0-4E02-80B2-2C0A5E5D738E}" type="datetimeFigureOut">
+            <a:fld id="{D93CAB33-5415-4090-AE1B-2B4E589E017F}" type="datetime1">
               <a:rPr kumimoji="1" lang="ja-JP" altLang="en-US" smtClean="0"/>
-              <a:t>2025/10/16</a:t>
+              <a:t>2025/10/17</a:t>
             </a:fld>
             <a:endParaRPr kumimoji="1" lang="ja-JP" altLang="en-US"/>
           </a:p>
@@ -2606,9 +2988,9 @@
           <a:bodyPr/>
           <a:lstStyle/>
           <a:p>
-            <a:fld id="{0E02A643-9BB0-4E02-80B2-2C0A5E5D738E}" type="datetimeFigureOut">
+            <a:fld id="{9AD6552B-56D1-4206-BF32-17E96CC146D1}" type="datetime1">
               <a:rPr kumimoji="1" lang="ja-JP" altLang="en-US" smtClean="0"/>
-              <a:t>2025/10/16</a:t>
+              <a:t>2025/10/17</a:t>
             </a:fld>
             <a:endParaRPr kumimoji="1" lang="ja-JP" altLang="en-US"/>
           </a:p>
@@ -2849,9 +3231,9 @@
             </a:lvl1pPr>
           </a:lstStyle>
           <a:p>
-            <a:fld id="{0E02A643-9BB0-4E02-80B2-2C0A5E5D738E}" type="datetimeFigureOut">
+            <a:fld id="{B79ECCA8-2BE2-481B-9A14-A01B368CD589}" type="datetime1">
               <a:rPr kumimoji="1" lang="ja-JP" altLang="en-US" smtClean="0"/>
-              <a:t>2025/10/16</a:t>
+              <a:t>2025/10/17</a:t>
             </a:fld>
             <a:endParaRPr kumimoji="1" lang="ja-JP" altLang="en-US"/>
           </a:p>
@@ -2956,6 +3338,7 @@
     <p:sldLayoutId id="2147483658" r:id="rId10"/>
     <p:sldLayoutId id="2147483659" r:id="rId11"/>
   </p:sldLayoutIdLst>
+  <p:hf hdr="0" ftr="0" dt="0"/>
   <p:txStyles>
     <p:titleStyle>
       <a:lvl1pPr algn="l" defTabSz="914400" rtl="0" eaLnBrk="1" latinLnBrk="0" hangingPunct="1">
@@ -3445,6 +3828,35 @@
           </a:p>
         </p:txBody>
       </p:sp>
+      <p:sp>
+        <p:nvSpPr>
+          <p:cNvPr id="5" name="スライド番号プレースホルダー 4">
+            <a:extLst>
+              <a:ext uri="{FF2B5EF4-FFF2-40B4-BE49-F238E27FC236}">
+                <a16:creationId xmlns:a16="http://schemas.microsoft.com/office/drawing/2014/main" id="{1BA4DFDA-7412-555F-CDE3-7D84E38A1804}"/>
+              </a:ext>
+            </a:extLst>
+          </p:cNvPr>
+          <p:cNvSpPr>
+            <a:spLocks noGrp="1"/>
+          </p:cNvSpPr>
+          <p:nvPr>
+            <p:ph type="sldNum" sz="quarter" idx="12"/>
+          </p:nvPr>
+        </p:nvSpPr>
+        <p:spPr/>
+        <p:txBody>
+          <a:bodyPr/>
+          <a:lstStyle/>
+          <a:p>
+            <a:fld id="{A99D720A-4AD5-4DCF-885F-DE5297996123}" type="slidenum">
+              <a:rPr kumimoji="1" lang="ja-JP" altLang="en-US" smtClean="0"/>
+              <a:t>1</a:t>
+            </a:fld>
+            <a:endParaRPr kumimoji="1" lang="ja-JP" altLang="en-US"/>
+          </a:p>
+        </p:txBody>
+      </p:sp>
     </p:spTree>
     <p:extLst>
       <p:ext uri="{BB962C8B-B14F-4D97-AF65-F5344CB8AC3E}">
@@ -3533,13 +3945,13 @@
           <p:nvPr>
             <p:extLst>
               <p:ext uri="{D42A27DB-BD31-4B8C-83A1-F6EECF244321}">
-                <p14:modId xmlns:p14="http://schemas.microsoft.com/office/powerpoint/2010/main" val="3492871232"/>
+                <p14:modId xmlns:p14="http://schemas.microsoft.com/office/powerpoint/2010/main" val="3927066856"/>
               </p:ext>
             </p:extLst>
           </p:nvPr>
         </p:nvGraphicFramePr>
         <p:xfrm>
-          <a:off x="7978021" y="1076872"/>
+          <a:off x="7978021" y="1174982"/>
           <a:ext cx="3561310" cy="1956405"/>
         </p:xfrm>
         <a:graphic>
@@ -3571,7 +3983,7 @@
                   </a:extLst>
                 </a:gridCol>
               </a:tblGrid>
-              <a:tr h="180301">
+              <a:tr h="94295">
                 <a:tc>
                   <a:txBody>
                     <a:bodyPr/>
@@ -9528,6 +9940,35 @@
           </a:graphicData>
         </a:graphic>
       </p:graphicFrame>
+      <p:sp>
+        <p:nvSpPr>
+          <p:cNvPr id="4" name="スライド番号プレースホルダー 3">
+            <a:extLst>
+              <a:ext uri="{FF2B5EF4-FFF2-40B4-BE49-F238E27FC236}">
+                <a16:creationId xmlns:a16="http://schemas.microsoft.com/office/drawing/2014/main" id="{C4BE279E-A868-AED5-3B6C-15632079C537}"/>
+              </a:ext>
+            </a:extLst>
+          </p:cNvPr>
+          <p:cNvSpPr>
+            <a:spLocks noGrp="1"/>
+          </p:cNvSpPr>
+          <p:nvPr>
+            <p:ph type="sldNum" sz="quarter" idx="12"/>
+          </p:nvPr>
+        </p:nvSpPr>
+        <p:spPr/>
+        <p:txBody>
+          <a:bodyPr/>
+          <a:lstStyle/>
+          <a:p>
+            <a:fld id="{A99D720A-4AD5-4DCF-885F-DE5297996123}" type="slidenum">
+              <a:rPr kumimoji="1" lang="ja-JP" altLang="en-US" smtClean="0"/>
+              <a:t>2</a:t>
+            </a:fld>
+            <a:endParaRPr kumimoji="1" lang="ja-JP" altLang="en-US"/>
+          </a:p>
+        </p:txBody>
+      </p:sp>
     </p:spTree>
     <p:extLst>
       <p:ext uri="{BB962C8B-B14F-4D97-AF65-F5344CB8AC3E}">
@@ -13836,6 +14277,35 @@
           </a:p>
         </p:txBody>
       </p:sp>
+      <p:sp>
+        <p:nvSpPr>
+          <p:cNvPr id="7" name="スライド番号プレースホルダー 6">
+            <a:extLst>
+              <a:ext uri="{FF2B5EF4-FFF2-40B4-BE49-F238E27FC236}">
+                <a16:creationId xmlns:a16="http://schemas.microsoft.com/office/drawing/2014/main" id="{64E4F206-10FD-6D38-AFC2-8E3EF23FCA36}"/>
+              </a:ext>
+            </a:extLst>
+          </p:cNvPr>
+          <p:cNvSpPr>
+            <a:spLocks noGrp="1"/>
+          </p:cNvSpPr>
+          <p:nvPr>
+            <p:ph type="sldNum" sz="quarter" idx="12"/>
+          </p:nvPr>
+        </p:nvSpPr>
+        <p:spPr/>
+        <p:txBody>
+          <a:bodyPr/>
+          <a:lstStyle/>
+          <a:p>
+            <a:fld id="{A99D720A-4AD5-4DCF-885F-DE5297996123}" type="slidenum">
+              <a:rPr kumimoji="1" lang="ja-JP" altLang="en-US" smtClean="0"/>
+              <a:t>3</a:t>
+            </a:fld>
+            <a:endParaRPr kumimoji="1" lang="ja-JP" altLang="en-US"/>
+          </a:p>
+        </p:txBody>
+      </p:sp>
     </p:spTree>
     <p:extLst>
       <p:ext uri="{BB962C8B-B14F-4D97-AF65-F5344CB8AC3E}">
@@ -13850,6 +14320,172 @@
 </file>
 
 <file path=ppt/slides/slide4.xml><?xml version="1.0" encoding="utf-8"?>
+<p:sld xmlns:a="http://schemas.openxmlformats.org/drawingml/2006/main" xmlns:r="http://schemas.openxmlformats.org/officeDocument/2006/relationships" xmlns:p="http://schemas.openxmlformats.org/presentationml/2006/main">
+  <p:cSld>
+    <p:spTree>
+      <p:nvGrpSpPr>
+        <p:cNvPr id="1" name=""/>
+        <p:cNvGrpSpPr/>
+        <p:nvPr/>
+      </p:nvGrpSpPr>
+      <p:grpSpPr>
+        <a:xfrm>
+          <a:off x="0" y="0"/>
+          <a:ext cx="0" cy="0"/>
+          <a:chOff x="0" y="0"/>
+          <a:chExt cx="0" cy="0"/>
+        </a:xfrm>
+      </p:grpSpPr>
+      <p:sp>
+        <p:nvSpPr>
+          <p:cNvPr id="2" name="タイトル 1">
+            <a:extLst>
+              <a:ext uri="{FF2B5EF4-FFF2-40B4-BE49-F238E27FC236}">
+                <a16:creationId xmlns:a16="http://schemas.microsoft.com/office/drawing/2014/main" id="{852F7B4B-5016-6084-64EB-4ABC15493975}"/>
+              </a:ext>
+            </a:extLst>
+          </p:cNvPr>
+          <p:cNvSpPr>
+            <a:spLocks noGrp="1"/>
+          </p:cNvSpPr>
+          <p:nvPr>
+            <p:ph type="title"/>
+          </p:nvPr>
+        </p:nvSpPr>
+        <p:spPr/>
+        <p:txBody>
+          <a:bodyPr>
+            <a:normAutofit fontScale="90000"/>
+          </a:bodyPr>
+          <a:lstStyle/>
+          <a:p>
+            <a:r>
+              <a:rPr lang="en-US" altLang="ja-JP"/>
+              <a:t>DFD</a:t>
+            </a:r>
+            <a:r>
+              <a:rPr lang="ja-JP" altLang="en-US"/>
+              <a:t>（データフローダイアグラム）</a:t>
+            </a:r>
+            <a:endParaRPr kumimoji="1" lang="ja-JP" altLang="en-US"/>
+          </a:p>
+        </p:txBody>
+      </p:sp>
+      <p:pic>
+        <p:nvPicPr>
+          <p:cNvPr id="4" name="図 3">
+            <a:extLst>
+              <a:ext uri="{FF2B5EF4-FFF2-40B4-BE49-F238E27FC236}">
+                <a16:creationId xmlns:a16="http://schemas.microsoft.com/office/drawing/2014/main" id="{AA307C09-CC52-D946-4FF0-52304AE79C4B}"/>
+              </a:ext>
+            </a:extLst>
+          </p:cNvPr>
+          <p:cNvPicPr>
+            <a:picLocks noChangeAspect="1"/>
+          </p:cNvPicPr>
+          <p:nvPr/>
+        </p:nvPicPr>
+        <p:blipFill>
+          <a:blip r:embed="rId2"/>
+          <a:stretch>
+            <a:fillRect/>
+          </a:stretch>
+        </p:blipFill>
+        <p:spPr>
+          <a:xfrm>
+            <a:off x="838200" y="965549"/>
+            <a:ext cx="7411278" cy="5374869"/>
+          </a:xfrm>
+          <a:prstGeom prst="rect">
+            <a:avLst/>
+          </a:prstGeom>
+        </p:spPr>
+      </p:pic>
+      <p:sp>
+        <p:nvSpPr>
+          <p:cNvPr id="5" name="テキスト ボックス 4">
+            <a:extLst>
+              <a:ext uri="{FF2B5EF4-FFF2-40B4-BE49-F238E27FC236}">
+                <a16:creationId xmlns:a16="http://schemas.microsoft.com/office/drawing/2014/main" id="{EA455AA1-C83A-F674-015A-7D87C2401746}"/>
+              </a:ext>
+            </a:extLst>
+          </p:cNvPr>
+          <p:cNvSpPr txBox="1"/>
+          <p:nvPr/>
+        </p:nvSpPr>
+        <p:spPr>
+          <a:xfrm>
+            <a:off x="8634244" y="986881"/>
+            <a:ext cx="2971763" cy="261610"/>
+          </a:xfrm>
+          <a:prstGeom prst="rect">
+            <a:avLst/>
+          </a:prstGeom>
+          <a:noFill/>
+        </p:spPr>
+        <p:txBody>
+          <a:bodyPr wrap="square" rtlCol="0">
+            <a:spAutoFit/>
+          </a:bodyPr>
+          <a:lstStyle/>
+          <a:p>
+            <a:r>
+              <a:rPr lang="en-US" altLang="ja-JP" sz="1100">
+                <a:latin typeface="BIZ UDゴシック" panose="020B0400000000000000" pitchFamily="49" charset="-128"/>
+                <a:ea typeface="BIZ UDゴシック" panose="020B0400000000000000" pitchFamily="49" charset="-128"/>
+              </a:rPr>
+              <a:t>battery_temp_control_dfd_level0.drawio</a:t>
+            </a:r>
+            <a:endParaRPr kumimoji="1" lang="ja-JP" altLang="en-US" sz="1100">
+              <a:latin typeface="BIZ UDゴシック" panose="020B0400000000000000" pitchFamily="49" charset="-128"/>
+              <a:ea typeface="BIZ UDゴシック" panose="020B0400000000000000" pitchFamily="49" charset="-128"/>
+            </a:endParaRPr>
+          </a:p>
+        </p:txBody>
+      </p:sp>
+      <p:sp>
+        <p:nvSpPr>
+          <p:cNvPr id="7" name="スライド番号プレースホルダー 6">
+            <a:extLst>
+              <a:ext uri="{FF2B5EF4-FFF2-40B4-BE49-F238E27FC236}">
+                <a16:creationId xmlns:a16="http://schemas.microsoft.com/office/drawing/2014/main" id="{B4713B52-9E37-4A24-2068-B21D9F1749C5}"/>
+              </a:ext>
+            </a:extLst>
+          </p:cNvPr>
+          <p:cNvSpPr>
+            <a:spLocks noGrp="1"/>
+          </p:cNvSpPr>
+          <p:nvPr>
+            <p:ph type="sldNum" sz="quarter" idx="12"/>
+          </p:nvPr>
+        </p:nvSpPr>
+        <p:spPr/>
+        <p:txBody>
+          <a:bodyPr/>
+          <a:lstStyle/>
+          <a:p>
+            <a:fld id="{A99D720A-4AD5-4DCF-885F-DE5297996123}" type="slidenum">
+              <a:rPr kumimoji="1" lang="ja-JP" altLang="en-US" smtClean="0"/>
+              <a:t>4</a:t>
+            </a:fld>
+            <a:endParaRPr kumimoji="1" lang="ja-JP" altLang="en-US"/>
+          </a:p>
+        </p:txBody>
+      </p:sp>
+    </p:spTree>
+    <p:extLst>
+      <p:ext uri="{BB962C8B-B14F-4D97-AF65-F5344CB8AC3E}">
+        <p14:creationId xmlns:p14="http://schemas.microsoft.com/office/powerpoint/2010/main" val="1637640609"/>
+      </p:ext>
+    </p:extLst>
+  </p:cSld>
+  <p:clrMapOvr>
+    <a:masterClrMapping/>
+  </p:clrMapOvr>
+</p:sld>
+</file>
+
+<file path=ppt/slides/slide5.xml><?xml version="1.0" encoding="utf-8"?>
 <p:sld xmlns:a="http://schemas.openxmlformats.org/drawingml/2006/main" xmlns:r="http://schemas.openxmlformats.org/officeDocument/2006/relationships" xmlns:p="http://schemas.openxmlformats.org/presentationml/2006/main">
   <p:cSld>
     <p:spTree>
@@ -13889,6 +14525,10 @@
           </a:bodyPr>
           <a:lstStyle/>
           <a:p>
+            <a:r>
+              <a:rPr lang="ja-JP" altLang="en-US"/>
+              <a:t>参考：</a:t>
+            </a:r>
             <a:r>
               <a:rPr lang="en-US" altLang="ja-JP"/>
               <a:t>DFD</a:t>
@@ -17431,42 +18071,12 @@
           </a:p>
         </p:txBody>
       </p:sp>
-    </p:spTree>
-    <p:extLst>
-      <p:ext uri="{BB962C8B-B14F-4D97-AF65-F5344CB8AC3E}">
-        <p14:creationId xmlns:p14="http://schemas.microsoft.com/office/powerpoint/2010/main" val="116261769"/>
-      </p:ext>
-    </p:extLst>
-  </p:cSld>
-  <p:clrMapOvr>
-    <a:masterClrMapping/>
-  </p:clrMapOvr>
-</p:sld>
-</file>
-
-<file path=ppt/slides/slide5.xml><?xml version="1.0" encoding="utf-8"?>
-<p:sld xmlns:a="http://schemas.openxmlformats.org/drawingml/2006/main" xmlns:r="http://schemas.openxmlformats.org/officeDocument/2006/relationships" xmlns:p="http://schemas.openxmlformats.org/presentationml/2006/main">
-  <p:cSld>
-    <p:spTree>
-      <p:nvGrpSpPr>
-        <p:cNvPr id="1" name=""/>
-        <p:cNvGrpSpPr/>
-        <p:nvPr/>
-      </p:nvGrpSpPr>
-      <p:grpSpPr>
-        <a:xfrm>
-          <a:off x="0" y="0"/>
-          <a:ext cx="0" cy="0"/>
-          <a:chOff x="0" y="0"/>
-          <a:chExt cx="0" cy="0"/>
-        </a:xfrm>
-      </p:grpSpPr>
       <p:sp>
         <p:nvSpPr>
-          <p:cNvPr id="2" name="タイトル 1">
+          <p:cNvPr id="4" name="スライド番号プレースホルダー 3">
             <a:extLst>
               <a:ext uri="{FF2B5EF4-FFF2-40B4-BE49-F238E27FC236}">
-                <a16:creationId xmlns:a16="http://schemas.microsoft.com/office/drawing/2014/main" id="{D8BBE757-2DC4-1667-A547-024207B2BCAD}"/>
+                <a16:creationId xmlns:a16="http://schemas.microsoft.com/office/drawing/2014/main" id="{B196FD99-E727-8593-EA6C-D45AA8363890}"/>
               </a:ext>
             </a:extLst>
           </p:cNvPr>
@@ -17474,2406 +18084,26 @@
             <a:spLocks noGrp="1"/>
           </p:cNvSpPr>
           <p:nvPr>
-            <p:ph type="title"/>
+            <p:ph type="sldNum" sz="quarter" idx="12"/>
           </p:nvPr>
         </p:nvSpPr>
         <p:spPr/>
         <p:txBody>
-          <a:bodyPr>
-            <a:normAutofit fontScale="90000"/>
-          </a:bodyPr>
+          <a:bodyPr/>
           <a:lstStyle/>
           <a:p>
-            <a:r>
-              <a:rPr kumimoji="1" lang="ja-JP" altLang="en-US"/>
-              <a:t>バッテリ温度の考え方</a:t>
-            </a:r>
-          </a:p>
-        </p:txBody>
-      </p:sp>
-      <p:sp>
-        <p:nvSpPr>
-          <p:cNvPr id="3" name="テキスト ボックス 2">
-            <a:extLst>
-              <a:ext uri="{FF2B5EF4-FFF2-40B4-BE49-F238E27FC236}">
-                <a16:creationId xmlns:a16="http://schemas.microsoft.com/office/drawing/2014/main" id="{B4BAAEC2-0A1C-315C-C5B4-2301D4447A11}"/>
-              </a:ext>
-            </a:extLst>
-          </p:cNvPr>
-          <p:cNvSpPr txBox="1"/>
-          <p:nvPr/>
-        </p:nvSpPr>
-        <p:spPr>
-          <a:xfrm>
-            <a:off x="453427" y="2617113"/>
-            <a:ext cx="1800493" cy="276999"/>
-          </a:xfrm>
-          <a:prstGeom prst="rect">
-            <a:avLst/>
-          </a:prstGeom>
-          <a:noFill/>
-        </p:spPr>
-        <p:txBody>
-          <a:bodyPr wrap="none" rtlCol="0">
-            <a:spAutoFit/>
-          </a:bodyPr>
-          <a:lstStyle/>
-          <a:p>
-            <a:r>
-              <a:rPr kumimoji="1" lang="en-US" altLang="ja-JP" sz="1200">
-                <a:latin typeface="BIZ UDゴシック" panose="020B0400000000000000" pitchFamily="49" charset="-128"/>
-                <a:ea typeface="BIZ UDゴシック" panose="020B0400000000000000" pitchFamily="49" charset="-128"/>
-              </a:rPr>
-              <a:t>2) </a:t>
-            </a:r>
-            <a:r>
-              <a:rPr kumimoji="1" lang="ja-JP" altLang="en-US" sz="1200">
-                <a:latin typeface="BIZ UDゴシック" panose="020B0400000000000000" pitchFamily="49" charset="-128"/>
-                <a:ea typeface="BIZ UDゴシック" panose="020B0400000000000000" pitchFamily="49" charset="-128"/>
-              </a:rPr>
-              <a:t>実務的な「考慮点」</a:t>
-            </a:r>
-          </a:p>
-        </p:txBody>
-      </p:sp>
-      <p:sp>
-        <p:nvSpPr>
-          <p:cNvPr id="4" name="テキスト ボックス 3">
-            <a:extLst>
-              <a:ext uri="{FF2B5EF4-FFF2-40B4-BE49-F238E27FC236}">
-                <a16:creationId xmlns:a16="http://schemas.microsoft.com/office/drawing/2014/main" id="{F8F3DD89-679E-B04F-89A0-3072D44BAD5A}"/>
-              </a:ext>
-            </a:extLst>
-          </p:cNvPr>
-          <p:cNvSpPr txBox="1"/>
-          <p:nvPr/>
-        </p:nvSpPr>
-        <p:spPr>
-          <a:xfrm>
-            <a:off x="589364" y="1400731"/>
-            <a:ext cx="5506636" cy="1107996"/>
-          </a:xfrm>
-          <a:prstGeom prst="rect">
-            <a:avLst/>
-          </a:prstGeom>
-          <a:solidFill>
-            <a:schemeClr val="accent6">
-              <a:lumMod val="20000"/>
-              <a:lumOff val="80000"/>
-            </a:schemeClr>
-          </a:solidFill>
-        </p:spPr>
-        <p:txBody>
-          <a:bodyPr wrap="none" rtlCol="0">
-            <a:spAutoFit/>
-          </a:bodyPr>
-          <a:lstStyle/>
-          <a:p>
-            <a:pPr marL="171450" indent="-171450">
-              <a:buFont typeface="Wingdings" panose="05000000000000000000" pitchFamily="2" charset="2"/>
-              <a:buChar char="l"/>
-            </a:pPr>
-            <a:r>
-              <a:rPr kumimoji="1" lang="en-US" altLang="ja-JP" sz="1100">
-                <a:latin typeface="BIZ UDゴシック" panose="020B0400000000000000" pitchFamily="49" charset="-128"/>
-                <a:ea typeface="BIZ UDゴシック" panose="020B0400000000000000" pitchFamily="49" charset="-128"/>
-              </a:rPr>
-              <a:t>10-bit ADC </a:t>
-            </a:r>
-            <a:r>
-              <a:rPr kumimoji="1" lang="ja-JP" altLang="en-US" sz="1100">
-                <a:latin typeface="BIZ UDゴシック" panose="020B0400000000000000" pitchFamily="49" charset="-128"/>
-                <a:ea typeface="BIZ UDゴシック" panose="020B0400000000000000" pitchFamily="49" charset="-128"/>
-              </a:rPr>
-              <a:t>は </a:t>
-            </a:r>
-            <a:r>
-              <a:rPr kumimoji="1" lang="en-US" altLang="ja-JP" sz="1100">
-                <a:latin typeface="BIZ UDゴシック" panose="020B0400000000000000" pitchFamily="49" charset="-128"/>
-                <a:ea typeface="BIZ UDゴシック" panose="020B0400000000000000" pitchFamily="49" charset="-128"/>
-              </a:rPr>
-              <a:t>0..1023 </a:t>
-            </a:r>
-            <a:r>
-              <a:rPr kumimoji="1" lang="ja-JP" altLang="en-US" sz="1100">
-                <a:latin typeface="BIZ UDゴシック" panose="020B0400000000000000" pitchFamily="49" charset="-128"/>
-                <a:ea typeface="BIZ UDゴシック" panose="020B0400000000000000" pitchFamily="49" charset="-128"/>
-              </a:rPr>
-              <a:t>の整数値を取ります。線形に温度 </a:t>
-            </a:r>
-            <a:r>
-              <a:rPr kumimoji="1" lang="en-US" altLang="ja-JP" sz="1100">
-                <a:latin typeface="BIZ UDゴシック" panose="020B0400000000000000" pitchFamily="49" charset="-128"/>
-                <a:ea typeface="BIZ UDゴシック" panose="020B0400000000000000" pitchFamily="49" charset="-128"/>
-              </a:rPr>
-              <a:t>T </a:t>
-            </a:r>
-            <a:r>
-              <a:rPr kumimoji="1" lang="ja-JP" altLang="en-US" sz="1100">
-                <a:latin typeface="BIZ UDゴシック" panose="020B0400000000000000" pitchFamily="49" charset="-128"/>
-                <a:ea typeface="BIZ UDゴシック" panose="020B0400000000000000" pitchFamily="49" charset="-128"/>
-              </a:rPr>
-              <a:t>にマップする一般式</a:t>
-            </a:r>
-            <a:br>
-              <a:rPr kumimoji="1" lang="en-US" altLang="ja-JP" sz="1100">
-                <a:latin typeface="BIZ UDゴシック" panose="020B0400000000000000" pitchFamily="49" charset="-128"/>
-                <a:ea typeface="BIZ UDゴシック" panose="020B0400000000000000" pitchFamily="49" charset="-128"/>
-              </a:rPr>
-            </a:br>
-            <a:r>
-              <a:rPr lang="fr-FR" altLang="ja-JP" sz="1100">
-                <a:latin typeface="BIZ UDゴシック" panose="020B0400000000000000" pitchFamily="49" charset="-128"/>
-                <a:ea typeface="BIZ UDゴシック" panose="020B0400000000000000" pitchFamily="49" charset="-128"/>
-              </a:rPr>
-              <a:t>T = T_min + (adc_value / 1023.0) * (T_max - T_min)</a:t>
-            </a:r>
-          </a:p>
-          <a:p>
-            <a:pPr marL="171450" indent="-171450">
-              <a:buFont typeface="Wingdings" panose="05000000000000000000" pitchFamily="2" charset="2"/>
-              <a:buChar char="l"/>
-            </a:pPr>
-            <a:r>
-              <a:rPr lang="ja-JP" altLang="en-US" sz="1100">
-                <a:latin typeface="BIZ UDゴシック" panose="020B0400000000000000" pitchFamily="49" charset="-128"/>
-                <a:ea typeface="BIZ UDゴシック" panose="020B0400000000000000" pitchFamily="49" charset="-128"/>
-              </a:rPr>
-              <a:t>温度 → </a:t>
-            </a:r>
-            <a:r>
-              <a:rPr lang="en-US" altLang="ja-JP" sz="1100">
-                <a:latin typeface="BIZ UDゴシック" panose="020B0400000000000000" pitchFamily="49" charset="-128"/>
-                <a:ea typeface="BIZ UDゴシック" panose="020B0400000000000000" pitchFamily="49" charset="-128"/>
-              </a:rPr>
-              <a:t>ADC</a:t>
-            </a:r>
-            <a:br>
-              <a:rPr lang="en-US" altLang="ja-JP" sz="1100">
-                <a:latin typeface="BIZ UDゴシック" panose="020B0400000000000000" pitchFamily="49" charset="-128"/>
-                <a:ea typeface="BIZ UDゴシック" panose="020B0400000000000000" pitchFamily="49" charset="-128"/>
-              </a:rPr>
-            </a:br>
-            <a:r>
-              <a:rPr lang="fr-FR" altLang="ja-JP" sz="1100">
-                <a:latin typeface="BIZ UDゴシック" panose="020B0400000000000000" pitchFamily="49" charset="-128"/>
-                <a:ea typeface="BIZ UDゴシック" panose="020B0400000000000000" pitchFamily="49" charset="-128"/>
-              </a:rPr>
-              <a:t>adc_value = round( (T - T_min) / (T_max - T_min) * 1023 )</a:t>
-            </a:r>
-          </a:p>
-          <a:p>
-            <a:pPr marL="171450" indent="-171450">
-              <a:buFont typeface="Wingdings" panose="05000000000000000000" pitchFamily="2" charset="2"/>
-              <a:buChar char="l"/>
-            </a:pPr>
-            <a:r>
-              <a:rPr lang="ja-JP" altLang="en-US" sz="1100">
-                <a:latin typeface="BIZ UDゴシック" panose="020B0400000000000000" pitchFamily="49" charset="-128"/>
-                <a:ea typeface="BIZ UDゴシック" panose="020B0400000000000000" pitchFamily="49" charset="-128"/>
-              </a:rPr>
-              <a:t>量子化分解能（</a:t>
-            </a:r>
-            <a:r>
-              <a:rPr lang="en-US" altLang="ja-JP" sz="1100">
-                <a:latin typeface="BIZ UDゴシック" panose="020B0400000000000000" pitchFamily="49" charset="-128"/>
-                <a:ea typeface="BIZ UDゴシック" panose="020B0400000000000000" pitchFamily="49" charset="-128"/>
-              </a:rPr>
-              <a:t>1</a:t>
-            </a:r>
-            <a:r>
-              <a:rPr lang="ja-JP" altLang="en-US" sz="1100">
-                <a:latin typeface="BIZ UDゴシック" panose="020B0400000000000000" pitchFamily="49" charset="-128"/>
-                <a:ea typeface="BIZ UDゴシック" panose="020B0400000000000000" pitchFamily="49" charset="-128"/>
-              </a:rPr>
-              <a:t>カウントあたりの温度）</a:t>
-            </a:r>
-            <a:br>
-              <a:rPr lang="en-US" altLang="ja-JP" sz="1100">
-                <a:latin typeface="BIZ UDゴシック" panose="020B0400000000000000" pitchFamily="49" charset="-128"/>
-                <a:ea typeface="BIZ UDゴシック" panose="020B0400000000000000" pitchFamily="49" charset="-128"/>
-              </a:rPr>
-            </a:br>
-            <a:r>
-              <a:rPr lang="en-US" altLang="ja-JP" sz="1100">
-                <a:latin typeface="BIZ UDゴシック" panose="020B0400000000000000" pitchFamily="49" charset="-128"/>
-                <a:ea typeface="BIZ UDゴシック" panose="020B0400000000000000" pitchFamily="49" charset="-128"/>
-              </a:rPr>
-              <a:t>resolution = (T_max - T_min) / 1023</a:t>
-            </a:r>
-          </a:p>
-        </p:txBody>
-      </p:sp>
-      <p:sp>
-        <p:nvSpPr>
-          <p:cNvPr id="5" name="テキスト ボックス 4">
-            <a:extLst>
-              <a:ext uri="{FF2B5EF4-FFF2-40B4-BE49-F238E27FC236}">
-                <a16:creationId xmlns:a16="http://schemas.microsoft.com/office/drawing/2014/main" id="{7C5897C3-2B4E-DD82-DAC4-09CDAEEEC35F}"/>
-              </a:ext>
-            </a:extLst>
-          </p:cNvPr>
-          <p:cNvSpPr txBox="1"/>
-          <p:nvPr/>
-        </p:nvSpPr>
-        <p:spPr>
-          <a:xfrm>
-            <a:off x="490841" y="1015347"/>
-            <a:ext cx="2723823" cy="276999"/>
-          </a:xfrm>
-          <a:prstGeom prst="rect">
-            <a:avLst/>
-          </a:prstGeom>
-          <a:noFill/>
-        </p:spPr>
-        <p:txBody>
-          <a:bodyPr wrap="none" rtlCol="0">
-            <a:spAutoFit/>
-          </a:bodyPr>
-          <a:lstStyle/>
-          <a:p>
-            <a:r>
-              <a:rPr kumimoji="1" lang="en-US" altLang="ja-JP" sz="1200">
-                <a:latin typeface="BIZ UDゴシック" panose="020B0400000000000000" pitchFamily="49" charset="-128"/>
-                <a:ea typeface="BIZ UDゴシック" panose="020B0400000000000000" pitchFamily="49" charset="-128"/>
-              </a:rPr>
-              <a:t>1) </a:t>
-            </a:r>
-            <a:r>
-              <a:rPr kumimoji="1" lang="ja-JP" altLang="en-US" sz="1200">
-                <a:latin typeface="BIZ UDゴシック" panose="020B0400000000000000" pitchFamily="49" charset="-128"/>
-                <a:ea typeface="BIZ UDゴシック" panose="020B0400000000000000" pitchFamily="49" charset="-128"/>
-              </a:rPr>
-              <a:t>基本式（線形マッピングの場合）</a:t>
-            </a:r>
-          </a:p>
-        </p:txBody>
-      </p:sp>
-      <p:sp>
-        <p:nvSpPr>
-          <p:cNvPr id="6" name="テキスト ボックス 5">
-            <a:extLst>
-              <a:ext uri="{FF2B5EF4-FFF2-40B4-BE49-F238E27FC236}">
-                <a16:creationId xmlns:a16="http://schemas.microsoft.com/office/drawing/2014/main" id="{48B145AE-E30D-719C-AFA3-F4D91FCF7BDB}"/>
-              </a:ext>
-            </a:extLst>
-          </p:cNvPr>
-          <p:cNvSpPr txBox="1"/>
-          <p:nvPr/>
-        </p:nvSpPr>
-        <p:spPr>
-          <a:xfrm>
-            <a:off x="589364" y="2894112"/>
-            <a:ext cx="8327921" cy="1277273"/>
-          </a:xfrm>
-          <a:prstGeom prst="rect">
-            <a:avLst/>
-          </a:prstGeom>
-          <a:solidFill>
-            <a:schemeClr val="accent6">
-              <a:lumMod val="20000"/>
-              <a:lumOff val="80000"/>
-            </a:schemeClr>
-          </a:solidFill>
-        </p:spPr>
-        <p:txBody>
-          <a:bodyPr wrap="none" rtlCol="0">
-            <a:spAutoFit/>
-          </a:bodyPr>
-          <a:lstStyle/>
-          <a:p>
-            <a:pPr marL="171450" indent="-171450">
-              <a:buFont typeface="Wingdings" panose="05000000000000000000" pitchFamily="2" charset="2"/>
-              <a:buChar char="l"/>
-            </a:pPr>
-            <a:r>
-              <a:rPr lang="ja-JP" altLang="en-US" sz="1100">
-                <a:latin typeface="BIZ UDゴシック" panose="020B0400000000000000" pitchFamily="49" charset="-128"/>
-                <a:ea typeface="BIZ UDゴシック" panose="020B0400000000000000" pitchFamily="49" charset="-128"/>
-              </a:rPr>
-              <a:t>センサ種別（サーミスタ</a:t>
-            </a:r>
-            <a:r>
-              <a:rPr lang="en-US" altLang="ja-JP" sz="1100">
-                <a:latin typeface="BIZ UDゴシック" panose="020B0400000000000000" pitchFamily="49" charset="-128"/>
-                <a:ea typeface="BIZ UDゴシック" panose="020B0400000000000000" pitchFamily="49" charset="-128"/>
-              </a:rPr>
-              <a:t>, RTD, </a:t>
-            </a:r>
-            <a:r>
-              <a:rPr lang="ja-JP" altLang="en-US" sz="1100">
-                <a:latin typeface="BIZ UDゴシック" panose="020B0400000000000000" pitchFamily="49" charset="-128"/>
-                <a:ea typeface="BIZ UDゴシック" panose="020B0400000000000000" pitchFamily="49" charset="-128"/>
-              </a:rPr>
-              <a:t>温度</a:t>
-            </a:r>
-            <a:r>
-              <a:rPr lang="en-US" altLang="ja-JP" sz="1100">
-                <a:latin typeface="BIZ UDゴシック" panose="020B0400000000000000" pitchFamily="49" charset="-128"/>
-                <a:ea typeface="BIZ UDゴシック" panose="020B0400000000000000" pitchFamily="49" charset="-128"/>
-              </a:rPr>
-              <a:t>IC</a:t>
-            </a:r>
-            <a:r>
-              <a:rPr lang="ja-JP" altLang="en-US" sz="1100">
-                <a:latin typeface="BIZ UDゴシック" panose="020B0400000000000000" pitchFamily="49" charset="-128"/>
-                <a:ea typeface="BIZ UDゴシック" panose="020B0400000000000000" pitchFamily="49" charset="-128"/>
-              </a:rPr>
-              <a:t>）は一般に非線形（サーミスタ）だったり、電圧出力で線形（温度</a:t>
-            </a:r>
-            <a:r>
-              <a:rPr lang="en-US" altLang="ja-JP" sz="1100">
-                <a:latin typeface="BIZ UDゴシック" panose="020B0400000000000000" pitchFamily="49" charset="-128"/>
-                <a:ea typeface="BIZ UDゴシック" panose="020B0400000000000000" pitchFamily="49" charset="-128"/>
-              </a:rPr>
-              <a:t>IC</a:t>
-            </a:r>
-            <a:r>
-              <a:rPr lang="ja-JP" altLang="en-US" sz="1100">
-                <a:latin typeface="BIZ UDゴシック" panose="020B0400000000000000" pitchFamily="49" charset="-128"/>
-                <a:ea typeface="BIZ UDゴシック" panose="020B0400000000000000" pitchFamily="49" charset="-128"/>
-              </a:rPr>
-              <a:t>）だったりする。</a:t>
-            </a:r>
-            <a:br>
-              <a:rPr lang="en-US" altLang="ja-JP" sz="1100">
-                <a:latin typeface="BIZ UDゴシック" panose="020B0400000000000000" pitchFamily="49" charset="-128"/>
-                <a:ea typeface="BIZ UDゴシック" panose="020B0400000000000000" pitchFamily="49" charset="-128"/>
-              </a:rPr>
-            </a:br>
-            <a:r>
-              <a:rPr lang="ja-JP" altLang="en-US" sz="1100">
-                <a:latin typeface="BIZ UDゴシック" panose="020B0400000000000000" pitchFamily="49" charset="-128"/>
-                <a:ea typeface="BIZ UDゴシック" panose="020B0400000000000000" pitchFamily="49" charset="-128"/>
-              </a:rPr>
-              <a:t>上の線形式は「</a:t>
-            </a:r>
-            <a:r>
-              <a:rPr lang="en-US" altLang="ja-JP" sz="1100">
-                <a:latin typeface="BIZ UDゴシック" panose="020B0400000000000000" pitchFamily="49" charset="-128"/>
-                <a:ea typeface="BIZ UDゴシック" panose="020B0400000000000000" pitchFamily="49" charset="-128"/>
-              </a:rPr>
-              <a:t>ADC→</a:t>
-            </a:r>
-            <a:r>
-              <a:rPr lang="ja-JP" altLang="en-US" sz="1100">
-                <a:latin typeface="BIZ UDゴシック" panose="020B0400000000000000" pitchFamily="49" charset="-128"/>
-                <a:ea typeface="BIZ UDゴシック" panose="020B0400000000000000" pitchFamily="49" charset="-128"/>
-              </a:rPr>
-              <a:t>温度が線形で表せる（または線形化済み）」場合の単純モデルです。</a:t>
-            </a:r>
-            <a:endParaRPr lang="en-US" altLang="ja-JP" sz="1100">
-              <a:latin typeface="BIZ UDゴシック" panose="020B0400000000000000" pitchFamily="49" charset="-128"/>
-              <a:ea typeface="BIZ UDゴシック" panose="020B0400000000000000" pitchFamily="49" charset="-128"/>
-            </a:endParaRPr>
-          </a:p>
-          <a:p>
-            <a:pPr marL="171450" indent="-171450">
-              <a:buFont typeface="Wingdings" panose="05000000000000000000" pitchFamily="2" charset="2"/>
-              <a:buChar char="l"/>
-            </a:pPr>
-            <a:r>
-              <a:rPr lang="en-US" altLang="ja-JP" sz="1100">
-                <a:latin typeface="BIZ UDゴシック" panose="020B0400000000000000" pitchFamily="49" charset="-128"/>
-                <a:ea typeface="BIZ UDゴシック" panose="020B0400000000000000" pitchFamily="49" charset="-128"/>
-              </a:rPr>
-              <a:t>ADC</a:t>
-            </a:r>
-            <a:r>
-              <a:rPr lang="ja-JP" altLang="en-US" sz="1100">
-                <a:latin typeface="BIZ UDゴシック" panose="020B0400000000000000" pitchFamily="49" charset="-128"/>
-                <a:ea typeface="BIZ UDゴシック" panose="020B0400000000000000" pitchFamily="49" charset="-128"/>
-              </a:rPr>
-              <a:t>基準電圧／回路分圧により </a:t>
-            </a:r>
-            <a:r>
-              <a:rPr lang="en-US" altLang="ja-JP" sz="1100">
-                <a:latin typeface="BIZ UDゴシック" panose="020B0400000000000000" pitchFamily="49" charset="-128"/>
-                <a:ea typeface="BIZ UDゴシック" panose="020B0400000000000000" pitchFamily="49" charset="-128"/>
-              </a:rPr>
-              <a:t>ADC </a:t>
-            </a:r>
-            <a:r>
-              <a:rPr lang="ja-JP" altLang="en-US" sz="1100">
-                <a:latin typeface="BIZ UDゴシック" panose="020B0400000000000000" pitchFamily="49" charset="-128"/>
-                <a:ea typeface="BIZ UDゴシック" panose="020B0400000000000000" pitchFamily="49" charset="-128"/>
-              </a:rPr>
-              <a:t>の </a:t>
-            </a:r>
-            <a:r>
-              <a:rPr lang="en-US" altLang="ja-JP" sz="1100">
-                <a:latin typeface="BIZ UDゴシック" panose="020B0400000000000000" pitchFamily="49" charset="-128"/>
-                <a:ea typeface="BIZ UDゴシック" panose="020B0400000000000000" pitchFamily="49" charset="-128"/>
-              </a:rPr>
-              <a:t>0/1023 </a:t>
-            </a:r>
-            <a:r>
-              <a:rPr lang="ja-JP" altLang="en-US" sz="1100">
-                <a:latin typeface="BIZ UDゴシック" panose="020B0400000000000000" pitchFamily="49" charset="-128"/>
-                <a:ea typeface="BIZ UDゴシック" panose="020B0400000000000000" pitchFamily="49" charset="-128"/>
-              </a:rPr>
-              <a:t>が意味する温度が変わる（つまり </a:t>
-            </a:r>
-            <a:r>
-              <a:rPr lang="en-US" altLang="ja-JP" sz="1100">
-                <a:latin typeface="BIZ UDゴシック" panose="020B0400000000000000" pitchFamily="49" charset="-128"/>
-                <a:ea typeface="BIZ UDゴシック" panose="020B0400000000000000" pitchFamily="49" charset="-128"/>
-              </a:rPr>
-              <a:t>T_min/T_max </a:t>
-            </a:r>
-            <a:r>
-              <a:rPr lang="ja-JP" altLang="en-US" sz="1100">
-                <a:latin typeface="BIZ UDゴシック" panose="020B0400000000000000" pitchFamily="49" charset="-128"/>
-                <a:ea typeface="BIZ UDゴシック" panose="020B0400000000000000" pitchFamily="49" charset="-128"/>
-              </a:rPr>
-              <a:t>を回路設計で設定）。</a:t>
-            </a:r>
-            <a:endParaRPr lang="en-US" altLang="ja-JP" sz="1100">
-              <a:latin typeface="BIZ UDゴシック" panose="020B0400000000000000" pitchFamily="49" charset="-128"/>
-              <a:ea typeface="BIZ UDゴシック" panose="020B0400000000000000" pitchFamily="49" charset="-128"/>
-            </a:endParaRPr>
-          </a:p>
-          <a:p>
-            <a:pPr marL="171450" indent="-171450">
-              <a:buFont typeface="Wingdings" panose="05000000000000000000" pitchFamily="2" charset="2"/>
-              <a:buChar char="l"/>
-            </a:pPr>
-            <a:r>
-              <a:rPr lang="ja-JP" altLang="en-US" sz="1100">
-                <a:latin typeface="BIZ UDゴシック" panose="020B0400000000000000" pitchFamily="49" charset="-128"/>
-                <a:ea typeface="BIZ UDゴシック" panose="020B0400000000000000" pitchFamily="49" charset="-128"/>
-              </a:rPr>
-              <a:t>レンジは大きすぎないこと：必要以上に広い </a:t>
-            </a:r>
-            <a:r>
-              <a:rPr lang="en-US" altLang="ja-JP" sz="1100">
-                <a:latin typeface="BIZ UDゴシック" panose="020B0400000000000000" pitchFamily="49" charset="-128"/>
-                <a:ea typeface="BIZ UDゴシック" panose="020B0400000000000000" pitchFamily="49" charset="-128"/>
-              </a:rPr>
-              <a:t>T_min/T_max </a:t>
-            </a:r>
-            <a:r>
-              <a:rPr lang="ja-JP" altLang="en-US" sz="1100">
-                <a:latin typeface="BIZ UDゴシック" panose="020B0400000000000000" pitchFamily="49" charset="-128"/>
-                <a:ea typeface="BIZ UDゴシック" panose="020B0400000000000000" pitchFamily="49" charset="-128"/>
-              </a:rPr>
-              <a:t>を設定すると「分解能」が落ち、制御精度が下がる。</a:t>
-            </a:r>
-            <a:br>
-              <a:rPr lang="en-US" altLang="ja-JP" sz="1100">
-                <a:latin typeface="BIZ UDゴシック" panose="020B0400000000000000" pitchFamily="49" charset="-128"/>
-                <a:ea typeface="BIZ UDゴシック" panose="020B0400000000000000" pitchFamily="49" charset="-128"/>
-              </a:rPr>
-            </a:br>
-            <a:r>
-              <a:rPr lang="ja-JP" altLang="en-US" sz="1100">
-                <a:latin typeface="BIZ UDゴシック" panose="020B0400000000000000" pitchFamily="49" charset="-128"/>
-                <a:ea typeface="BIZ UDゴシック" panose="020B0400000000000000" pitchFamily="49" charset="-128"/>
-              </a:rPr>
-              <a:t>逆に狭すぎると飽和（オーバーフロー）するリスク。</a:t>
-            </a:r>
-            <a:endParaRPr lang="en-US" altLang="ja-JP" sz="1100">
-              <a:latin typeface="BIZ UDゴシック" panose="020B0400000000000000" pitchFamily="49" charset="-128"/>
-              <a:ea typeface="BIZ UDゴシック" panose="020B0400000000000000" pitchFamily="49" charset="-128"/>
-            </a:endParaRPr>
-          </a:p>
-          <a:p>
-            <a:pPr marL="171450" indent="-171450">
-              <a:buFont typeface="Wingdings" panose="05000000000000000000" pitchFamily="2" charset="2"/>
-              <a:buChar char="l"/>
-            </a:pPr>
-            <a:r>
-              <a:rPr lang="ja-JP" altLang="en-US" sz="1100">
-                <a:latin typeface="BIZ UDゴシック" panose="020B0400000000000000" pitchFamily="49" charset="-128"/>
-                <a:ea typeface="BIZ UDゴシック" panose="020B0400000000000000" pitchFamily="49" charset="-128"/>
-              </a:rPr>
-              <a:t>耐熱・安全上の上限はバッテリセルと周辺素材（ケース、接着剤、コネクタ等）の耐熱から考える。</a:t>
-            </a:r>
-            <a:br>
-              <a:rPr lang="en-US" altLang="ja-JP" sz="1100">
-                <a:latin typeface="BIZ UDゴシック" panose="020B0400000000000000" pitchFamily="49" charset="-128"/>
-                <a:ea typeface="BIZ UDゴシック" panose="020B0400000000000000" pitchFamily="49" charset="-128"/>
-              </a:rPr>
-            </a:br>
-            <a:r>
-              <a:rPr lang="ja-JP" altLang="en-US" sz="1100">
-                <a:latin typeface="BIZ UDゴシック" panose="020B0400000000000000" pitchFamily="49" charset="-128"/>
-                <a:ea typeface="BIZ UDゴシック" panose="020B0400000000000000" pitchFamily="49" charset="-128"/>
-              </a:rPr>
-              <a:t>バッテリ（リチウム系）の推奨動作範囲・安全上の目安は下記参照。</a:t>
-            </a:r>
-            <a:endParaRPr lang="en-US" altLang="ja-JP" sz="1100">
-              <a:latin typeface="BIZ UDゴシック" panose="020B0400000000000000" pitchFamily="49" charset="-128"/>
-              <a:ea typeface="BIZ UDゴシック" panose="020B0400000000000000" pitchFamily="49" charset="-128"/>
-            </a:endParaRPr>
-          </a:p>
-        </p:txBody>
-      </p:sp>
-      <p:sp>
-        <p:nvSpPr>
-          <p:cNvPr id="7" name="テキスト ボックス 6">
-            <a:extLst>
-              <a:ext uri="{FF2B5EF4-FFF2-40B4-BE49-F238E27FC236}">
-                <a16:creationId xmlns:a16="http://schemas.microsoft.com/office/drawing/2014/main" id="{D4BD306C-1B13-6508-F1A7-289ED2457A30}"/>
-              </a:ext>
-            </a:extLst>
-          </p:cNvPr>
-          <p:cNvSpPr txBox="1"/>
-          <p:nvPr/>
-        </p:nvSpPr>
-        <p:spPr>
-          <a:xfrm>
-            <a:off x="461581" y="4216661"/>
-            <a:ext cx="3179075" cy="276999"/>
-          </a:xfrm>
-          <a:prstGeom prst="rect">
-            <a:avLst/>
-          </a:prstGeom>
-          <a:noFill/>
-        </p:spPr>
-        <p:txBody>
-          <a:bodyPr wrap="none" rtlCol="0">
-            <a:spAutoFit/>
-          </a:bodyPr>
-          <a:lstStyle/>
-          <a:p>
-            <a:r>
-              <a:rPr lang="en-US" altLang="ja-JP" sz="1200"/>
-              <a:t>3) </a:t>
-            </a:r>
-            <a:r>
-              <a:rPr lang="ja-JP" altLang="en-US" sz="1200"/>
-              <a:t>リチウム電池（一般的な目安） </a:t>
-            </a:r>
-            <a:r>
-              <a:rPr lang="en-US" altLang="ja-JP" sz="1200"/>
-              <a:t>— </a:t>
-            </a:r>
-            <a:r>
-              <a:rPr lang="ja-JP" altLang="en-US" sz="1200"/>
-              <a:t>実用レンジ</a:t>
-            </a:r>
-            <a:endParaRPr kumimoji="1" lang="ja-JP" altLang="en-US" sz="1200">
-              <a:latin typeface="BIZ UDゴシック" panose="020B0400000000000000" pitchFamily="49" charset="-128"/>
-              <a:ea typeface="BIZ UDゴシック" panose="020B0400000000000000" pitchFamily="49" charset="-128"/>
-            </a:endParaRPr>
-          </a:p>
-        </p:txBody>
-      </p:sp>
-      <p:sp>
-        <p:nvSpPr>
-          <p:cNvPr id="8" name="テキスト ボックス 7">
-            <a:extLst>
-              <a:ext uri="{FF2B5EF4-FFF2-40B4-BE49-F238E27FC236}">
-                <a16:creationId xmlns:a16="http://schemas.microsoft.com/office/drawing/2014/main" id="{73F59C78-EB61-F4DC-B8DA-CEE1F316306E}"/>
-              </a:ext>
-            </a:extLst>
-          </p:cNvPr>
-          <p:cNvSpPr txBox="1"/>
-          <p:nvPr/>
-        </p:nvSpPr>
-        <p:spPr>
-          <a:xfrm>
-            <a:off x="589364" y="4604263"/>
-            <a:ext cx="6917278" cy="1277273"/>
-          </a:xfrm>
-          <a:prstGeom prst="rect">
-            <a:avLst/>
-          </a:prstGeom>
-          <a:solidFill>
-            <a:schemeClr val="accent6">
-              <a:lumMod val="20000"/>
-              <a:lumOff val="80000"/>
-            </a:schemeClr>
-          </a:solidFill>
-        </p:spPr>
-        <p:txBody>
-          <a:bodyPr wrap="none" rtlCol="0">
-            <a:spAutoFit/>
-          </a:bodyPr>
-          <a:lstStyle/>
-          <a:p>
-            <a:r>
-              <a:rPr lang="ja-JP" altLang="en-US" sz="1100">
-                <a:latin typeface="BIZ UDゴシック" panose="020B0400000000000000" pitchFamily="49" charset="-128"/>
-                <a:ea typeface="BIZ UDゴシック" panose="020B0400000000000000" pitchFamily="49" charset="-128"/>
-              </a:rPr>
-              <a:t>（リチウム系バッテリ想定の例：実際はセル仕様を優先）</a:t>
-            </a:r>
-            <a:endParaRPr lang="en-US" altLang="ja-JP" sz="1100">
-              <a:latin typeface="BIZ UDゴシック" panose="020B0400000000000000" pitchFamily="49" charset="-128"/>
-              <a:ea typeface="BIZ UDゴシック" panose="020B0400000000000000" pitchFamily="49" charset="-128"/>
-            </a:endParaRPr>
-          </a:p>
-          <a:p>
-            <a:pPr marL="171450" indent="-171450">
-              <a:buFont typeface="Wingdings" panose="05000000000000000000" pitchFamily="2" charset="2"/>
-              <a:buChar char="l"/>
-            </a:pPr>
-            <a:r>
-              <a:rPr lang="ja-JP" altLang="en-US" sz="1100">
-                <a:latin typeface="BIZ UDゴシック" panose="020B0400000000000000" pitchFamily="49" charset="-128"/>
-                <a:ea typeface="BIZ UDゴシック" panose="020B0400000000000000" pitchFamily="49" charset="-128"/>
-              </a:rPr>
-              <a:t>低温制御開始（</a:t>
-            </a:r>
-            <a:r>
-              <a:rPr lang="en-US" altLang="ja-JP" sz="1100">
-                <a:latin typeface="BIZ UDゴシック" panose="020B0400000000000000" pitchFamily="49" charset="-128"/>
-                <a:ea typeface="BIZ UDゴシック" panose="020B0400000000000000" pitchFamily="49" charset="-128"/>
-              </a:rPr>
-              <a:t>Heating start</a:t>
-            </a:r>
-            <a:r>
-              <a:rPr lang="ja-JP" altLang="en-US" sz="1100">
-                <a:latin typeface="BIZ UDゴシック" panose="020B0400000000000000" pitchFamily="49" charset="-128"/>
-                <a:ea typeface="BIZ UDゴシック" panose="020B0400000000000000" pitchFamily="49" charset="-128"/>
-              </a:rPr>
-              <a:t>）：</a:t>
-            </a:r>
-            <a:r>
-              <a:rPr lang="en-US" altLang="ja-JP" sz="1100">
-                <a:latin typeface="BIZ UDゴシック" panose="020B0400000000000000" pitchFamily="49" charset="-128"/>
-                <a:ea typeface="BIZ UDゴシック" panose="020B0400000000000000" pitchFamily="49" charset="-128"/>
-              </a:rPr>
-              <a:t>T &lt; 5°C</a:t>
-            </a:r>
-            <a:r>
-              <a:rPr lang="ja-JP" altLang="en-US" sz="1100">
-                <a:latin typeface="BIZ UDゴシック" panose="020B0400000000000000" pitchFamily="49" charset="-128"/>
-                <a:ea typeface="BIZ UDゴシック" panose="020B0400000000000000" pitchFamily="49" charset="-128"/>
-              </a:rPr>
-              <a:t>（充電誘導時は </a:t>
-            </a:r>
-            <a:r>
-              <a:rPr lang="en-US" altLang="ja-JP" sz="1100">
-                <a:latin typeface="BIZ UDゴシック" panose="020B0400000000000000" pitchFamily="49" charset="-128"/>
-                <a:ea typeface="BIZ UDゴシック" panose="020B0400000000000000" pitchFamily="49" charset="-128"/>
-              </a:rPr>
-              <a:t>0°C </a:t>
-            </a:r>
-            <a:r>
-              <a:rPr lang="ja-JP" altLang="en-US" sz="1100">
-                <a:latin typeface="BIZ UDゴシック" panose="020B0400000000000000" pitchFamily="49" charset="-128"/>
-                <a:ea typeface="BIZ UDゴシック" panose="020B0400000000000000" pitchFamily="49" charset="-128"/>
-              </a:rPr>
-              <a:t>を避け </a:t>
-            </a:r>
-            <a:r>
-              <a:rPr lang="en-US" altLang="ja-JP" sz="1100">
-                <a:latin typeface="BIZ UDゴシック" panose="020B0400000000000000" pitchFamily="49" charset="-128"/>
-                <a:ea typeface="BIZ UDゴシック" panose="020B0400000000000000" pitchFamily="49" charset="-128"/>
-              </a:rPr>
-              <a:t>5°C </a:t>
-            </a:r>
-            <a:r>
-              <a:rPr lang="ja-JP" altLang="en-US" sz="1100">
-                <a:latin typeface="BIZ UDゴシック" panose="020B0400000000000000" pitchFamily="49" charset="-128"/>
-                <a:ea typeface="BIZ UDゴシック" panose="020B0400000000000000" pitchFamily="49" charset="-128"/>
-              </a:rPr>
-              <a:t>前後を開始点にする案）</a:t>
-            </a:r>
-            <a:endParaRPr lang="en-US" altLang="ja-JP" sz="1100">
-              <a:latin typeface="BIZ UDゴシック" panose="020B0400000000000000" pitchFamily="49" charset="-128"/>
-              <a:ea typeface="BIZ UDゴシック" panose="020B0400000000000000" pitchFamily="49" charset="-128"/>
-            </a:endParaRPr>
-          </a:p>
-          <a:p>
-            <a:pPr marL="171450" indent="-171450">
-              <a:buFont typeface="Wingdings" panose="05000000000000000000" pitchFamily="2" charset="2"/>
-              <a:buChar char="l"/>
-            </a:pPr>
-            <a:r>
-              <a:rPr lang="ja-JP" altLang="en-US" sz="1100">
-                <a:latin typeface="BIZ UDゴシック" panose="020B0400000000000000" pitchFamily="49" charset="-128"/>
-                <a:ea typeface="BIZ UDゴシック" panose="020B0400000000000000" pitchFamily="49" charset="-128"/>
-              </a:rPr>
-              <a:t>通常監視下限：</a:t>
-            </a:r>
-            <a:r>
-              <a:rPr lang="en-US" altLang="ja-JP" sz="1100">
-                <a:latin typeface="BIZ UDゴシック" panose="020B0400000000000000" pitchFamily="49" charset="-128"/>
-                <a:ea typeface="BIZ UDゴシック" panose="020B0400000000000000" pitchFamily="49" charset="-128"/>
-              </a:rPr>
-              <a:t>0°C</a:t>
-            </a:r>
-            <a:r>
-              <a:rPr lang="ja-JP" altLang="en-US" sz="1100">
-                <a:latin typeface="BIZ UDゴシック" panose="020B0400000000000000" pitchFamily="49" charset="-128"/>
-                <a:ea typeface="BIZ UDゴシック" panose="020B0400000000000000" pitchFamily="49" charset="-128"/>
-              </a:rPr>
-              <a:t>（放電は低温で容量低下）</a:t>
-            </a:r>
-            <a:endParaRPr lang="en-US" altLang="ja-JP" sz="1100">
-              <a:latin typeface="BIZ UDゴシック" panose="020B0400000000000000" pitchFamily="49" charset="-128"/>
-              <a:ea typeface="BIZ UDゴシック" panose="020B0400000000000000" pitchFamily="49" charset="-128"/>
-            </a:endParaRPr>
-          </a:p>
-          <a:p>
-            <a:pPr marL="171450" indent="-171450">
-              <a:buFont typeface="Wingdings" panose="05000000000000000000" pitchFamily="2" charset="2"/>
-              <a:buChar char="l"/>
-            </a:pPr>
-            <a:r>
-              <a:rPr lang="ja-JP" altLang="en-US" sz="1100">
-                <a:latin typeface="BIZ UDゴシック" panose="020B0400000000000000" pitchFamily="49" charset="-128"/>
-                <a:ea typeface="BIZ UDゴシック" panose="020B0400000000000000" pitchFamily="49" charset="-128"/>
-              </a:rPr>
-              <a:t>高温制御開始（</a:t>
-            </a:r>
-            <a:r>
-              <a:rPr lang="en-US" altLang="ja-JP" sz="1100">
-                <a:latin typeface="BIZ UDゴシック" panose="020B0400000000000000" pitchFamily="49" charset="-128"/>
-                <a:ea typeface="BIZ UDゴシック" panose="020B0400000000000000" pitchFamily="49" charset="-128"/>
-              </a:rPr>
-              <a:t>Cooling start</a:t>
-            </a:r>
-            <a:r>
-              <a:rPr lang="ja-JP" altLang="en-US" sz="1100">
-                <a:latin typeface="BIZ UDゴシック" panose="020B0400000000000000" pitchFamily="49" charset="-128"/>
-                <a:ea typeface="BIZ UDゴシック" panose="020B0400000000000000" pitchFamily="49" charset="-128"/>
-              </a:rPr>
-              <a:t>）：</a:t>
-            </a:r>
-            <a:r>
-              <a:rPr lang="en-US" altLang="ja-JP" sz="1100">
-                <a:latin typeface="BIZ UDゴシック" panose="020B0400000000000000" pitchFamily="49" charset="-128"/>
-                <a:ea typeface="BIZ UDゴシック" panose="020B0400000000000000" pitchFamily="49" charset="-128"/>
-              </a:rPr>
-              <a:t>T &gt; 45°C</a:t>
-            </a:r>
-            <a:r>
-              <a:rPr lang="ja-JP" altLang="en-US" sz="1100">
-                <a:latin typeface="BIZ UDゴシック" panose="020B0400000000000000" pitchFamily="49" charset="-128"/>
-                <a:ea typeface="BIZ UDゴシック" panose="020B0400000000000000" pitchFamily="49" charset="-128"/>
-              </a:rPr>
-              <a:t>（放電時の安全余裕）</a:t>
-            </a:r>
-            <a:endParaRPr lang="en-US" altLang="ja-JP" sz="1100">
-              <a:latin typeface="BIZ UDゴシック" panose="020B0400000000000000" pitchFamily="49" charset="-128"/>
-              <a:ea typeface="BIZ UDゴシック" panose="020B0400000000000000" pitchFamily="49" charset="-128"/>
-            </a:endParaRPr>
-          </a:p>
-          <a:p>
-            <a:pPr marL="171450" indent="-171450">
-              <a:buFont typeface="Wingdings" panose="05000000000000000000" pitchFamily="2" charset="2"/>
-              <a:buChar char="l"/>
-            </a:pPr>
-            <a:r>
-              <a:rPr lang="ja-JP" altLang="en-US" sz="1100">
-                <a:latin typeface="BIZ UDゴシック" panose="020B0400000000000000" pitchFamily="49" charset="-128"/>
-                <a:ea typeface="BIZ UDゴシック" panose="020B0400000000000000" pitchFamily="49" charset="-128"/>
-              </a:rPr>
-              <a:t>高温警告：</a:t>
-            </a:r>
-            <a:r>
-              <a:rPr lang="en-US" altLang="ja-JP" sz="1100">
-                <a:latin typeface="BIZ UDゴシック" panose="020B0400000000000000" pitchFamily="49" charset="-128"/>
-                <a:ea typeface="BIZ UDゴシック" panose="020B0400000000000000" pitchFamily="49" charset="-128"/>
-              </a:rPr>
-              <a:t>T &gt;= 60°C</a:t>
-            </a:r>
-            <a:r>
-              <a:rPr lang="ja-JP" altLang="en-US" sz="1100">
-                <a:latin typeface="BIZ UDゴシック" panose="020B0400000000000000" pitchFamily="49" charset="-128"/>
-                <a:ea typeface="BIZ UDゴシック" panose="020B0400000000000000" pitchFamily="49" charset="-128"/>
-              </a:rPr>
-              <a:t>（即アクション推奨）</a:t>
-            </a:r>
-            <a:endParaRPr lang="en-US" altLang="ja-JP" sz="1100">
-              <a:latin typeface="BIZ UDゴシック" panose="020B0400000000000000" pitchFamily="49" charset="-128"/>
-              <a:ea typeface="BIZ UDゴシック" panose="020B0400000000000000" pitchFamily="49" charset="-128"/>
-            </a:endParaRPr>
-          </a:p>
-          <a:p>
-            <a:pPr marL="171450" indent="-171450">
-              <a:buFont typeface="Wingdings" panose="05000000000000000000" pitchFamily="2" charset="2"/>
-              <a:buChar char="l"/>
-            </a:pPr>
-            <a:r>
-              <a:rPr lang="ja-JP" altLang="en-US" sz="1100">
-                <a:latin typeface="BIZ UDゴシック" panose="020B0400000000000000" pitchFamily="49" charset="-128"/>
-                <a:ea typeface="BIZ UDゴシック" panose="020B0400000000000000" pitchFamily="49" charset="-128"/>
-              </a:rPr>
-              <a:t>安全停止（</a:t>
-            </a:r>
-            <a:r>
-              <a:rPr lang="en-US" altLang="ja-JP" sz="1100">
-                <a:latin typeface="BIZ UDゴシック" panose="020B0400000000000000" pitchFamily="49" charset="-128"/>
-                <a:ea typeface="BIZ UDゴシック" panose="020B0400000000000000" pitchFamily="49" charset="-128"/>
-              </a:rPr>
-              <a:t>Safe Stop</a:t>
-            </a:r>
-            <a:r>
-              <a:rPr lang="ja-JP" altLang="en-US" sz="1100">
-                <a:latin typeface="BIZ UDゴシック" panose="020B0400000000000000" pitchFamily="49" charset="-128"/>
-                <a:ea typeface="BIZ UDゴシック" panose="020B0400000000000000" pitchFamily="49" charset="-128"/>
-              </a:rPr>
-              <a:t>）：</a:t>
-            </a:r>
-            <a:r>
-              <a:rPr lang="en-US" altLang="ja-JP" sz="1100">
-                <a:latin typeface="BIZ UDゴシック" panose="020B0400000000000000" pitchFamily="49" charset="-128"/>
-                <a:ea typeface="BIZ UDゴシック" panose="020B0400000000000000" pitchFamily="49" charset="-128"/>
-              </a:rPr>
-              <a:t>T &gt;= 70〜85°C</a:t>
-            </a:r>
-            <a:r>
-              <a:rPr lang="ja-JP" altLang="en-US" sz="1100">
-                <a:latin typeface="BIZ UDゴシック" panose="020B0400000000000000" pitchFamily="49" charset="-128"/>
-                <a:ea typeface="BIZ UDゴシック" panose="020B0400000000000000" pitchFamily="49" charset="-128"/>
-              </a:rPr>
-              <a:t>（セル・材料仕様に応じて決定）</a:t>
-            </a:r>
-            <a:endParaRPr lang="en-US" altLang="ja-JP" sz="1100">
-              <a:latin typeface="BIZ UDゴシック" panose="020B0400000000000000" pitchFamily="49" charset="-128"/>
-              <a:ea typeface="BIZ UDゴシック" panose="020B0400000000000000" pitchFamily="49" charset="-128"/>
-            </a:endParaRPr>
-          </a:p>
-          <a:p>
-            <a:r>
-              <a:rPr lang="ja-JP" altLang="en-US" sz="1100">
-                <a:latin typeface="BIZ UDゴシック" panose="020B0400000000000000" pitchFamily="49" charset="-128"/>
-                <a:ea typeface="BIZ UDゴシック" panose="020B0400000000000000" pitchFamily="49" charset="-128"/>
-              </a:rPr>
-              <a:t>ヒステリシス（復帰時の余裕）を必ず設ける（例：冷却開始 </a:t>
-            </a:r>
-            <a:r>
-              <a:rPr lang="en-US" altLang="ja-JP" sz="1100">
-                <a:latin typeface="BIZ UDゴシック" panose="020B0400000000000000" pitchFamily="49" charset="-128"/>
-                <a:ea typeface="BIZ UDゴシック" panose="020B0400000000000000" pitchFamily="49" charset="-128"/>
-              </a:rPr>
-              <a:t>45°C</a:t>
-            </a:r>
-            <a:r>
-              <a:rPr lang="ja-JP" altLang="en-US" sz="1100">
-                <a:latin typeface="BIZ UDゴシック" panose="020B0400000000000000" pitchFamily="49" charset="-128"/>
-                <a:ea typeface="BIZ UDゴシック" panose="020B0400000000000000" pitchFamily="49" charset="-128"/>
-              </a:rPr>
-              <a:t>、冷却停止 </a:t>
-            </a:r>
-            <a:r>
-              <a:rPr lang="en-US" altLang="ja-JP" sz="1100">
-                <a:latin typeface="BIZ UDゴシック" panose="020B0400000000000000" pitchFamily="49" charset="-128"/>
-                <a:ea typeface="BIZ UDゴシック" panose="020B0400000000000000" pitchFamily="49" charset="-128"/>
-              </a:rPr>
-              <a:t>40°C</a:t>
-            </a:r>
-            <a:r>
-              <a:rPr lang="ja-JP" altLang="en-US" sz="1100">
-                <a:latin typeface="BIZ UDゴシック" panose="020B0400000000000000" pitchFamily="49" charset="-128"/>
-                <a:ea typeface="BIZ UDゴシック" panose="020B0400000000000000" pitchFamily="49" charset="-128"/>
-              </a:rPr>
-              <a:t>）。</a:t>
-            </a:r>
-            <a:endParaRPr lang="en-US" altLang="ja-JP" sz="1100">
-              <a:latin typeface="BIZ UDゴシック" panose="020B0400000000000000" pitchFamily="49" charset="-128"/>
-              <a:ea typeface="BIZ UDゴシック" panose="020B0400000000000000" pitchFamily="49" charset="-128"/>
-            </a:endParaRPr>
+            <a:fld id="{A99D720A-4AD5-4DCF-885F-DE5297996123}" type="slidenum">
+              <a:rPr kumimoji="1" lang="ja-JP" altLang="en-US" smtClean="0"/>
+              <a:t>5</a:t>
+            </a:fld>
+            <a:endParaRPr kumimoji="1" lang="ja-JP" altLang="en-US"/>
           </a:p>
         </p:txBody>
       </p:sp>
     </p:spTree>
     <p:extLst>
       <p:ext uri="{BB962C8B-B14F-4D97-AF65-F5344CB8AC3E}">
-        <p14:creationId xmlns:p14="http://schemas.microsoft.com/office/powerpoint/2010/main" val="3444958341"/>
-      </p:ext>
-    </p:extLst>
-  </p:cSld>
-  <p:clrMapOvr>
-    <a:masterClrMapping/>
-  </p:clrMapOvr>
-</p:sld>
-</file>
-
-<file path=ppt/slides/slide6.xml><?xml version="1.0" encoding="utf-8"?>
-<p:sld xmlns:a="http://schemas.openxmlformats.org/drawingml/2006/main" xmlns:r="http://schemas.openxmlformats.org/officeDocument/2006/relationships" xmlns:p="http://schemas.openxmlformats.org/presentationml/2006/main">
-  <p:cSld>
-    <p:spTree>
-      <p:nvGrpSpPr>
-        <p:cNvPr id="1" name=""/>
-        <p:cNvGrpSpPr/>
-        <p:nvPr/>
-      </p:nvGrpSpPr>
-      <p:grpSpPr>
-        <a:xfrm>
-          <a:off x="0" y="0"/>
-          <a:ext cx="0" cy="0"/>
-          <a:chOff x="0" y="0"/>
-          <a:chExt cx="0" cy="0"/>
-        </a:xfrm>
-      </p:grpSpPr>
-      <p:sp>
-        <p:nvSpPr>
-          <p:cNvPr id="2" name="タイトル 1">
-            <a:extLst>
-              <a:ext uri="{FF2B5EF4-FFF2-40B4-BE49-F238E27FC236}">
-                <a16:creationId xmlns:a16="http://schemas.microsoft.com/office/drawing/2014/main" id="{7CEF2510-D334-9D03-CC40-CD01F5DDECDD}"/>
-              </a:ext>
-            </a:extLst>
-          </p:cNvPr>
-          <p:cNvSpPr>
-            <a:spLocks noGrp="1"/>
-          </p:cNvSpPr>
-          <p:nvPr>
-            <p:ph type="title"/>
-          </p:nvPr>
-        </p:nvSpPr>
-        <p:spPr/>
-        <p:txBody>
-          <a:bodyPr>
-            <a:normAutofit fontScale="90000"/>
-          </a:bodyPr>
-          <a:lstStyle/>
-          <a:p>
-            <a:r>
-              <a:rPr lang="ja-JP" altLang="en-US"/>
-              <a:t>バッテリ温度の考え方</a:t>
-            </a:r>
-            <a:endParaRPr kumimoji="1" lang="ja-JP" altLang="en-US"/>
-          </a:p>
-        </p:txBody>
-      </p:sp>
-      <p:sp>
-        <p:nvSpPr>
-          <p:cNvPr id="3" name="テキスト ボックス 2">
-            <a:extLst>
-              <a:ext uri="{FF2B5EF4-FFF2-40B4-BE49-F238E27FC236}">
-                <a16:creationId xmlns:a16="http://schemas.microsoft.com/office/drawing/2014/main" id="{9423EE7B-1323-833B-A188-4A57C9D6705F}"/>
-              </a:ext>
-            </a:extLst>
-          </p:cNvPr>
-          <p:cNvSpPr txBox="1"/>
-          <p:nvPr/>
-        </p:nvSpPr>
-        <p:spPr>
-          <a:xfrm>
-            <a:off x="461582" y="910190"/>
-            <a:ext cx="3377848" cy="276999"/>
-          </a:xfrm>
-          <a:prstGeom prst="rect">
-            <a:avLst/>
-          </a:prstGeom>
-          <a:noFill/>
-        </p:spPr>
-        <p:txBody>
-          <a:bodyPr wrap="none" rtlCol="0">
-            <a:spAutoFit/>
-          </a:bodyPr>
-          <a:lstStyle/>
-          <a:p>
-            <a:r>
-              <a:rPr lang="en-US" altLang="ja-JP" sz="1200"/>
-              <a:t>4) </a:t>
-            </a:r>
-            <a:r>
-              <a:rPr lang="ja-JP" altLang="en-US" sz="1200"/>
-              <a:t>具体的な </a:t>
-            </a:r>
-            <a:r>
-              <a:rPr lang="en-US" altLang="ja-JP" sz="1200"/>
-              <a:t>T_min/T_max </a:t>
-            </a:r>
-            <a:r>
-              <a:rPr lang="ja-JP" altLang="en-US" sz="1200"/>
-              <a:t>の選択例（</a:t>
-            </a:r>
-            <a:r>
-              <a:rPr lang="en-US" altLang="ja-JP" sz="1200"/>
-              <a:t>10-bit ADC</a:t>
-            </a:r>
-            <a:r>
-              <a:rPr lang="ja-JP" altLang="en-US" sz="1200"/>
-              <a:t>）</a:t>
-            </a:r>
-            <a:endParaRPr kumimoji="1" lang="ja-JP" altLang="en-US" sz="1200">
-              <a:latin typeface="BIZ UDゴシック" panose="020B0400000000000000" pitchFamily="49" charset="-128"/>
-              <a:ea typeface="BIZ UDゴシック" panose="020B0400000000000000" pitchFamily="49" charset="-128"/>
-            </a:endParaRPr>
-          </a:p>
-        </p:txBody>
-      </p:sp>
-      <p:sp>
-        <p:nvSpPr>
-          <p:cNvPr id="4" name="テキスト ボックス 3">
-            <a:extLst>
-              <a:ext uri="{FF2B5EF4-FFF2-40B4-BE49-F238E27FC236}">
-                <a16:creationId xmlns:a16="http://schemas.microsoft.com/office/drawing/2014/main" id="{5051A029-51BB-C09C-F34B-0285D3AA8E90}"/>
-              </a:ext>
-            </a:extLst>
-          </p:cNvPr>
-          <p:cNvSpPr txBox="1"/>
-          <p:nvPr/>
-        </p:nvSpPr>
-        <p:spPr>
-          <a:xfrm>
-            <a:off x="640571" y="1298803"/>
-            <a:ext cx="5801588" cy="2492990"/>
-          </a:xfrm>
-          <a:prstGeom prst="rect">
-            <a:avLst/>
-          </a:prstGeom>
-          <a:solidFill>
-            <a:schemeClr val="accent6">
-              <a:lumMod val="20000"/>
-              <a:lumOff val="80000"/>
-            </a:schemeClr>
-          </a:solidFill>
-        </p:spPr>
-        <p:txBody>
-          <a:bodyPr wrap="none" rtlCol="0">
-            <a:spAutoFit/>
-          </a:bodyPr>
-          <a:lstStyle/>
-          <a:p>
-            <a:r>
-              <a:rPr lang="ja-JP" altLang="en-US" sz="1200">
-                <a:latin typeface="BIZ UDゴシック" panose="020B0400000000000000" pitchFamily="49" charset="-128"/>
-                <a:ea typeface="BIZ UDゴシック" panose="020B0400000000000000" pitchFamily="49" charset="-128"/>
-              </a:rPr>
-              <a:t>以下は「</a:t>
-            </a:r>
-            <a:r>
-              <a:rPr lang="en-US" altLang="ja-JP" sz="1200">
-                <a:latin typeface="BIZ UDゴシック" panose="020B0400000000000000" pitchFamily="49" charset="-128"/>
-                <a:ea typeface="BIZ UDゴシック" panose="020B0400000000000000" pitchFamily="49" charset="-128"/>
-              </a:rPr>
-              <a:t>T_min/T_max </a:t>
-            </a:r>
-            <a:r>
-              <a:rPr lang="ja-JP" altLang="en-US" sz="1200">
-                <a:latin typeface="BIZ UDゴシック" panose="020B0400000000000000" pitchFamily="49" charset="-128"/>
-                <a:ea typeface="BIZ UDゴシック" panose="020B0400000000000000" pitchFamily="49" charset="-128"/>
-              </a:rPr>
-              <a:t>とそれに対応する </a:t>
-            </a:r>
-            <a:r>
-              <a:rPr lang="en-US" altLang="ja-JP" sz="1200">
-                <a:latin typeface="BIZ UDゴシック" panose="020B0400000000000000" pitchFamily="49" charset="-128"/>
-                <a:ea typeface="BIZ UDゴシック" panose="020B0400000000000000" pitchFamily="49" charset="-128"/>
-              </a:rPr>
-              <a:t>1 </a:t>
-            </a:r>
-            <a:r>
-              <a:rPr lang="ja-JP" altLang="en-US" sz="1200">
-                <a:latin typeface="BIZ UDゴシック" panose="020B0400000000000000" pitchFamily="49" charset="-128"/>
-                <a:ea typeface="BIZ UDゴシック" panose="020B0400000000000000" pitchFamily="49" charset="-128"/>
-              </a:rPr>
-              <a:t>カウント分の温度（分解能）」の例。</a:t>
-            </a:r>
-          </a:p>
-          <a:p>
-            <a:pPr marL="228600" indent="-228600">
-              <a:buFont typeface="+mj-lt"/>
-              <a:buAutoNum type="arabicPeriod"/>
-            </a:pPr>
-            <a:r>
-              <a:rPr lang="ja-JP" altLang="en-US" sz="1200" b="1">
-                <a:latin typeface="BIZ UDゴシック" panose="020B0400000000000000" pitchFamily="49" charset="-128"/>
-                <a:ea typeface="BIZ UDゴシック" panose="020B0400000000000000" pitchFamily="49" charset="-128"/>
-              </a:rPr>
-              <a:t>レンジ：</a:t>
-            </a:r>
-            <a:r>
-              <a:rPr lang="en-US" altLang="ja-JP" sz="1200" b="1">
-                <a:latin typeface="BIZ UDゴシック" panose="020B0400000000000000" pitchFamily="49" charset="-128"/>
-                <a:ea typeface="BIZ UDゴシック" panose="020B0400000000000000" pitchFamily="49" charset="-128"/>
-              </a:rPr>
-              <a:t>0 </a:t>
-            </a:r>
-            <a:r>
-              <a:rPr lang="ja-JP" altLang="en-US" sz="1200" b="1">
-                <a:latin typeface="BIZ UDゴシック" panose="020B0400000000000000" pitchFamily="49" charset="-128"/>
-                <a:ea typeface="BIZ UDゴシック" panose="020B0400000000000000" pitchFamily="49" charset="-128"/>
-              </a:rPr>
-              <a:t>～ </a:t>
-            </a:r>
-            <a:r>
-              <a:rPr lang="en-US" altLang="ja-JP" sz="1200" b="1">
-                <a:latin typeface="BIZ UDゴシック" panose="020B0400000000000000" pitchFamily="49" charset="-128"/>
-                <a:ea typeface="BIZ UDゴシック" panose="020B0400000000000000" pitchFamily="49" charset="-128"/>
-              </a:rPr>
-              <a:t>100°C</a:t>
-            </a:r>
-            <a:r>
-              <a:rPr lang="ja-JP" altLang="en-US" sz="1200">
-                <a:latin typeface="BIZ UDゴシック" panose="020B0400000000000000" pitchFamily="49" charset="-128"/>
-                <a:ea typeface="BIZ UDゴシック" panose="020B0400000000000000" pitchFamily="49" charset="-128"/>
-              </a:rPr>
-              <a:t>（制御領域にピッタリ合わせる）</a:t>
-            </a:r>
-          </a:p>
-          <a:p>
-            <a:pPr marL="685800" lvl="1" indent="-228600">
-              <a:buFont typeface="Wingdings" panose="05000000000000000000" pitchFamily="2" charset="2"/>
-              <a:buChar char="l"/>
-            </a:pPr>
-            <a:r>
-              <a:rPr lang="ja-JP" altLang="en-US" sz="1200">
-                <a:latin typeface="BIZ UDゴシック" panose="020B0400000000000000" pitchFamily="49" charset="-128"/>
-                <a:ea typeface="BIZ UDゴシック" panose="020B0400000000000000" pitchFamily="49" charset="-128"/>
-              </a:rPr>
-              <a:t>範囲 </a:t>
-            </a:r>
-            <a:r>
-              <a:rPr lang="en-US" altLang="ja-JP" sz="1200">
-                <a:latin typeface="BIZ UDゴシック" panose="020B0400000000000000" pitchFamily="49" charset="-128"/>
-                <a:ea typeface="BIZ UDゴシック" panose="020B0400000000000000" pitchFamily="49" charset="-128"/>
-              </a:rPr>
-              <a:t>= 100°C</a:t>
-            </a:r>
-          </a:p>
-          <a:p>
-            <a:pPr marL="685800" lvl="1" indent="-228600">
-              <a:buFont typeface="Wingdings" panose="05000000000000000000" pitchFamily="2" charset="2"/>
-              <a:buChar char="l"/>
-            </a:pPr>
-            <a:r>
-              <a:rPr lang="en-US" altLang="ja-JP" sz="1200">
-                <a:latin typeface="BIZ UDゴシック" panose="020B0400000000000000" pitchFamily="49" charset="-128"/>
-                <a:ea typeface="BIZ UDゴシック" panose="020B0400000000000000" pitchFamily="49" charset="-128"/>
-              </a:rPr>
-              <a:t>resolution ≒ 100 / 1023 ≒ </a:t>
-            </a:r>
-            <a:r>
-              <a:rPr lang="en-US" altLang="ja-JP" sz="1200" b="1">
-                <a:latin typeface="BIZ UDゴシック" panose="020B0400000000000000" pitchFamily="49" charset="-128"/>
-                <a:ea typeface="BIZ UDゴシック" panose="020B0400000000000000" pitchFamily="49" charset="-128"/>
-              </a:rPr>
-              <a:t>0.0978°C / count</a:t>
-            </a:r>
-            <a:endParaRPr lang="ja-JP" altLang="en-US" sz="1200">
-              <a:latin typeface="BIZ UDゴシック" panose="020B0400000000000000" pitchFamily="49" charset="-128"/>
-              <a:ea typeface="BIZ UDゴシック" panose="020B0400000000000000" pitchFamily="49" charset="-128"/>
-            </a:endParaRPr>
-          </a:p>
-          <a:p>
-            <a:pPr marL="228600" indent="-228600">
-              <a:buFont typeface="+mj-lt"/>
-              <a:buAutoNum type="arabicPeriod"/>
-            </a:pPr>
-            <a:r>
-              <a:rPr lang="ja-JP" altLang="en-US" sz="1200" b="1">
-                <a:latin typeface="BIZ UDゴシック" panose="020B0400000000000000" pitchFamily="49" charset="-128"/>
-                <a:ea typeface="BIZ UDゴシック" panose="020B0400000000000000" pitchFamily="49" charset="-128"/>
-              </a:rPr>
-              <a:t>レンジ：</a:t>
-            </a:r>
-            <a:r>
-              <a:rPr lang="en-US" altLang="ja-JP" sz="1200" b="1">
-                <a:latin typeface="BIZ UDゴシック" panose="020B0400000000000000" pitchFamily="49" charset="-128"/>
-                <a:ea typeface="BIZ UDゴシック" panose="020B0400000000000000" pitchFamily="49" charset="-128"/>
-              </a:rPr>
-              <a:t>-40 </a:t>
-            </a:r>
-            <a:r>
-              <a:rPr lang="ja-JP" altLang="en-US" sz="1200" b="1">
-                <a:latin typeface="BIZ UDゴシック" panose="020B0400000000000000" pitchFamily="49" charset="-128"/>
-                <a:ea typeface="BIZ UDゴシック" panose="020B0400000000000000" pitchFamily="49" charset="-128"/>
-              </a:rPr>
-              <a:t>～ </a:t>
-            </a:r>
-            <a:r>
-              <a:rPr lang="en-US" altLang="ja-JP" sz="1200" b="1">
-                <a:latin typeface="BIZ UDゴシック" panose="020B0400000000000000" pitchFamily="49" charset="-128"/>
-                <a:ea typeface="BIZ UDゴシック" panose="020B0400000000000000" pitchFamily="49" charset="-128"/>
-              </a:rPr>
-              <a:t>125°C</a:t>
-            </a:r>
-            <a:r>
-              <a:rPr lang="ja-JP" altLang="en-US" sz="1200">
-                <a:latin typeface="BIZ UDゴシック" panose="020B0400000000000000" pitchFamily="49" charset="-128"/>
-                <a:ea typeface="BIZ UDゴシック" panose="020B0400000000000000" pitchFamily="49" charset="-128"/>
-              </a:rPr>
-              <a:t>（広め。電子部品・過酷環境もカバー）</a:t>
-            </a:r>
-          </a:p>
-          <a:p>
-            <a:pPr marL="685800" lvl="1" indent="-228600">
-              <a:buFont typeface="Wingdings" panose="05000000000000000000" pitchFamily="2" charset="2"/>
-              <a:buChar char="l"/>
-            </a:pPr>
-            <a:r>
-              <a:rPr lang="ja-JP" altLang="en-US" sz="1200">
-                <a:latin typeface="BIZ UDゴシック" panose="020B0400000000000000" pitchFamily="49" charset="-128"/>
-                <a:ea typeface="BIZ UDゴシック" panose="020B0400000000000000" pitchFamily="49" charset="-128"/>
-              </a:rPr>
-              <a:t>範囲 </a:t>
-            </a:r>
-            <a:r>
-              <a:rPr lang="en-US" altLang="ja-JP" sz="1200">
-                <a:latin typeface="BIZ UDゴシック" panose="020B0400000000000000" pitchFamily="49" charset="-128"/>
-                <a:ea typeface="BIZ UDゴシック" panose="020B0400000000000000" pitchFamily="49" charset="-128"/>
-              </a:rPr>
-              <a:t>= 165°C</a:t>
-            </a:r>
-          </a:p>
-          <a:p>
-            <a:pPr marL="685800" lvl="1" indent="-228600">
-              <a:buFont typeface="Wingdings" panose="05000000000000000000" pitchFamily="2" charset="2"/>
-              <a:buChar char="l"/>
-            </a:pPr>
-            <a:r>
-              <a:rPr lang="en-US" altLang="ja-JP" sz="1200">
-                <a:latin typeface="BIZ UDゴシック" panose="020B0400000000000000" pitchFamily="49" charset="-128"/>
-                <a:ea typeface="BIZ UDゴシック" panose="020B0400000000000000" pitchFamily="49" charset="-128"/>
-              </a:rPr>
-              <a:t>resolution ≒ 165 / 1023 ≒ </a:t>
-            </a:r>
-            <a:r>
-              <a:rPr lang="en-US" altLang="ja-JP" sz="1200" b="1">
-                <a:latin typeface="BIZ UDゴシック" panose="020B0400000000000000" pitchFamily="49" charset="-128"/>
-                <a:ea typeface="BIZ UDゴシック" panose="020B0400000000000000" pitchFamily="49" charset="-128"/>
-              </a:rPr>
-              <a:t>0.161°C / count</a:t>
-            </a:r>
-            <a:endParaRPr lang="ja-JP" altLang="en-US" sz="1200">
-              <a:latin typeface="BIZ UDゴシック" panose="020B0400000000000000" pitchFamily="49" charset="-128"/>
-              <a:ea typeface="BIZ UDゴシック" panose="020B0400000000000000" pitchFamily="49" charset="-128"/>
-            </a:endParaRPr>
-          </a:p>
-          <a:p>
-            <a:pPr marL="228600" indent="-228600">
-              <a:buFont typeface="+mj-lt"/>
-              <a:buAutoNum type="arabicPeriod"/>
-            </a:pPr>
-            <a:r>
-              <a:rPr lang="ja-JP" altLang="en-US" sz="1200" b="1">
-                <a:latin typeface="BIZ UDゴシック" panose="020B0400000000000000" pitchFamily="49" charset="-128"/>
-                <a:ea typeface="BIZ UDゴシック" panose="020B0400000000000000" pitchFamily="49" charset="-128"/>
-              </a:rPr>
-              <a:t>レンジ：</a:t>
-            </a:r>
-            <a:r>
-              <a:rPr lang="en-US" altLang="ja-JP" sz="1200" b="1">
-                <a:latin typeface="BIZ UDゴシック" panose="020B0400000000000000" pitchFamily="49" charset="-128"/>
-                <a:ea typeface="BIZ UDゴシック" panose="020B0400000000000000" pitchFamily="49" charset="-128"/>
-              </a:rPr>
-              <a:t>-20 </a:t>
-            </a:r>
-            <a:r>
-              <a:rPr lang="ja-JP" altLang="en-US" sz="1200" b="1">
-                <a:latin typeface="BIZ UDゴシック" panose="020B0400000000000000" pitchFamily="49" charset="-128"/>
-                <a:ea typeface="BIZ UDゴシック" panose="020B0400000000000000" pitchFamily="49" charset="-128"/>
-              </a:rPr>
-              <a:t>～ </a:t>
-            </a:r>
-            <a:r>
-              <a:rPr lang="en-US" altLang="ja-JP" sz="1200" b="1">
-                <a:latin typeface="BIZ UDゴシック" panose="020B0400000000000000" pitchFamily="49" charset="-128"/>
-                <a:ea typeface="BIZ UDゴシック" panose="020B0400000000000000" pitchFamily="49" charset="-128"/>
-              </a:rPr>
-              <a:t>80°C</a:t>
-            </a:r>
-            <a:r>
-              <a:rPr lang="ja-JP" altLang="en-US" sz="1200">
-                <a:latin typeface="BIZ UDゴシック" panose="020B0400000000000000" pitchFamily="49" charset="-128"/>
-                <a:ea typeface="BIZ UDゴシック" panose="020B0400000000000000" pitchFamily="49" charset="-128"/>
-              </a:rPr>
-              <a:t>（バッテリの実運用把握向け）</a:t>
-            </a:r>
-          </a:p>
-          <a:p>
-            <a:pPr marL="685800" lvl="1" indent="-228600">
-              <a:buFont typeface="Wingdings" panose="05000000000000000000" pitchFamily="2" charset="2"/>
-              <a:buChar char="l"/>
-            </a:pPr>
-            <a:r>
-              <a:rPr lang="ja-JP" altLang="en-US" sz="1200">
-                <a:latin typeface="BIZ UDゴシック" panose="020B0400000000000000" pitchFamily="49" charset="-128"/>
-                <a:ea typeface="BIZ UDゴシック" panose="020B0400000000000000" pitchFamily="49" charset="-128"/>
-              </a:rPr>
-              <a:t>範囲 </a:t>
-            </a:r>
-            <a:r>
-              <a:rPr lang="en-US" altLang="ja-JP" sz="1200">
-                <a:latin typeface="BIZ UDゴシック" panose="020B0400000000000000" pitchFamily="49" charset="-128"/>
-                <a:ea typeface="BIZ UDゴシック" panose="020B0400000000000000" pitchFamily="49" charset="-128"/>
-              </a:rPr>
-              <a:t>= 100°C</a:t>
-            </a:r>
-          </a:p>
-          <a:p>
-            <a:pPr marL="685800" lvl="1" indent="-228600">
-              <a:buFont typeface="Wingdings" panose="05000000000000000000" pitchFamily="2" charset="2"/>
-              <a:buChar char="l"/>
-            </a:pPr>
-            <a:r>
-              <a:rPr lang="en-US" altLang="ja-JP" sz="1200">
-                <a:latin typeface="BIZ UDゴシック" panose="020B0400000000000000" pitchFamily="49" charset="-128"/>
-                <a:ea typeface="BIZ UDゴシック" panose="020B0400000000000000" pitchFamily="49" charset="-128"/>
-              </a:rPr>
-              <a:t>resolution ≒ </a:t>
-            </a:r>
-            <a:r>
-              <a:rPr lang="en-US" altLang="ja-JP" sz="1200" b="1">
-                <a:latin typeface="BIZ UDゴシック" panose="020B0400000000000000" pitchFamily="49" charset="-128"/>
-                <a:ea typeface="BIZ UDゴシック" panose="020B0400000000000000" pitchFamily="49" charset="-128"/>
-              </a:rPr>
-              <a:t>0.098°C / count</a:t>
-            </a:r>
-            <a:r>
-              <a:rPr lang="ja-JP" altLang="en-US" sz="1200">
-                <a:latin typeface="BIZ UDゴシック" panose="020B0400000000000000" pitchFamily="49" charset="-128"/>
-                <a:ea typeface="BIZ UDゴシック" panose="020B0400000000000000" pitchFamily="49" charset="-128"/>
-              </a:rPr>
-              <a:t>（ほぼ </a:t>
-            </a:r>
-            <a:r>
-              <a:rPr lang="en-US" altLang="ja-JP" sz="1200">
-                <a:latin typeface="BIZ UDゴシック" panose="020B0400000000000000" pitchFamily="49" charset="-128"/>
-                <a:ea typeface="BIZ UDゴシック" panose="020B0400000000000000" pitchFamily="49" charset="-128"/>
-              </a:rPr>
-              <a:t>0–100 </a:t>
-            </a:r>
-            <a:r>
-              <a:rPr lang="ja-JP" altLang="en-US" sz="1200">
-                <a:latin typeface="BIZ UDゴシック" panose="020B0400000000000000" pitchFamily="49" charset="-128"/>
-                <a:ea typeface="BIZ UDゴシック" panose="020B0400000000000000" pitchFamily="49" charset="-128"/>
-              </a:rPr>
-              <a:t>と同等）</a:t>
-            </a:r>
-          </a:p>
-          <a:p>
-            <a:pPr marL="228600" indent="-228600">
-              <a:buFont typeface="+mj-lt"/>
-              <a:buAutoNum type="arabicPeriod"/>
-            </a:pPr>
-            <a:r>
-              <a:rPr lang="ja-JP" altLang="en-US" sz="1200" b="1">
-                <a:latin typeface="BIZ UDゴシック" panose="020B0400000000000000" pitchFamily="49" charset="-128"/>
-                <a:ea typeface="BIZ UDゴシック" panose="020B0400000000000000" pitchFamily="49" charset="-128"/>
-              </a:rPr>
-              <a:t>レンジ：</a:t>
-            </a:r>
-            <a:r>
-              <a:rPr lang="en-US" altLang="ja-JP" sz="1200" b="1">
-                <a:latin typeface="BIZ UDゴシック" panose="020B0400000000000000" pitchFamily="49" charset="-128"/>
-                <a:ea typeface="BIZ UDゴシック" panose="020B0400000000000000" pitchFamily="49" charset="-128"/>
-              </a:rPr>
-              <a:t>-40 </a:t>
-            </a:r>
-            <a:r>
-              <a:rPr lang="ja-JP" altLang="en-US" sz="1200" b="1">
-                <a:latin typeface="BIZ UDゴシック" panose="020B0400000000000000" pitchFamily="49" charset="-128"/>
-                <a:ea typeface="BIZ UDゴシック" panose="020B0400000000000000" pitchFamily="49" charset="-128"/>
-              </a:rPr>
-              <a:t>～ </a:t>
-            </a:r>
-            <a:r>
-              <a:rPr lang="en-US" altLang="ja-JP" sz="1200" b="1">
-                <a:latin typeface="BIZ UDゴシック" panose="020B0400000000000000" pitchFamily="49" charset="-128"/>
-                <a:ea typeface="BIZ UDゴシック" panose="020B0400000000000000" pitchFamily="49" charset="-128"/>
-              </a:rPr>
-              <a:t>215°C</a:t>
-            </a:r>
-            <a:r>
-              <a:rPr lang="ja-JP" altLang="en-US" sz="1200">
-                <a:latin typeface="BIZ UDゴシック" panose="020B0400000000000000" pitchFamily="49" charset="-128"/>
-                <a:ea typeface="BIZ UDゴシック" panose="020B0400000000000000" pitchFamily="49" charset="-128"/>
-              </a:rPr>
-              <a:t>（非常に広く材料耐熱や熱暴走検出を想定）</a:t>
-            </a:r>
-          </a:p>
-          <a:p>
-            <a:pPr marL="685800" lvl="1" indent="-228600">
-              <a:buFont typeface="Wingdings" panose="05000000000000000000" pitchFamily="2" charset="2"/>
-              <a:buChar char="l"/>
-            </a:pPr>
-            <a:r>
-              <a:rPr lang="ja-JP" altLang="en-US" sz="1200">
-                <a:latin typeface="BIZ UDゴシック" panose="020B0400000000000000" pitchFamily="49" charset="-128"/>
-                <a:ea typeface="BIZ UDゴシック" panose="020B0400000000000000" pitchFamily="49" charset="-128"/>
-              </a:rPr>
-              <a:t>範囲 </a:t>
-            </a:r>
-            <a:r>
-              <a:rPr lang="en-US" altLang="ja-JP" sz="1200">
-                <a:latin typeface="BIZ UDゴシック" panose="020B0400000000000000" pitchFamily="49" charset="-128"/>
-                <a:ea typeface="BIZ UDゴシック" panose="020B0400000000000000" pitchFamily="49" charset="-128"/>
-              </a:rPr>
-              <a:t>= 255°C</a:t>
-            </a:r>
-          </a:p>
-          <a:p>
-            <a:pPr marL="685800" lvl="1" indent="-228600">
-              <a:buFont typeface="Wingdings" panose="05000000000000000000" pitchFamily="2" charset="2"/>
-              <a:buChar char="l"/>
-            </a:pPr>
-            <a:r>
-              <a:rPr lang="en-US" altLang="ja-JP" sz="1200">
-                <a:latin typeface="BIZ UDゴシック" panose="020B0400000000000000" pitchFamily="49" charset="-128"/>
-                <a:ea typeface="BIZ UDゴシック" panose="020B0400000000000000" pitchFamily="49" charset="-128"/>
-              </a:rPr>
-              <a:t>resolution ≒ 255 / 1023 ≒ </a:t>
-            </a:r>
-            <a:r>
-              <a:rPr lang="en-US" altLang="ja-JP" sz="1200" b="1">
-                <a:latin typeface="BIZ UDゴシック" panose="020B0400000000000000" pitchFamily="49" charset="-128"/>
-                <a:ea typeface="BIZ UDゴシック" panose="020B0400000000000000" pitchFamily="49" charset="-128"/>
-              </a:rPr>
-              <a:t>0.249°C / count</a:t>
-            </a:r>
-            <a:endParaRPr lang="ja-JP" altLang="en-US" sz="1200">
-              <a:latin typeface="BIZ UDゴシック" panose="020B0400000000000000" pitchFamily="49" charset="-128"/>
-              <a:ea typeface="BIZ UDゴシック" panose="020B0400000000000000" pitchFamily="49" charset="-128"/>
-            </a:endParaRPr>
-          </a:p>
-        </p:txBody>
-      </p:sp>
-      <p:sp>
-        <p:nvSpPr>
-          <p:cNvPr id="5" name="テキスト ボックス 4">
-            <a:extLst>
-              <a:ext uri="{FF2B5EF4-FFF2-40B4-BE49-F238E27FC236}">
-                <a16:creationId xmlns:a16="http://schemas.microsoft.com/office/drawing/2014/main" id="{9931A2EA-00DE-7743-EB6F-5AFF854FF292}"/>
-              </a:ext>
-            </a:extLst>
-          </p:cNvPr>
-          <p:cNvSpPr txBox="1"/>
-          <p:nvPr/>
-        </p:nvSpPr>
-        <p:spPr>
-          <a:xfrm>
-            <a:off x="640571" y="3903407"/>
-            <a:ext cx="10360529" cy="646331"/>
-          </a:xfrm>
-          <a:prstGeom prst="rect">
-            <a:avLst/>
-          </a:prstGeom>
-          <a:solidFill>
-            <a:schemeClr val="accent6">
-              <a:lumMod val="20000"/>
-              <a:lumOff val="80000"/>
-            </a:schemeClr>
-          </a:solidFill>
-        </p:spPr>
-        <p:txBody>
-          <a:bodyPr wrap="none" rtlCol="0">
-            <a:spAutoFit/>
-          </a:bodyPr>
-          <a:lstStyle/>
-          <a:p>
-            <a:pPr marL="171450" indent="-171450">
-              <a:buFont typeface="Wingdings" panose="05000000000000000000" pitchFamily="2" charset="2"/>
-              <a:buChar char="l"/>
-            </a:pPr>
-            <a:r>
-              <a:rPr lang="ja-JP" altLang="en-US" sz="1200">
-                <a:latin typeface="BIZ UDゴシック" panose="020B0400000000000000" pitchFamily="49" charset="-128"/>
-                <a:ea typeface="BIZ UDゴシック" panose="020B0400000000000000" pitchFamily="49" charset="-128"/>
-              </a:rPr>
-              <a:t>普段の温度制御（精度を要する）なら </a:t>
-            </a:r>
-            <a:r>
-              <a:rPr lang="en-US" altLang="ja-JP" sz="1200">
-                <a:latin typeface="BIZ UDゴシック" panose="020B0400000000000000" pitchFamily="49" charset="-128"/>
-                <a:ea typeface="BIZ UDゴシック" panose="020B0400000000000000" pitchFamily="49" charset="-128"/>
-              </a:rPr>
-              <a:t>0–100°C </a:t>
-            </a:r>
-            <a:r>
-              <a:rPr lang="ja-JP" altLang="en-US" sz="1200">
-                <a:latin typeface="BIZ UDゴシック" panose="020B0400000000000000" pitchFamily="49" charset="-128"/>
-                <a:ea typeface="BIZ UDゴシック" panose="020B0400000000000000" pitchFamily="49" charset="-128"/>
-              </a:rPr>
-              <a:t>または </a:t>
-            </a:r>
-            <a:r>
-              <a:rPr lang="en-US" altLang="ja-JP" sz="1200">
-                <a:latin typeface="BIZ UDゴシック" panose="020B0400000000000000" pitchFamily="49" charset="-128"/>
-                <a:ea typeface="BIZ UDゴシック" panose="020B0400000000000000" pitchFamily="49" charset="-128"/>
-              </a:rPr>
-              <a:t>-20–80°C </a:t>
-            </a:r>
-            <a:r>
-              <a:rPr lang="ja-JP" altLang="en-US" sz="1200">
-                <a:latin typeface="BIZ UDゴシック" panose="020B0400000000000000" pitchFamily="49" charset="-128"/>
-                <a:ea typeface="BIZ UDゴシック" panose="020B0400000000000000" pitchFamily="49" charset="-128"/>
-              </a:rPr>
-              <a:t>のように「想定動作範囲ギリギリ＋余裕少々」</a:t>
-            </a:r>
-            <a:br>
-              <a:rPr lang="en-US" altLang="ja-JP" sz="1200">
-                <a:latin typeface="BIZ UDゴシック" panose="020B0400000000000000" pitchFamily="49" charset="-128"/>
-                <a:ea typeface="BIZ UDゴシック" panose="020B0400000000000000" pitchFamily="49" charset="-128"/>
-              </a:rPr>
-            </a:br>
-            <a:r>
-              <a:rPr lang="ja-JP" altLang="en-US" sz="1200">
-                <a:latin typeface="BIZ UDゴシック" panose="020B0400000000000000" pitchFamily="49" charset="-128"/>
-                <a:ea typeface="BIZ UDゴシック" panose="020B0400000000000000" pitchFamily="49" charset="-128"/>
-              </a:rPr>
-              <a:t>を選ぶと高分解能を確保できます（約 </a:t>
-            </a:r>
-            <a:r>
-              <a:rPr lang="en-US" altLang="ja-JP" sz="1200">
-                <a:latin typeface="BIZ UDゴシック" panose="020B0400000000000000" pitchFamily="49" charset="-128"/>
-                <a:ea typeface="BIZ UDゴシック" panose="020B0400000000000000" pitchFamily="49" charset="-128"/>
-              </a:rPr>
-              <a:t>0.1°C / count</a:t>
-            </a:r>
-            <a:r>
-              <a:rPr lang="ja-JP" altLang="en-US" sz="1200">
-                <a:latin typeface="BIZ UDゴシック" panose="020B0400000000000000" pitchFamily="49" charset="-128"/>
-                <a:ea typeface="BIZ UDゴシック" panose="020B0400000000000000" pitchFamily="49" charset="-128"/>
-              </a:rPr>
-              <a:t>）。</a:t>
-            </a:r>
-            <a:endParaRPr lang="en-US" altLang="ja-JP" sz="1200">
-              <a:latin typeface="BIZ UDゴシック" panose="020B0400000000000000" pitchFamily="49" charset="-128"/>
-              <a:ea typeface="BIZ UDゴシック" panose="020B0400000000000000" pitchFamily="49" charset="-128"/>
-            </a:endParaRPr>
-          </a:p>
-          <a:p>
-            <a:pPr marL="171450" indent="-171450">
-              <a:buFont typeface="Wingdings" panose="05000000000000000000" pitchFamily="2" charset="2"/>
-              <a:buChar char="l"/>
-            </a:pPr>
-            <a:r>
-              <a:rPr lang="ja-JP" altLang="en-US" sz="1200">
-                <a:latin typeface="BIZ UDゴシック" panose="020B0400000000000000" pitchFamily="49" charset="-128"/>
-                <a:ea typeface="BIZ UDゴシック" panose="020B0400000000000000" pitchFamily="49" charset="-128"/>
-              </a:rPr>
-              <a:t>熱暴走や部材の焼損まで監視したければ </a:t>
-            </a:r>
-            <a:r>
-              <a:rPr lang="en-US" altLang="ja-JP" sz="1200">
-                <a:latin typeface="BIZ UDゴシック" panose="020B0400000000000000" pitchFamily="49" charset="-128"/>
-                <a:ea typeface="BIZ UDゴシック" panose="020B0400000000000000" pitchFamily="49" charset="-128"/>
-              </a:rPr>
-              <a:t>-40–125°C </a:t>
-            </a:r>
-            <a:r>
-              <a:rPr lang="ja-JP" altLang="en-US" sz="1200">
-                <a:latin typeface="BIZ UDゴシック" panose="020B0400000000000000" pitchFamily="49" charset="-128"/>
-                <a:ea typeface="BIZ UDゴシック" panose="020B0400000000000000" pitchFamily="49" charset="-128"/>
-              </a:rPr>
-              <a:t>など広めに取る→分解能は落ちるがサチュレーションして分からなくなるリスクは下がる。</a:t>
-            </a:r>
-          </a:p>
-        </p:txBody>
-      </p:sp>
-      <p:sp>
-        <p:nvSpPr>
-          <p:cNvPr id="6" name="テキスト ボックス 5">
-            <a:extLst>
-              <a:ext uri="{FF2B5EF4-FFF2-40B4-BE49-F238E27FC236}">
-                <a16:creationId xmlns:a16="http://schemas.microsoft.com/office/drawing/2014/main" id="{7B8F3515-9E17-7E31-88A7-728A949ECC51}"/>
-              </a:ext>
-            </a:extLst>
-          </p:cNvPr>
-          <p:cNvSpPr txBox="1"/>
-          <p:nvPr/>
-        </p:nvSpPr>
-        <p:spPr>
-          <a:xfrm>
-            <a:off x="213673" y="4661352"/>
-            <a:ext cx="1867819" cy="276999"/>
-          </a:xfrm>
-          <a:prstGeom prst="rect">
-            <a:avLst/>
-          </a:prstGeom>
-          <a:noFill/>
-        </p:spPr>
-        <p:txBody>
-          <a:bodyPr wrap="none" rtlCol="0">
-            <a:spAutoFit/>
-          </a:bodyPr>
-          <a:lstStyle/>
-          <a:p>
-            <a:r>
-              <a:rPr lang="en-US" altLang="ja-JP" sz="1200"/>
-              <a:t>5) </a:t>
-            </a:r>
-            <a:r>
-              <a:rPr lang="ja-JP" altLang="en-US" sz="1200"/>
-              <a:t>閾値（現実的な推奨値）</a:t>
-            </a:r>
-            <a:endParaRPr kumimoji="1" lang="ja-JP" altLang="en-US" sz="1200">
-              <a:latin typeface="BIZ UDゴシック" panose="020B0400000000000000" pitchFamily="49" charset="-128"/>
-              <a:ea typeface="BIZ UDゴシック" panose="020B0400000000000000" pitchFamily="49" charset="-128"/>
-            </a:endParaRPr>
-          </a:p>
-        </p:txBody>
-      </p:sp>
-      <p:sp>
-        <p:nvSpPr>
-          <p:cNvPr id="7" name="テキスト ボックス 6">
-            <a:extLst>
-              <a:ext uri="{FF2B5EF4-FFF2-40B4-BE49-F238E27FC236}">
-                <a16:creationId xmlns:a16="http://schemas.microsoft.com/office/drawing/2014/main" id="{2D0AF9FE-B6BA-33AD-A2DB-F40B26AB36DE}"/>
-              </a:ext>
-            </a:extLst>
-          </p:cNvPr>
-          <p:cNvSpPr txBox="1"/>
-          <p:nvPr/>
-        </p:nvSpPr>
-        <p:spPr>
-          <a:xfrm>
-            <a:off x="573515" y="5044219"/>
-            <a:ext cx="10360529" cy="830997"/>
-          </a:xfrm>
-          <a:prstGeom prst="rect">
-            <a:avLst/>
-          </a:prstGeom>
-          <a:solidFill>
-            <a:schemeClr val="accent6">
-              <a:lumMod val="20000"/>
-              <a:lumOff val="80000"/>
-            </a:schemeClr>
-          </a:solidFill>
-        </p:spPr>
-        <p:txBody>
-          <a:bodyPr wrap="none" rtlCol="0">
-            <a:spAutoFit/>
-          </a:bodyPr>
-          <a:lstStyle/>
-          <a:p>
-            <a:pPr marL="171450" indent="-171450">
-              <a:buFont typeface="Wingdings" panose="05000000000000000000" pitchFamily="2" charset="2"/>
-              <a:buChar char="l"/>
-            </a:pPr>
-            <a:endParaRPr lang="en-US" altLang="ja-JP" sz="1200">
-              <a:latin typeface="BIZ UDゴシック" panose="020B0400000000000000" pitchFamily="49" charset="-128"/>
-              <a:ea typeface="BIZ UDゴシック" panose="020B0400000000000000" pitchFamily="49" charset="-128"/>
-            </a:endParaRPr>
-          </a:p>
-          <a:p>
-            <a:pPr marL="171450" indent="-171450">
-              <a:buFont typeface="Wingdings" panose="05000000000000000000" pitchFamily="2" charset="2"/>
-              <a:buChar char="l"/>
-            </a:pPr>
-            <a:r>
-              <a:rPr lang="ja-JP" altLang="en-US" sz="1200">
-                <a:latin typeface="BIZ UDゴシック" panose="020B0400000000000000" pitchFamily="49" charset="-128"/>
-                <a:ea typeface="BIZ UDゴシック" panose="020B0400000000000000" pitchFamily="49" charset="-128"/>
-              </a:rPr>
-              <a:t>普段の温度制御（精度を要する）なら </a:t>
-            </a:r>
-            <a:r>
-              <a:rPr lang="en-US" altLang="ja-JP" sz="1200">
-                <a:latin typeface="BIZ UDゴシック" panose="020B0400000000000000" pitchFamily="49" charset="-128"/>
-                <a:ea typeface="BIZ UDゴシック" panose="020B0400000000000000" pitchFamily="49" charset="-128"/>
-              </a:rPr>
-              <a:t>0–100°C </a:t>
-            </a:r>
-            <a:r>
-              <a:rPr lang="ja-JP" altLang="en-US" sz="1200">
-                <a:latin typeface="BIZ UDゴシック" panose="020B0400000000000000" pitchFamily="49" charset="-128"/>
-                <a:ea typeface="BIZ UDゴシック" panose="020B0400000000000000" pitchFamily="49" charset="-128"/>
-              </a:rPr>
-              <a:t>または </a:t>
-            </a:r>
-            <a:r>
-              <a:rPr lang="en-US" altLang="ja-JP" sz="1200">
-                <a:latin typeface="BIZ UDゴシック" panose="020B0400000000000000" pitchFamily="49" charset="-128"/>
-                <a:ea typeface="BIZ UDゴシック" panose="020B0400000000000000" pitchFamily="49" charset="-128"/>
-              </a:rPr>
-              <a:t>-20–80°C </a:t>
-            </a:r>
-            <a:r>
-              <a:rPr lang="ja-JP" altLang="en-US" sz="1200">
-                <a:latin typeface="BIZ UDゴシック" panose="020B0400000000000000" pitchFamily="49" charset="-128"/>
-                <a:ea typeface="BIZ UDゴシック" panose="020B0400000000000000" pitchFamily="49" charset="-128"/>
-              </a:rPr>
-              <a:t>のように「想定動作範囲ギリギリ＋余裕少々」</a:t>
-            </a:r>
-            <a:br>
-              <a:rPr lang="en-US" altLang="ja-JP" sz="1200">
-                <a:latin typeface="BIZ UDゴシック" panose="020B0400000000000000" pitchFamily="49" charset="-128"/>
-                <a:ea typeface="BIZ UDゴシック" panose="020B0400000000000000" pitchFamily="49" charset="-128"/>
-              </a:rPr>
-            </a:br>
-            <a:r>
-              <a:rPr lang="ja-JP" altLang="en-US" sz="1200">
-                <a:latin typeface="BIZ UDゴシック" panose="020B0400000000000000" pitchFamily="49" charset="-128"/>
-                <a:ea typeface="BIZ UDゴシック" panose="020B0400000000000000" pitchFamily="49" charset="-128"/>
-              </a:rPr>
-              <a:t>を選ぶと高分解能を確保できます（約 </a:t>
-            </a:r>
-            <a:r>
-              <a:rPr lang="en-US" altLang="ja-JP" sz="1200">
-                <a:latin typeface="BIZ UDゴシック" panose="020B0400000000000000" pitchFamily="49" charset="-128"/>
-                <a:ea typeface="BIZ UDゴシック" panose="020B0400000000000000" pitchFamily="49" charset="-128"/>
-              </a:rPr>
-              <a:t>0.1°C / count</a:t>
-            </a:r>
-            <a:r>
-              <a:rPr lang="ja-JP" altLang="en-US" sz="1200">
-                <a:latin typeface="BIZ UDゴシック" panose="020B0400000000000000" pitchFamily="49" charset="-128"/>
-                <a:ea typeface="BIZ UDゴシック" panose="020B0400000000000000" pitchFamily="49" charset="-128"/>
-              </a:rPr>
-              <a:t>）。</a:t>
-            </a:r>
-            <a:endParaRPr lang="en-US" altLang="ja-JP" sz="1200">
-              <a:latin typeface="BIZ UDゴシック" panose="020B0400000000000000" pitchFamily="49" charset="-128"/>
-              <a:ea typeface="BIZ UDゴシック" panose="020B0400000000000000" pitchFamily="49" charset="-128"/>
-            </a:endParaRPr>
-          </a:p>
-          <a:p>
-            <a:pPr marL="171450" indent="-171450">
-              <a:buFont typeface="Wingdings" panose="05000000000000000000" pitchFamily="2" charset="2"/>
-              <a:buChar char="l"/>
-            </a:pPr>
-            <a:r>
-              <a:rPr lang="ja-JP" altLang="en-US" sz="1200">
-                <a:latin typeface="BIZ UDゴシック" panose="020B0400000000000000" pitchFamily="49" charset="-128"/>
-                <a:ea typeface="BIZ UDゴシック" panose="020B0400000000000000" pitchFamily="49" charset="-128"/>
-              </a:rPr>
-              <a:t>熱暴走や部材の焼損まで監視したければ </a:t>
-            </a:r>
-            <a:r>
-              <a:rPr lang="en-US" altLang="ja-JP" sz="1200">
-                <a:latin typeface="BIZ UDゴシック" panose="020B0400000000000000" pitchFamily="49" charset="-128"/>
-                <a:ea typeface="BIZ UDゴシック" panose="020B0400000000000000" pitchFamily="49" charset="-128"/>
-              </a:rPr>
-              <a:t>-40–125°C </a:t>
-            </a:r>
-            <a:r>
-              <a:rPr lang="ja-JP" altLang="en-US" sz="1200">
-                <a:latin typeface="BIZ UDゴシック" panose="020B0400000000000000" pitchFamily="49" charset="-128"/>
-                <a:ea typeface="BIZ UDゴシック" panose="020B0400000000000000" pitchFamily="49" charset="-128"/>
-              </a:rPr>
-              <a:t>など広めに取る→分解能は落ちるがサチュレーションして分からなくなるリスクは下がる。</a:t>
-            </a:r>
-          </a:p>
-        </p:txBody>
-      </p:sp>
-    </p:spTree>
-    <p:extLst>
-      <p:ext uri="{BB962C8B-B14F-4D97-AF65-F5344CB8AC3E}">
-        <p14:creationId xmlns:p14="http://schemas.microsoft.com/office/powerpoint/2010/main" val="3159733829"/>
-      </p:ext>
-    </p:extLst>
-  </p:cSld>
-  <p:clrMapOvr>
-    <a:masterClrMapping/>
-  </p:clrMapOvr>
-</p:sld>
-</file>
-
-<file path=ppt/slides/slide7.xml><?xml version="1.0" encoding="utf-8"?>
-<p:sld xmlns:a="http://schemas.openxmlformats.org/drawingml/2006/main" xmlns:r="http://schemas.openxmlformats.org/officeDocument/2006/relationships" xmlns:p="http://schemas.openxmlformats.org/presentationml/2006/main">
-  <p:cSld>
-    <p:spTree>
-      <p:nvGrpSpPr>
-        <p:cNvPr id="1" name=""/>
-        <p:cNvGrpSpPr/>
-        <p:nvPr/>
-      </p:nvGrpSpPr>
-      <p:grpSpPr>
-        <a:xfrm>
-          <a:off x="0" y="0"/>
-          <a:ext cx="0" cy="0"/>
-          <a:chOff x="0" y="0"/>
-          <a:chExt cx="0" cy="0"/>
-        </a:xfrm>
-      </p:grpSpPr>
-      <p:sp>
-        <p:nvSpPr>
-          <p:cNvPr id="2" name="タイトル 1">
-            <a:extLst>
-              <a:ext uri="{FF2B5EF4-FFF2-40B4-BE49-F238E27FC236}">
-                <a16:creationId xmlns:a16="http://schemas.microsoft.com/office/drawing/2014/main" id="{471AFDE4-C6A3-BFA0-A012-1FD08F8266C2}"/>
-              </a:ext>
-            </a:extLst>
-          </p:cNvPr>
-          <p:cNvSpPr>
-            <a:spLocks noGrp="1"/>
-          </p:cNvSpPr>
-          <p:nvPr>
-            <p:ph type="title"/>
-          </p:nvPr>
-        </p:nvSpPr>
-        <p:spPr/>
-        <p:txBody>
-          <a:bodyPr>
-            <a:normAutofit fontScale="90000"/>
-          </a:bodyPr>
-          <a:lstStyle/>
-          <a:p>
-            <a:r>
-              <a:rPr lang="ja-JP" altLang="en-US"/>
-              <a:t>バッテリ温度の考え方</a:t>
-            </a:r>
-            <a:endParaRPr kumimoji="1" lang="ja-JP" altLang="en-US"/>
-          </a:p>
-        </p:txBody>
-      </p:sp>
-      <p:sp>
-        <p:nvSpPr>
-          <p:cNvPr id="3" name="テキスト ボックス 2">
-            <a:extLst>
-              <a:ext uri="{FF2B5EF4-FFF2-40B4-BE49-F238E27FC236}">
-                <a16:creationId xmlns:a16="http://schemas.microsoft.com/office/drawing/2014/main" id="{84E78B48-B3C7-551D-95F7-81732257599F}"/>
-              </a:ext>
-            </a:extLst>
-          </p:cNvPr>
-          <p:cNvSpPr txBox="1"/>
-          <p:nvPr/>
-        </p:nvSpPr>
-        <p:spPr>
-          <a:xfrm>
-            <a:off x="510297" y="1008862"/>
-            <a:ext cx="2723823" cy="276999"/>
-          </a:xfrm>
-          <a:prstGeom prst="rect">
-            <a:avLst/>
-          </a:prstGeom>
-          <a:noFill/>
-        </p:spPr>
-        <p:txBody>
-          <a:bodyPr wrap="none" rtlCol="0">
-            <a:spAutoFit/>
-          </a:bodyPr>
-          <a:lstStyle/>
-          <a:p>
-            <a:r>
-              <a:rPr kumimoji="1" lang="en-US" altLang="ja-JP" sz="1200">
-                <a:latin typeface="BIZ UDゴシック" panose="020B0400000000000000" pitchFamily="49" charset="-128"/>
-                <a:ea typeface="BIZ UDゴシック" panose="020B0400000000000000" pitchFamily="49" charset="-128"/>
-              </a:rPr>
-              <a:t>6) </a:t>
-            </a:r>
-            <a:r>
-              <a:rPr kumimoji="1" lang="ja-JP" altLang="en-US" sz="1200">
-                <a:latin typeface="BIZ UDゴシック" panose="020B0400000000000000" pitchFamily="49" charset="-128"/>
-                <a:ea typeface="BIZ UDゴシック" panose="020B0400000000000000" pitchFamily="49" charset="-128"/>
-              </a:rPr>
-              <a:t>実装例（</a:t>
-            </a:r>
-            <a:r>
-              <a:rPr kumimoji="1" lang="en-US" altLang="ja-JP" sz="1200">
-                <a:latin typeface="BIZ UDゴシック" panose="020B0400000000000000" pitchFamily="49" charset="-128"/>
-                <a:ea typeface="BIZ UDゴシック" panose="020B0400000000000000" pitchFamily="49" charset="-128"/>
-              </a:rPr>
-              <a:t>C </a:t>
-            </a:r>
-            <a:r>
-              <a:rPr kumimoji="1" lang="ja-JP" altLang="en-US" sz="1200">
-                <a:latin typeface="BIZ UDゴシック" panose="020B0400000000000000" pitchFamily="49" charset="-128"/>
-                <a:ea typeface="BIZ UDゴシック" panose="020B0400000000000000" pitchFamily="49" charset="-128"/>
-              </a:rPr>
-              <a:t>言語、線形変換の例）</a:t>
-            </a:r>
-          </a:p>
-        </p:txBody>
-      </p:sp>
-      <p:sp>
-        <p:nvSpPr>
-          <p:cNvPr id="6" name="テキスト ボックス 5">
-            <a:extLst>
-              <a:ext uri="{FF2B5EF4-FFF2-40B4-BE49-F238E27FC236}">
-                <a16:creationId xmlns:a16="http://schemas.microsoft.com/office/drawing/2014/main" id="{28B04296-E68C-6FC9-5038-578F399379A0}"/>
-              </a:ext>
-            </a:extLst>
-          </p:cNvPr>
-          <p:cNvSpPr txBox="1"/>
-          <p:nvPr/>
-        </p:nvSpPr>
-        <p:spPr>
-          <a:xfrm>
-            <a:off x="783243" y="1285861"/>
-            <a:ext cx="6853158" cy="2708434"/>
-          </a:xfrm>
-          <a:prstGeom prst="rect">
-            <a:avLst/>
-          </a:prstGeom>
-          <a:solidFill>
-            <a:schemeClr val="accent6">
-              <a:lumMod val="20000"/>
-              <a:lumOff val="80000"/>
-            </a:schemeClr>
-          </a:solidFill>
-        </p:spPr>
-        <p:txBody>
-          <a:bodyPr wrap="none" rtlCol="0">
-            <a:spAutoFit/>
-          </a:bodyPr>
-          <a:lstStyle/>
-          <a:p>
-            <a:r>
-              <a:rPr lang="en-US" altLang="ja-JP" sz="1000">
-                <a:latin typeface="BIZ UDゴシック" panose="020B0400000000000000" pitchFamily="49" charset="-128"/>
-                <a:ea typeface="BIZ UDゴシック" panose="020B0400000000000000" pitchFamily="49" charset="-128"/>
-              </a:rPr>
-              <a:t>// </a:t>
-            </a:r>
-            <a:r>
-              <a:rPr lang="ja-JP" altLang="en-US" sz="1000">
-                <a:latin typeface="BIZ UDゴシック" panose="020B0400000000000000" pitchFamily="49" charset="-128"/>
-                <a:ea typeface="BIZ UDゴシック" panose="020B0400000000000000" pitchFamily="49" charset="-128"/>
-              </a:rPr>
-              <a:t>例：</a:t>
-            </a:r>
-            <a:r>
-              <a:rPr lang="en-US" altLang="ja-JP" sz="1000">
-                <a:latin typeface="BIZ UDゴシック" panose="020B0400000000000000" pitchFamily="49" charset="-128"/>
-                <a:ea typeface="BIZ UDゴシック" panose="020B0400000000000000" pitchFamily="49" charset="-128"/>
-              </a:rPr>
-              <a:t>ADC 10-bit, </a:t>
-            </a:r>
-            <a:r>
-              <a:rPr lang="ja-JP" altLang="en-US" sz="1000">
-                <a:latin typeface="BIZ UDゴシック" panose="020B0400000000000000" pitchFamily="49" charset="-128"/>
-                <a:ea typeface="BIZ UDゴシック" panose="020B0400000000000000" pitchFamily="49" charset="-128"/>
-              </a:rPr>
-              <a:t>マッピング </a:t>
-            </a:r>
-            <a:r>
-              <a:rPr lang="en-US" altLang="ja-JP" sz="1000">
-                <a:latin typeface="BIZ UDゴシック" panose="020B0400000000000000" pitchFamily="49" charset="-128"/>
-                <a:ea typeface="BIZ UDゴシック" panose="020B0400000000000000" pitchFamily="49" charset="-128"/>
-              </a:rPr>
-              <a:t>0..100°C</a:t>
-            </a:r>
-          </a:p>
-          <a:p>
-            <a:r>
-              <a:rPr lang="en-US" altLang="ja-JP" sz="1000">
-                <a:latin typeface="BIZ UDゴシック" panose="020B0400000000000000" pitchFamily="49" charset="-128"/>
-                <a:ea typeface="BIZ UDゴシック" panose="020B0400000000000000" pitchFamily="49" charset="-128"/>
-              </a:rPr>
-              <a:t>#define ADC_MAX 1023.0f</a:t>
-            </a:r>
-          </a:p>
-          <a:p>
-            <a:r>
-              <a:rPr lang="en-US" altLang="ja-JP" sz="1000">
-                <a:latin typeface="BIZ UDゴシック" panose="020B0400000000000000" pitchFamily="49" charset="-128"/>
-                <a:ea typeface="BIZ UDゴシック" panose="020B0400000000000000" pitchFamily="49" charset="-128"/>
-              </a:rPr>
-              <a:t>#define T_MIN 0.0f</a:t>
-            </a:r>
-          </a:p>
-          <a:p>
-            <a:r>
-              <a:rPr lang="en-US" altLang="ja-JP" sz="1000">
-                <a:latin typeface="BIZ UDゴシック" panose="020B0400000000000000" pitchFamily="49" charset="-128"/>
-                <a:ea typeface="BIZ UDゴシック" panose="020B0400000000000000" pitchFamily="49" charset="-128"/>
-              </a:rPr>
-              <a:t>#define T_MAX 100.0f</a:t>
-            </a:r>
-          </a:p>
-          <a:p>
-            <a:endParaRPr lang="en-US" altLang="ja-JP" sz="1000">
-              <a:latin typeface="BIZ UDゴシック" panose="020B0400000000000000" pitchFamily="49" charset="-128"/>
-              <a:ea typeface="BIZ UDゴシック" panose="020B0400000000000000" pitchFamily="49" charset="-128"/>
-            </a:endParaRPr>
-          </a:p>
-          <a:p>
-            <a:r>
-              <a:rPr lang="en-US" altLang="ja-JP" sz="1000">
-                <a:latin typeface="BIZ UDゴシック" panose="020B0400000000000000" pitchFamily="49" charset="-128"/>
-                <a:ea typeface="BIZ UDゴシック" panose="020B0400000000000000" pitchFamily="49" charset="-128"/>
-              </a:rPr>
-              <a:t>float adc_to_temp(int adc) {</a:t>
-            </a:r>
-          </a:p>
-          <a:p>
-            <a:r>
-              <a:rPr lang="en-US" altLang="ja-JP" sz="1000">
-                <a:latin typeface="BIZ UDゴシック" panose="020B0400000000000000" pitchFamily="49" charset="-128"/>
-                <a:ea typeface="BIZ UDゴシック" panose="020B0400000000000000" pitchFamily="49" charset="-128"/>
-              </a:rPr>
-              <a:t>    return T_MIN + (adc / ADC_MAX) * (T_MAX - T_MIN);</a:t>
-            </a:r>
-          </a:p>
-          <a:p>
-            <a:r>
-              <a:rPr lang="en-US" altLang="ja-JP" sz="1000">
-                <a:latin typeface="BIZ UDゴシック" panose="020B0400000000000000" pitchFamily="49" charset="-128"/>
-                <a:ea typeface="BIZ UDゴシック" panose="020B0400000000000000" pitchFamily="49" charset="-128"/>
-              </a:rPr>
-              <a:t>}</a:t>
-            </a:r>
-          </a:p>
-          <a:p>
-            <a:endParaRPr lang="en-US" altLang="ja-JP" sz="1000">
-              <a:latin typeface="BIZ UDゴシック" panose="020B0400000000000000" pitchFamily="49" charset="-128"/>
-              <a:ea typeface="BIZ UDゴシック" panose="020B0400000000000000" pitchFamily="49" charset="-128"/>
-            </a:endParaRPr>
-          </a:p>
-          <a:p>
-            <a:r>
-              <a:rPr lang="en-US" altLang="ja-JP" sz="1000">
-                <a:latin typeface="BIZ UDゴシック" panose="020B0400000000000000" pitchFamily="49" charset="-128"/>
-                <a:ea typeface="BIZ UDゴシック" panose="020B0400000000000000" pitchFamily="49" charset="-128"/>
-              </a:rPr>
-              <a:t>// </a:t>
-            </a:r>
-            <a:r>
-              <a:rPr lang="ja-JP" altLang="en-US" sz="1000">
-                <a:latin typeface="BIZ UDゴシック" panose="020B0400000000000000" pitchFamily="49" charset="-128"/>
-                <a:ea typeface="BIZ UDゴシック" panose="020B0400000000000000" pitchFamily="49" charset="-128"/>
-              </a:rPr>
-              <a:t>逆変換（温度 </a:t>
-            </a:r>
-            <a:r>
-              <a:rPr lang="en-US" altLang="ja-JP" sz="1000">
-                <a:latin typeface="BIZ UDゴシック" panose="020B0400000000000000" pitchFamily="49" charset="-128"/>
-                <a:ea typeface="BIZ UDゴシック" panose="020B0400000000000000" pitchFamily="49" charset="-128"/>
-              </a:rPr>
-              <a:t>-&gt; ADC</a:t>
-            </a:r>
-            <a:r>
-              <a:rPr lang="ja-JP" altLang="en-US" sz="1000">
-                <a:latin typeface="BIZ UDゴシック" panose="020B0400000000000000" pitchFamily="49" charset="-128"/>
-                <a:ea typeface="BIZ UDゴシック" panose="020B0400000000000000" pitchFamily="49" charset="-128"/>
-              </a:rPr>
-              <a:t>）</a:t>
-            </a:r>
-          </a:p>
-          <a:p>
-            <a:r>
-              <a:rPr lang="en-US" altLang="ja-JP" sz="1000">
-                <a:latin typeface="BIZ UDゴシック" panose="020B0400000000000000" pitchFamily="49" charset="-128"/>
-                <a:ea typeface="BIZ UDゴシック" panose="020B0400000000000000" pitchFamily="49" charset="-128"/>
-              </a:rPr>
-              <a:t>int temp_to_adc(float temp) {</a:t>
-            </a:r>
-          </a:p>
-          <a:p>
-            <a:r>
-              <a:rPr lang="en-US" altLang="ja-JP" sz="1000">
-                <a:latin typeface="BIZ UDゴシック" panose="020B0400000000000000" pitchFamily="49" charset="-128"/>
-                <a:ea typeface="BIZ UDゴシック" panose="020B0400000000000000" pitchFamily="49" charset="-128"/>
-              </a:rPr>
-              <a:t>    float v = (temp - T_MIN) / (T_MAX - T_MIN);</a:t>
-            </a:r>
-          </a:p>
-          <a:p>
-            <a:r>
-              <a:rPr lang="en-US" altLang="ja-JP" sz="1000">
-                <a:latin typeface="BIZ UDゴシック" panose="020B0400000000000000" pitchFamily="49" charset="-128"/>
-                <a:ea typeface="BIZ UDゴシック" panose="020B0400000000000000" pitchFamily="49" charset="-128"/>
-              </a:rPr>
-              <a:t>    if (v &lt; 0.0f) v = 0.0f;</a:t>
-            </a:r>
-          </a:p>
-          <a:p>
-            <a:r>
-              <a:rPr lang="en-US" altLang="ja-JP" sz="1000">
-                <a:latin typeface="BIZ UDゴシック" panose="020B0400000000000000" pitchFamily="49" charset="-128"/>
-                <a:ea typeface="BIZ UDゴシック" panose="020B0400000000000000" pitchFamily="49" charset="-128"/>
-              </a:rPr>
-              <a:t>    if (v &gt; 1.0f) v = 1.0f;</a:t>
-            </a:r>
-          </a:p>
-          <a:p>
-            <a:r>
-              <a:rPr lang="en-US" altLang="ja-JP" sz="1000">
-                <a:latin typeface="BIZ UDゴシック" panose="020B0400000000000000" pitchFamily="49" charset="-128"/>
-                <a:ea typeface="BIZ UDゴシック" panose="020B0400000000000000" pitchFamily="49" charset="-128"/>
-              </a:rPr>
-              <a:t>    return (int)roundf(v * ADC_MAX);</a:t>
-            </a:r>
-          </a:p>
-          <a:p>
-            <a:r>
-              <a:rPr lang="en-US" altLang="ja-JP" sz="1000">
-                <a:latin typeface="BIZ UDゴシック" panose="020B0400000000000000" pitchFamily="49" charset="-128"/>
-                <a:ea typeface="BIZ UDゴシック" panose="020B0400000000000000" pitchFamily="49" charset="-128"/>
-              </a:rPr>
-              <a:t>}</a:t>
-            </a:r>
-          </a:p>
-          <a:p>
-            <a:r>
-              <a:rPr lang="en-US" altLang="ja-JP" sz="1000">
-                <a:latin typeface="BIZ UDゴシック" panose="020B0400000000000000" pitchFamily="49" charset="-128"/>
-                <a:ea typeface="BIZ UDゴシック" panose="020B0400000000000000" pitchFamily="49" charset="-128"/>
-              </a:rPr>
-              <a:t>//※ </a:t>
-            </a:r>
-            <a:r>
-              <a:rPr lang="ja-JP" altLang="en-US" sz="1000">
-                <a:latin typeface="BIZ UDゴシック" panose="020B0400000000000000" pitchFamily="49" charset="-128"/>
-                <a:ea typeface="BIZ UDゴシック" panose="020B0400000000000000" pitchFamily="49" charset="-128"/>
-              </a:rPr>
-              <a:t>サーミスタ等の非線形なら </a:t>
-            </a:r>
-            <a:r>
-              <a:rPr lang="en-US" altLang="ja-JP" sz="1000">
-                <a:latin typeface="BIZ UDゴシック" panose="020B0400000000000000" pitchFamily="49" charset="-128"/>
-                <a:ea typeface="BIZ UDゴシック" panose="020B0400000000000000" pitchFamily="49" charset="-128"/>
-              </a:rPr>
-              <a:t>LUT</a:t>
-            </a:r>
-            <a:r>
-              <a:rPr lang="ja-JP" altLang="en-US" sz="1000">
-                <a:latin typeface="BIZ UDゴシック" panose="020B0400000000000000" pitchFamily="49" charset="-128"/>
-                <a:ea typeface="BIZ UDゴシック" panose="020B0400000000000000" pitchFamily="49" charset="-128"/>
-              </a:rPr>
-              <a:t>（ルックアップテーブル）か数式（</a:t>
-            </a:r>
-            <a:r>
-              <a:rPr lang="en-US" altLang="ja-JP" sz="1000">
-                <a:latin typeface="BIZ UDゴシック" panose="020B0400000000000000" pitchFamily="49" charset="-128"/>
-                <a:ea typeface="BIZ UDゴシック" panose="020B0400000000000000" pitchFamily="49" charset="-128"/>
-              </a:rPr>
-              <a:t>Steinhart–Hart </a:t>
-            </a:r>
-            <a:r>
-              <a:rPr lang="ja-JP" altLang="en-US" sz="1000">
-                <a:latin typeface="BIZ UDゴシック" panose="020B0400000000000000" pitchFamily="49" charset="-128"/>
-                <a:ea typeface="BIZ UDゴシック" panose="020B0400000000000000" pitchFamily="49" charset="-128"/>
-              </a:rPr>
-              <a:t>等）で変換してください。</a:t>
-            </a:r>
-            <a:endParaRPr lang="en-US" altLang="ja-JP" sz="1000">
-              <a:latin typeface="BIZ UDゴシック" panose="020B0400000000000000" pitchFamily="49" charset="-128"/>
-              <a:ea typeface="BIZ UDゴシック" panose="020B0400000000000000" pitchFamily="49" charset="-128"/>
-            </a:endParaRPr>
-          </a:p>
-        </p:txBody>
-      </p:sp>
-      <p:sp>
-        <p:nvSpPr>
-          <p:cNvPr id="4" name="テキスト ボックス 3">
-            <a:extLst>
-              <a:ext uri="{FF2B5EF4-FFF2-40B4-BE49-F238E27FC236}">
-                <a16:creationId xmlns:a16="http://schemas.microsoft.com/office/drawing/2014/main" id="{E1B301EF-AE8E-F269-34A7-AA3547AF182C}"/>
-              </a:ext>
-            </a:extLst>
-          </p:cNvPr>
-          <p:cNvSpPr txBox="1"/>
-          <p:nvPr/>
-        </p:nvSpPr>
-        <p:spPr>
-          <a:xfrm>
-            <a:off x="510296" y="4086045"/>
-            <a:ext cx="1031051" cy="276999"/>
-          </a:xfrm>
-          <a:prstGeom prst="rect">
-            <a:avLst/>
-          </a:prstGeom>
-          <a:noFill/>
-        </p:spPr>
-        <p:txBody>
-          <a:bodyPr wrap="none" rtlCol="0">
-            <a:spAutoFit/>
-          </a:bodyPr>
-          <a:lstStyle/>
-          <a:p>
-            <a:r>
-              <a:rPr lang="en-US" altLang="ja-JP" sz="1200">
-                <a:latin typeface="BIZ UDゴシック" panose="020B0400000000000000" pitchFamily="49" charset="-128"/>
-                <a:ea typeface="BIZ UDゴシック" panose="020B0400000000000000" pitchFamily="49" charset="-128"/>
-              </a:rPr>
-              <a:t>7</a:t>
-            </a:r>
-            <a:r>
-              <a:rPr kumimoji="1" lang="en-US" altLang="ja-JP" sz="1200">
-                <a:latin typeface="BIZ UDゴシック" panose="020B0400000000000000" pitchFamily="49" charset="-128"/>
-                <a:ea typeface="BIZ UDゴシック" panose="020B0400000000000000" pitchFamily="49" charset="-128"/>
-              </a:rPr>
-              <a:t>)</a:t>
-            </a:r>
-            <a:r>
-              <a:rPr lang="ja-JP" altLang="en-US" sz="1200">
-                <a:latin typeface="BIZ UDゴシック" panose="020B0400000000000000" pitchFamily="49" charset="-128"/>
-                <a:ea typeface="BIZ UDゴシック" panose="020B0400000000000000" pitchFamily="49" charset="-128"/>
-              </a:rPr>
-              <a:t> </a:t>
-            </a:r>
-            <a:r>
-              <a:rPr kumimoji="1" lang="ja-JP" altLang="en-US" sz="1200">
-                <a:latin typeface="BIZ UDゴシック" panose="020B0400000000000000" pitchFamily="49" charset="-128"/>
-                <a:ea typeface="BIZ UDゴシック" panose="020B0400000000000000" pitchFamily="49" charset="-128"/>
-              </a:rPr>
-              <a:t>設計方針</a:t>
-            </a:r>
-          </a:p>
-        </p:txBody>
-      </p:sp>
-      <p:sp>
-        <p:nvSpPr>
-          <p:cNvPr id="5" name="テキスト ボックス 4">
-            <a:extLst>
-              <a:ext uri="{FF2B5EF4-FFF2-40B4-BE49-F238E27FC236}">
-                <a16:creationId xmlns:a16="http://schemas.microsoft.com/office/drawing/2014/main" id="{D1B6A8E4-5372-7A8C-0EF0-0C080B92E66B}"/>
-              </a:ext>
-            </a:extLst>
-          </p:cNvPr>
-          <p:cNvSpPr txBox="1"/>
-          <p:nvPr/>
-        </p:nvSpPr>
-        <p:spPr>
-          <a:xfrm>
-            <a:off x="869368" y="4350502"/>
-            <a:ext cx="8366393" cy="861774"/>
-          </a:xfrm>
-          <a:prstGeom prst="rect">
-            <a:avLst/>
-          </a:prstGeom>
-          <a:solidFill>
-            <a:schemeClr val="accent6">
-              <a:lumMod val="20000"/>
-              <a:lumOff val="80000"/>
-            </a:schemeClr>
-          </a:solidFill>
-        </p:spPr>
-        <p:txBody>
-          <a:bodyPr wrap="none" rtlCol="0">
-            <a:spAutoFit/>
-          </a:bodyPr>
-          <a:lstStyle/>
-          <a:p>
-            <a:pPr marL="228600" indent="-228600">
-              <a:buFont typeface="+mj-lt"/>
-              <a:buAutoNum type="arabicPeriod"/>
-            </a:pPr>
-            <a:r>
-              <a:rPr lang="ja-JP" altLang="en-US" sz="1000">
-                <a:latin typeface="BIZ UDゴシック" panose="020B0400000000000000" pitchFamily="49" charset="-128"/>
-                <a:ea typeface="BIZ UDゴシック" panose="020B0400000000000000" pitchFamily="49" charset="-128"/>
-              </a:rPr>
-              <a:t>まずセル仕様書で「動作温度」「保存温度」「安全停止温度」を確認する。</a:t>
-            </a:r>
-            <a:endParaRPr lang="en-US" altLang="ja-JP" sz="1000">
-              <a:latin typeface="BIZ UDゴシック" panose="020B0400000000000000" pitchFamily="49" charset="-128"/>
-              <a:ea typeface="BIZ UDゴシック" panose="020B0400000000000000" pitchFamily="49" charset="-128"/>
-            </a:endParaRPr>
-          </a:p>
-          <a:p>
-            <a:pPr marL="228600" indent="-228600">
-              <a:buFont typeface="+mj-lt"/>
-              <a:buAutoNum type="arabicPeriod"/>
-            </a:pPr>
-            <a:r>
-              <a:rPr lang="ja-JP" altLang="en-US" sz="1000">
-                <a:latin typeface="BIZ UDゴシック" panose="020B0400000000000000" pitchFamily="49" charset="-128"/>
-                <a:ea typeface="BIZ UDゴシック" panose="020B0400000000000000" pitchFamily="49" charset="-128"/>
-              </a:rPr>
-              <a:t>想定運用レンジ（たとえば </a:t>
-            </a:r>
-            <a:r>
-              <a:rPr lang="en-US" altLang="ja-JP" sz="1000">
-                <a:latin typeface="BIZ UDゴシック" panose="020B0400000000000000" pitchFamily="49" charset="-128"/>
-                <a:ea typeface="BIZ UDゴシック" panose="020B0400000000000000" pitchFamily="49" charset="-128"/>
-              </a:rPr>
-              <a:t>0〜60°C</a:t>
-            </a:r>
-            <a:r>
-              <a:rPr lang="ja-JP" altLang="en-US" sz="1000">
-                <a:latin typeface="BIZ UDゴシック" panose="020B0400000000000000" pitchFamily="49" charset="-128"/>
-                <a:ea typeface="BIZ UDゴシック" panose="020B0400000000000000" pitchFamily="49" charset="-128"/>
-              </a:rPr>
-              <a:t>）を決める。</a:t>
-            </a:r>
-            <a:endParaRPr lang="en-US" altLang="ja-JP" sz="1000">
-              <a:latin typeface="BIZ UDゴシック" panose="020B0400000000000000" pitchFamily="49" charset="-128"/>
-              <a:ea typeface="BIZ UDゴシック" panose="020B0400000000000000" pitchFamily="49" charset="-128"/>
-            </a:endParaRPr>
-          </a:p>
-          <a:p>
-            <a:pPr marL="228600" indent="-228600">
-              <a:buFont typeface="+mj-lt"/>
-              <a:buAutoNum type="arabicPeriod"/>
-            </a:pPr>
-            <a:r>
-              <a:rPr lang="en-US" altLang="ja-JP" sz="1000">
-                <a:latin typeface="BIZ UDゴシック" panose="020B0400000000000000" pitchFamily="49" charset="-128"/>
-                <a:ea typeface="BIZ UDゴシック" panose="020B0400000000000000" pitchFamily="49" charset="-128"/>
-              </a:rPr>
-              <a:t>ADC </a:t>
-            </a:r>
-            <a:r>
-              <a:rPr lang="ja-JP" altLang="en-US" sz="1000">
-                <a:latin typeface="BIZ UDゴシック" panose="020B0400000000000000" pitchFamily="49" charset="-128"/>
-                <a:ea typeface="BIZ UDゴシック" panose="020B0400000000000000" pitchFamily="49" charset="-128"/>
-              </a:rPr>
-              <a:t>のレンジ（</a:t>
-            </a:r>
-            <a:r>
-              <a:rPr lang="en-US" altLang="ja-JP" sz="1000">
-                <a:latin typeface="BIZ UDゴシック" panose="020B0400000000000000" pitchFamily="49" charset="-128"/>
-                <a:ea typeface="BIZ UDゴシック" panose="020B0400000000000000" pitchFamily="49" charset="-128"/>
-              </a:rPr>
-              <a:t>T_min/T_max</a:t>
-            </a:r>
-            <a:r>
-              <a:rPr lang="ja-JP" altLang="en-US" sz="1000">
-                <a:latin typeface="BIZ UDゴシック" panose="020B0400000000000000" pitchFamily="49" charset="-128"/>
-                <a:ea typeface="BIZ UDゴシック" panose="020B0400000000000000" pitchFamily="49" charset="-128"/>
-              </a:rPr>
-              <a:t>）を「想定運用レンジ ＋ マージン（例 </a:t>
-            </a:r>
-            <a:r>
-              <a:rPr lang="en-US" altLang="ja-JP" sz="1000">
-                <a:latin typeface="BIZ UDゴシック" panose="020B0400000000000000" pitchFamily="49" charset="-128"/>
-                <a:ea typeface="BIZ UDゴシック" panose="020B0400000000000000" pitchFamily="49" charset="-128"/>
-              </a:rPr>
-              <a:t>±10〜20°C</a:t>
-            </a:r>
-            <a:r>
-              <a:rPr lang="ja-JP" altLang="en-US" sz="1000">
-                <a:latin typeface="BIZ UDゴシック" panose="020B0400000000000000" pitchFamily="49" charset="-128"/>
-                <a:ea typeface="BIZ UDゴシック" panose="020B0400000000000000" pitchFamily="49" charset="-128"/>
-              </a:rPr>
-              <a:t>）」に設定して分解能を確保。</a:t>
-            </a:r>
-            <a:endParaRPr lang="en-US" altLang="ja-JP" sz="1000">
-              <a:latin typeface="BIZ UDゴシック" panose="020B0400000000000000" pitchFamily="49" charset="-128"/>
-              <a:ea typeface="BIZ UDゴシック" panose="020B0400000000000000" pitchFamily="49" charset="-128"/>
-            </a:endParaRPr>
-          </a:p>
-          <a:p>
-            <a:pPr marL="228600" indent="-228600">
-              <a:buFont typeface="+mj-lt"/>
-              <a:buAutoNum type="arabicPeriod"/>
-            </a:pPr>
-            <a:r>
-              <a:rPr lang="ja-JP" altLang="en-US" sz="1000">
-                <a:latin typeface="BIZ UDゴシック" panose="020B0400000000000000" pitchFamily="49" charset="-128"/>
-                <a:ea typeface="BIZ UDゴシック" panose="020B0400000000000000" pitchFamily="49" charset="-128"/>
-              </a:rPr>
-              <a:t>異常監視用に広域（例 −</a:t>
-            </a:r>
-            <a:r>
-              <a:rPr lang="en-US" altLang="ja-JP" sz="1000">
-                <a:latin typeface="BIZ UDゴシック" panose="020B0400000000000000" pitchFamily="49" charset="-128"/>
-                <a:ea typeface="BIZ UDゴシック" panose="020B0400000000000000" pitchFamily="49" charset="-128"/>
-              </a:rPr>
-              <a:t>40〜125°C</a:t>
-            </a:r>
-            <a:r>
-              <a:rPr lang="ja-JP" altLang="en-US" sz="1000">
-                <a:latin typeface="BIZ UDゴシック" panose="020B0400000000000000" pitchFamily="49" charset="-128"/>
-                <a:ea typeface="BIZ UDゴシック" panose="020B0400000000000000" pitchFamily="49" charset="-128"/>
-              </a:rPr>
-              <a:t>）で別系統の監視が必要なら、センサーの出力を別途分岐して高レンジ測定も可能（回路的に複雑）。</a:t>
-            </a:r>
-            <a:endParaRPr lang="en-US" altLang="ja-JP" sz="1000">
-              <a:latin typeface="BIZ UDゴシック" panose="020B0400000000000000" pitchFamily="49" charset="-128"/>
-              <a:ea typeface="BIZ UDゴシック" panose="020B0400000000000000" pitchFamily="49" charset="-128"/>
-            </a:endParaRPr>
-          </a:p>
-          <a:p>
-            <a:pPr marL="228600" indent="-228600">
-              <a:buFont typeface="+mj-lt"/>
-              <a:buAutoNum type="arabicPeriod"/>
-            </a:pPr>
-            <a:r>
-              <a:rPr lang="ja-JP" altLang="en-US" sz="1000">
-                <a:latin typeface="BIZ UDゴシック" panose="020B0400000000000000" pitchFamily="49" charset="-128"/>
-                <a:ea typeface="BIZ UDゴシック" panose="020B0400000000000000" pitchFamily="49" charset="-128"/>
-              </a:rPr>
-              <a:t>必ず ヒステリシス と 安全停止閾値 を設ける。</a:t>
-            </a:r>
-            <a:endParaRPr lang="en-US" altLang="ja-JP" sz="1000">
-              <a:latin typeface="BIZ UDゴシック" panose="020B0400000000000000" pitchFamily="49" charset="-128"/>
-              <a:ea typeface="BIZ UDゴシック" panose="020B0400000000000000" pitchFamily="49" charset="-128"/>
-            </a:endParaRPr>
-          </a:p>
-        </p:txBody>
-      </p:sp>
-    </p:spTree>
-    <p:extLst>
-      <p:ext uri="{BB962C8B-B14F-4D97-AF65-F5344CB8AC3E}">
-        <p14:creationId xmlns:p14="http://schemas.microsoft.com/office/powerpoint/2010/main" val="2353746993"/>
+        <p14:creationId xmlns:p14="http://schemas.microsoft.com/office/powerpoint/2010/main" val="116261769"/>
       </p:ext>
     </p:extLst>
   </p:cSld>
@@ -20162,4 +18392,319 @@
     </a:ext>
   </a:extLst>
 </a:theme>
+</file>
+
+<file path=ppt/theme/theme2.xml><?xml version="1.0" encoding="utf-8"?>
+<a:theme xmlns:a="http://schemas.openxmlformats.org/drawingml/2006/main" name="Office テーマ">
+  <a:themeElements>
+    <a:clrScheme name="Office">
+      <a:dk1>
+        <a:sysClr val="windowText" lastClr="000000"/>
+      </a:dk1>
+      <a:lt1>
+        <a:sysClr val="window" lastClr="FFFFFF"/>
+      </a:lt1>
+      <a:dk2>
+        <a:srgbClr val="0E2841"/>
+      </a:dk2>
+      <a:lt2>
+        <a:srgbClr val="E8E8E8"/>
+      </a:lt2>
+      <a:accent1>
+        <a:srgbClr val="156082"/>
+      </a:accent1>
+      <a:accent2>
+        <a:srgbClr val="E97132"/>
+      </a:accent2>
+      <a:accent3>
+        <a:srgbClr val="196B24"/>
+      </a:accent3>
+      <a:accent4>
+        <a:srgbClr val="0F9ED5"/>
+      </a:accent4>
+      <a:accent5>
+        <a:srgbClr val="A02B93"/>
+      </a:accent5>
+      <a:accent6>
+        <a:srgbClr val="4EA72E"/>
+      </a:accent6>
+      <a:hlink>
+        <a:srgbClr val="467886"/>
+      </a:hlink>
+      <a:folHlink>
+        <a:srgbClr val="96607D"/>
+      </a:folHlink>
+    </a:clrScheme>
+    <a:fontScheme name="Office">
+      <a:majorFont>
+        <a:latin typeface="游ゴシック Light" panose="02110004020202020204"/>
+        <a:ea typeface=""/>
+        <a:cs typeface=""/>
+        <a:font script="Jpan" typeface="游ゴシック Light"/>
+        <a:font script="Hang" typeface="맑은 고딕"/>
+        <a:font script="Hans" typeface="等线 Light"/>
+        <a:font script="Hant" typeface="新細明體"/>
+        <a:font script="Arab" typeface="Times New Roman"/>
+        <a:font script="Hebr" typeface="Times New Roman"/>
+        <a:font script="Thai" typeface="Angsana New"/>
+        <a:font script="Ethi" typeface="Nyala"/>
+        <a:font script="Beng" typeface="Vrinda"/>
+        <a:font script="Gujr" typeface="Shruti"/>
+        <a:font script="Khmr" typeface="MoolBoran"/>
+        <a:font script="Knda" typeface="Tunga"/>
+        <a:font script="Guru" typeface="Raavi"/>
+        <a:font script="Cans" typeface="Euphemia"/>
+        <a:font script="Cher" typeface="Plantagenet Cherokee"/>
+        <a:font script="Yiii" typeface="Microsoft Yi Baiti"/>
+        <a:font script="Tibt" typeface="Microsoft Himalaya"/>
+        <a:font script="Thaa" typeface="MV Boli"/>
+        <a:font script="Deva" typeface="Mangal"/>
+        <a:font script="Telu" typeface="Gautami"/>
+        <a:font script="Taml" typeface="Latha"/>
+        <a:font script="Syrc" typeface="Estrangelo Edessa"/>
+        <a:font script="Orya" typeface="Kalinga"/>
+        <a:font script="Mlym" typeface="Kartika"/>
+        <a:font script="Laoo" typeface="DokChampa"/>
+        <a:font script="Sinh" typeface="Iskoola Pota"/>
+        <a:font script="Mong" typeface="Mongolian Baiti"/>
+        <a:font script="Viet" typeface="Times New Roman"/>
+        <a:font script="Uigh" typeface="Microsoft Uighur"/>
+        <a:font script="Geor" typeface="Sylfaen"/>
+        <a:font script="Armn" typeface="Arial"/>
+        <a:font script="Bugi" typeface="Leelawadee UI"/>
+        <a:font script="Bopo" typeface="Microsoft JhengHei"/>
+        <a:font script="Java" typeface="Javanese Text"/>
+        <a:font script="Lisu" typeface="Segoe UI"/>
+        <a:font script="Mymr" typeface="Myanmar Text"/>
+        <a:font script="Nkoo" typeface="Ebrima"/>
+        <a:font script="Olck" typeface="Nirmala UI"/>
+        <a:font script="Osma" typeface="Ebrima"/>
+        <a:font script="Phag" typeface="Phagspa"/>
+        <a:font script="Syrn" typeface="Estrangelo Edessa"/>
+        <a:font script="Syrj" typeface="Estrangelo Edessa"/>
+        <a:font script="Syre" typeface="Estrangelo Edessa"/>
+        <a:font script="Sora" typeface="Nirmala UI"/>
+        <a:font script="Tale" typeface="Microsoft Tai Le"/>
+        <a:font script="Talu" typeface="Microsoft New Tai Lue"/>
+        <a:font script="Tfng" typeface="Ebrima"/>
+      </a:majorFont>
+      <a:minorFont>
+        <a:latin typeface="游ゴシック" panose="02110004020202020204"/>
+        <a:ea typeface=""/>
+        <a:cs typeface=""/>
+        <a:font script="Jpan" typeface="游ゴシック"/>
+        <a:font script="Hang" typeface="맑은 고딕"/>
+        <a:font script="Hans" typeface="等线"/>
+        <a:font script="Hant" typeface="新細明體"/>
+        <a:font script="Arab" typeface="Arial"/>
+        <a:font script="Hebr" typeface="Arial"/>
+        <a:font script="Thai" typeface="Cordia New"/>
+        <a:font script="Ethi" typeface="Nyala"/>
+        <a:font script="Beng" typeface="Vrinda"/>
+        <a:font script="Gujr" typeface="Shruti"/>
+        <a:font script="Khmr" typeface="DaunPenh"/>
+        <a:font script="Knda" typeface="Tunga"/>
+        <a:font script="Guru" typeface="Raavi"/>
+        <a:font script="Cans" typeface="Euphemia"/>
+        <a:font script="Cher" typeface="Plantagenet Cherokee"/>
+        <a:font script="Yiii" typeface="Microsoft Yi Baiti"/>
+        <a:font script="Tibt" typeface="Microsoft Himalaya"/>
+        <a:font script="Thaa" typeface="MV Boli"/>
+        <a:font script="Deva" typeface="Mangal"/>
+        <a:font script="Telu" typeface="Gautami"/>
+        <a:font script="Taml" typeface="Latha"/>
+        <a:font script="Syrc" typeface="Estrangelo Edessa"/>
+        <a:font script="Orya" typeface="Kalinga"/>
+        <a:font script="Mlym" typeface="Kartika"/>
+        <a:font script="Laoo" typeface="DokChampa"/>
+        <a:font script="Sinh" typeface="Iskoola Pota"/>
+        <a:font script="Mong" typeface="Mongolian Baiti"/>
+        <a:font script="Viet" typeface="Arial"/>
+        <a:font script="Uigh" typeface="Microsoft Uighur"/>
+        <a:font script="Geor" typeface="Sylfaen"/>
+        <a:font script="Armn" typeface="Arial"/>
+        <a:font script="Bugi" typeface="Leelawadee UI"/>
+        <a:font script="Bopo" typeface="Microsoft JhengHei"/>
+        <a:font script="Java" typeface="Javanese Text"/>
+        <a:font script="Lisu" typeface="Segoe UI"/>
+        <a:font script="Mymr" typeface="Myanmar Text"/>
+        <a:font script="Nkoo" typeface="Ebrima"/>
+        <a:font script="Olck" typeface="Nirmala UI"/>
+        <a:font script="Osma" typeface="Ebrima"/>
+        <a:font script="Phag" typeface="Phagspa"/>
+        <a:font script="Syrn" typeface="Estrangelo Edessa"/>
+        <a:font script="Syrj" typeface="Estrangelo Edessa"/>
+        <a:font script="Syre" typeface="Estrangelo Edessa"/>
+        <a:font script="Sora" typeface="Nirmala UI"/>
+        <a:font script="Tale" typeface="Microsoft Tai Le"/>
+        <a:font script="Talu" typeface="Microsoft New Tai Lue"/>
+        <a:font script="Tfng" typeface="Ebrima"/>
+      </a:minorFont>
+    </a:fontScheme>
+    <a:fmtScheme name="Office">
+      <a:fillStyleLst>
+        <a:solidFill>
+          <a:schemeClr val="phClr"/>
+        </a:solidFill>
+        <a:gradFill rotWithShape="1">
+          <a:gsLst>
+            <a:gs pos="0">
+              <a:schemeClr val="phClr">
+                <a:lumMod val="110000"/>
+                <a:satMod val="105000"/>
+                <a:tint val="67000"/>
+              </a:schemeClr>
+            </a:gs>
+            <a:gs pos="50000">
+              <a:schemeClr val="phClr">
+                <a:lumMod val="105000"/>
+                <a:satMod val="103000"/>
+                <a:tint val="73000"/>
+              </a:schemeClr>
+            </a:gs>
+            <a:gs pos="100000">
+              <a:schemeClr val="phClr">
+                <a:lumMod val="105000"/>
+                <a:satMod val="109000"/>
+                <a:tint val="81000"/>
+              </a:schemeClr>
+            </a:gs>
+          </a:gsLst>
+          <a:lin ang="5400000" scaled="0"/>
+        </a:gradFill>
+        <a:gradFill rotWithShape="1">
+          <a:gsLst>
+            <a:gs pos="0">
+              <a:schemeClr val="phClr">
+                <a:satMod val="103000"/>
+                <a:lumMod val="102000"/>
+                <a:tint val="94000"/>
+              </a:schemeClr>
+            </a:gs>
+            <a:gs pos="50000">
+              <a:schemeClr val="phClr">
+                <a:satMod val="110000"/>
+                <a:lumMod val="100000"/>
+                <a:shade val="100000"/>
+              </a:schemeClr>
+            </a:gs>
+            <a:gs pos="100000">
+              <a:schemeClr val="phClr">
+                <a:lumMod val="99000"/>
+                <a:satMod val="120000"/>
+                <a:shade val="78000"/>
+              </a:schemeClr>
+            </a:gs>
+          </a:gsLst>
+          <a:lin ang="5400000" scaled="0"/>
+        </a:gradFill>
+      </a:fillStyleLst>
+      <a:lnStyleLst>
+        <a:ln w="12700" cap="flat" cmpd="sng" algn="ctr">
+          <a:solidFill>
+            <a:schemeClr val="phClr"/>
+          </a:solidFill>
+          <a:prstDash val="solid"/>
+          <a:miter lim="800000"/>
+        </a:ln>
+        <a:ln w="19050" cap="flat" cmpd="sng" algn="ctr">
+          <a:solidFill>
+            <a:schemeClr val="phClr"/>
+          </a:solidFill>
+          <a:prstDash val="solid"/>
+          <a:miter lim="800000"/>
+        </a:ln>
+        <a:ln w="25400" cap="flat" cmpd="sng" algn="ctr">
+          <a:solidFill>
+            <a:schemeClr val="phClr"/>
+          </a:solidFill>
+          <a:prstDash val="solid"/>
+          <a:miter lim="800000"/>
+        </a:ln>
+      </a:lnStyleLst>
+      <a:effectStyleLst>
+        <a:effectStyle>
+          <a:effectLst/>
+        </a:effectStyle>
+        <a:effectStyle>
+          <a:effectLst/>
+        </a:effectStyle>
+        <a:effectStyle>
+          <a:effectLst>
+            <a:outerShdw blurRad="57150" dist="19050" dir="5400000" algn="ctr" rotWithShape="0">
+              <a:srgbClr val="000000">
+                <a:alpha val="63000"/>
+              </a:srgbClr>
+            </a:outerShdw>
+          </a:effectLst>
+        </a:effectStyle>
+      </a:effectStyleLst>
+      <a:bgFillStyleLst>
+        <a:solidFill>
+          <a:schemeClr val="phClr"/>
+        </a:solidFill>
+        <a:solidFill>
+          <a:schemeClr val="phClr">
+            <a:tint val="95000"/>
+            <a:satMod val="170000"/>
+          </a:schemeClr>
+        </a:solidFill>
+        <a:gradFill rotWithShape="1">
+          <a:gsLst>
+            <a:gs pos="0">
+              <a:schemeClr val="phClr">
+                <a:tint val="93000"/>
+                <a:satMod val="150000"/>
+                <a:shade val="98000"/>
+                <a:lumMod val="102000"/>
+              </a:schemeClr>
+            </a:gs>
+            <a:gs pos="50000">
+              <a:schemeClr val="phClr">
+                <a:tint val="98000"/>
+                <a:satMod val="130000"/>
+                <a:shade val="90000"/>
+                <a:lumMod val="103000"/>
+              </a:schemeClr>
+            </a:gs>
+            <a:gs pos="100000">
+              <a:schemeClr val="phClr">
+                <a:shade val="63000"/>
+                <a:satMod val="120000"/>
+              </a:schemeClr>
+            </a:gs>
+          </a:gsLst>
+          <a:lin ang="5400000" scaled="0"/>
+        </a:gradFill>
+      </a:bgFillStyleLst>
+    </a:fmtScheme>
+  </a:themeElements>
+  <a:objectDefaults>
+    <a:lnDef>
+      <a:spPr/>
+      <a:bodyPr/>
+      <a:lstStyle/>
+      <a:style>
+        <a:lnRef idx="2">
+          <a:schemeClr val="accent1"/>
+        </a:lnRef>
+        <a:fillRef idx="0">
+          <a:schemeClr val="accent1"/>
+        </a:fillRef>
+        <a:effectRef idx="1">
+          <a:schemeClr val="accent1"/>
+        </a:effectRef>
+        <a:fontRef idx="minor">
+          <a:schemeClr val="tx1"/>
+        </a:fontRef>
+      </a:style>
+    </a:lnDef>
+  </a:objectDefaults>
+  <a:extraClrSchemeLst/>
+  <a:extLst>
+    <a:ext uri="{05A4C25C-085E-4340-85A3-A5531E510DB2}">
+      <thm15:themeFamily xmlns:thm15="http://schemas.microsoft.com/office/thememl/2012/main" name="Office Theme" id="{2E142A2C-CD16-42D6-873A-C26D2A0506FA}" vid="{1BDDFF52-6CD6-40A5-AB3C-68EB2F1E4D0A}"/>
+    </a:ext>
+  </a:extLst>
+</a:theme>
 </file>